--- a/slides/Youtube_Channels_Sergio_Burgos.pptx
+++ b/slides/Youtube_Channels_Sergio_Burgos.pptx
@@ -6,8 +6,28 @@
   </p:sldMasterIdLst>
   <p:sldIdLst>
     <p:sldId id="256" r:id="rId2"/>
-    <p:sldId id="257" r:id="rId3"/>
-    <p:sldId id="258" r:id="rId4"/>
+    <p:sldId id="274" r:id="rId3"/>
+    <p:sldId id="257" r:id="rId4"/>
+    <p:sldId id="271" r:id="rId5"/>
+    <p:sldId id="279" r:id="rId6"/>
+    <p:sldId id="273" r:id="rId7"/>
+    <p:sldId id="268" r:id="rId8"/>
+    <p:sldId id="269" r:id="rId9"/>
+    <p:sldId id="270" r:id="rId10"/>
+    <p:sldId id="280" r:id="rId11"/>
+    <p:sldId id="262" r:id="rId12"/>
+    <p:sldId id="263" r:id="rId13"/>
+    <p:sldId id="264" r:id="rId14"/>
+    <p:sldId id="282" r:id="rId15"/>
+    <p:sldId id="272" r:id="rId16"/>
+    <p:sldId id="265" r:id="rId17"/>
+    <p:sldId id="283" r:id="rId18"/>
+    <p:sldId id="266" r:id="rId19"/>
+    <p:sldId id="267" r:id="rId20"/>
+    <p:sldId id="285" r:id="rId21"/>
+    <p:sldId id="276" r:id="rId22"/>
+    <p:sldId id="277" r:id="rId23"/>
+    <p:sldId id="278" r:id="rId24"/>
   </p:sldIdLst>
   <p:sldSz cx="12192000" cy="6858000"/>
   <p:notesSz cx="6858000" cy="9144000"/>
@@ -106,6 +126,11 @@
       </a:defRPr>
     </a:lvl9pPr>
   </p:defaultTextStyle>
+  <p:extLst>
+    <p:ext uri="{EFAFB233-063F-42B5-8137-9DF3F51BA10A}">
+      <p15:sldGuideLst xmlns:p15="http://schemas.microsoft.com/office/powerpoint/2012/main"/>
+    </p:ext>
+  </p:extLst>
 </p:presentation>
 </file>
 
@@ -3604,7 +3629,7 @@
                   <a:srgbClr val="FFFFFF"/>
                 </a:solidFill>
               </a:rPr>
-              <a:t> </a:t>
+              <a:t>’ </a:t>
             </a:r>
             <a:br>
               <a:rPr lang="es-419" sz="8900" dirty="0">
@@ -3683,7 +3708,7 @@
               </a:lnSpc>
             </a:pPr>
             <a:r>
-              <a:rPr lang="es-419" sz="3200" dirty="0">
+              <a:rPr lang="es-419" sz="3200" b="1" dirty="0">
                 <a:solidFill>
                   <a:srgbClr val="FFFFFF"/>
                 </a:solidFill>
@@ -3698,7 +3723,7 @@
               </a:lnSpc>
             </a:pPr>
             <a:r>
-              <a:rPr lang="es-419" sz="3200" dirty="0">
+              <a:rPr lang="es-419" sz="3200" b="1" dirty="0">
                 <a:solidFill>
                   <a:srgbClr val="00B0F0"/>
                 </a:solidFill>
@@ -3706,7 +3731,7 @@
               <a:t>Data </a:t>
             </a:r>
             <a:r>
-              <a:rPr lang="es-419" sz="3200" dirty="0" err="1">
+              <a:rPr lang="es-419" sz="3200" b="1" dirty="0" err="1">
                 <a:solidFill>
                   <a:srgbClr val="00B0F0"/>
                 </a:solidFill>
@@ -3714,7 +3739,7 @@
               <a:t>Analytics</a:t>
             </a:r>
             <a:r>
-              <a:rPr lang="es-419" sz="3200" dirty="0">
+              <a:rPr lang="es-419" sz="3200" b="1" dirty="0">
                 <a:solidFill>
                   <a:srgbClr val="00B0F0"/>
                 </a:solidFill>
@@ -3722,14 +3747,14 @@
               <a:t> </a:t>
             </a:r>
             <a:r>
-              <a:rPr lang="es-419" sz="3200" dirty="0" err="1">
+              <a:rPr lang="es-419" sz="3200" b="1" dirty="0" err="1">
                 <a:solidFill>
                   <a:srgbClr val="00B0F0"/>
                 </a:solidFill>
               </a:rPr>
               <a:t>Bootcamp</a:t>
             </a:r>
-            <a:endParaRPr lang="es-419" sz="3200" dirty="0">
+            <a:endParaRPr lang="es-419" sz="3200" b="1" dirty="0">
               <a:solidFill>
                 <a:srgbClr val="00B0F0"/>
               </a:solidFill>
@@ -3742,7 +3767,7 @@
               </a:lnSpc>
             </a:pPr>
             <a:r>
-              <a:rPr lang="es-419" sz="3200" dirty="0">
+              <a:rPr lang="es-419" sz="3200" b="1" dirty="0">
                 <a:solidFill>
                   <a:schemeClr val="tx2">
                     <a:lumMod val="50000"/>
@@ -3752,7 +3777,7 @@
               <a:t>Final Project  </a:t>
             </a:r>
             <a:r>
-              <a:rPr lang="es-419" sz="3200" dirty="0" err="1">
+              <a:rPr lang="es-419" sz="3200" b="1" dirty="0" err="1">
                 <a:solidFill>
                   <a:srgbClr val="FFFFFF"/>
                 </a:solidFill>
@@ -3760,7 +3785,7 @@
               <a:t>By</a:t>
             </a:r>
             <a:r>
-              <a:rPr lang="es-419" sz="3200" dirty="0">
+              <a:rPr lang="es-419" sz="3200" b="1" dirty="0">
                 <a:solidFill>
                   <a:srgbClr val="FFFFFF"/>
                 </a:solidFill>
@@ -3768,7 +3793,7 @@
               <a:t> </a:t>
             </a:r>
             <a:r>
-              <a:rPr lang="es-419" sz="3200" dirty="0">
+              <a:rPr lang="es-419" sz="3200" b="1" dirty="0">
                 <a:solidFill>
                   <a:schemeClr val="bg1">
                     <a:lumMod val="95000"/>
@@ -3777,7 +3802,7 @@
               </a:rPr>
               <a:t>Sergio Burgos </a:t>
             </a:r>
-            <a:endParaRPr lang="es-ES" sz="3200" dirty="0">
+            <a:endParaRPr lang="es-ES" sz="3200" b="1" dirty="0">
               <a:solidFill>
                 <a:schemeClr val="bg1">
                   <a:lumMod val="95000"/>
@@ -3944,7 +3969,7 @@
 </p:sld>
 </file>
 
-<file path=ppt/slides/slide2.xml><?xml version="1.0" encoding="utf-8"?>
+<file path=ppt/slides/slide10.xml><?xml version="1.0" encoding="utf-8"?>
 <p:sld xmlns:a="http://schemas.openxmlformats.org/drawingml/2006/main" xmlns:r="http://schemas.openxmlformats.org/officeDocument/2006/relationships" xmlns:p="http://schemas.openxmlformats.org/presentationml/2006/main">
   <p:cSld>
     <p:spTree>
@@ -3961,60 +3986,108 @@
           <a:chExt cx="0" cy="0"/>
         </a:xfrm>
       </p:grpSpPr>
-      <p:sp>
-        <p:nvSpPr>
-          <p:cNvPr id="2" name="Title 1">
-            <a:extLst>
-              <a:ext uri="{FF2B5EF4-FFF2-40B4-BE49-F238E27FC236}">
-                <a16:creationId xmlns:a16="http://schemas.microsoft.com/office/drawing/2014/main" id="{AE927FDD-4A8B-D095-64DB-FC5178F34106}"/>
-              </a:ext>
-            </a:extLst>
-          </p:cNvPr>
-          <p:cNvSpPr>
-            <a:spLocks noGrp="1"/>
-          </p:cNvSpPr>
-          <p:nvPr>
-            <p:ph type="title"/>
-          </p:nvPr>
-        </p:nvSpPr>
-        <p:spPr/>
-        <p:txBody>
-          <a:bodyPr/>
+      <p:pic>
+        <p:nvPicPr>
+          <p:cNvPr id="4" name="Picture 3" descr="Triangular abstract background">
+            <a:extLst>
+              <a:ext uri="{FF2B5EF4-FFF2-40B4-BE49-F238E27FC236}">
+                <a16:creationId xmlns:a16="http://schemas.microsoft.com/office/drawing/2014/main" id="{1025C8CE-B8EC-9FDA-3C04-7414F8AFB6DA}"/>
+              </a:ext>
+            </a:extLst>
+          </p:cNvPr>
+          <p:cNvPicPr>
+            <a:picLocks noChangeAspect="1"/>
+          </p:cNvPicPr>
+          <p:nvPr/>
+        </p:nvPicPr>
+        <p:blipFill rotWithShape="1">
+          <a:blip r:embed="rId2">
+            <a:alphaModFix amt="60000"/>
+          </a:blip>
+          <a:srcRect t="15730"/>
+          <a:stretch/>
+        </p:blipFill>
+        <p:spPr>
+          <a:xfrm>
+            <a:off x="1" y="1"/>
+            <a:ext cx="12192000" cy="6858000"/>
+          </a:xfrm>
+          <a:prstGeom prst="rect">
+            <a:avLst/>
+          </a:prstGeom>
+        </p:spPr>
+      </p:pic>
+      <p:sp>
+        <p:nvSpPr>
+          <p:cNvPr id="8" name="Subtitle 7">
+            <a:extLst>
+              <a:ext uri="{FF2B5EF4-FFF2-40B4-BE49-F238E27FC236}">
+                <a16:creationId xmlns:a16="http://schemas.microsoft.com/office/drawing/2014/main" id="{D30805F3-4F6A-67CA-187D-4C8F34B70B26}"/>
+              </a:ext>
+            </a:extLst>
+          </p:cNvPr>
+          <p:cNvSpPr>
+            <a:spLocks noGrp="1"/>
+          </p:cNvSpPr>
+          <p:nvPr>
+            <p:ph type="subTitle" idx="1"/>
+          </p:nvPr>
+        </p:nvSpPr>
+        <p:spPr>
+          <a:xfrm>
+            <a:off x="1916272" y="2454292"/>
+            <a:ext cx="9288096" cy="1435331"/>
+          </a:xfrm>
+        </p:spPr>
+        <p:txBody>
+          <a:bodyPr>
+            <a:normAutofit lnSpcReduction="10000"/>
+          </a:bodyPr>
           <a:lstStyle/>
           <a:p>
-            <a:endParaRPr lang="es-ES"/>
-          </a:p>
-        </p:txBody>
-      </p:sp>
-      <p:sp>
-        <p:nvSpPr>
-          <p:cNvPr id="3" name="Content Placeholder 2">
-            <a:extLst>
-              <a:ext uri="{FF2B5EF4-FFF2-40B4-BE49-F238E27FC236}">
-                <a16:creationId xmlns:a16="http://schemas.microsoft.com/office/drawing/2014/main" id="{A22A9C21-1E44-1334-03D3-BAA6B714C8B3}"/>
-              </a:ext>
-            </a:extLst>
-          </p:cNvPr>
-          <p:cNvSpPr>
-            <a:spLocks noGrp="1"/>
-          </p:cNvSpPr>
-          <p:nvPr>
-            <p:ph idx="1"/>
-          </p:nvPr>
-        </p:nvSpPr>
-        <p:spPr/>
-        <p:txBody>
-          <a:bodyPr/>
-          <a:lstStyle/>
-          <a:p>
-            <a:endParaRPr lang="es-ES"/>
+            <a:r>
+              <a:rPr lang="en-US" sz="6000" b="1" dirty="0">
+                <a:solidFill>
+                  <a:srgbClr val="FF0000"/>
+                </a:solidFill>
+                <a:latin typeface="+mj-lt"/>
+                <a:ea typeface="+mj-ea"/>
+                <a:cs typeface="+mj-cs"/>
+              </a:rPr>
+              <a:t>Trending </a:t>
+            </a:r>
+            <a:r>
+              <a:rPr lang="en-US" sz="6000" b="1" dirty="0">
+                <a:latin typeface="+mj-lt"/>
+                <a:ea typeface="+mj-ea"/>
+                <a:cs typeface="+mj-cs"/>
+              </a:rPr>
+              <a:t>Topics</a:t>
+            </a:r>
+            <a:br>
+              <a:rPr kumimoji="0" lang="en-US" sz="5900" b="1" i="0" u="none" strike="noStrike" kern="1200" cap="all" spc="0" normalizeH="0" baseline="0" noProof="0" dirty="0">
+                <a:ln>
+                  <a:noFill/>
+                </a:ln>
+                <a:solidFill>
+                  <a:srgbClr val="FFFFFF"/>
+                </a:solidFill>
+                <a:effectLst/>
+                <a:uLnTx/>
+                <a:uFillTx/>
+                <a:latin typeface="Neue Haas Grotesk Text Pro"/>
+                <a:ea typeface="+mj-ea"/>
+                <a:cs typeface="+mj-cs"/>
+              </a:rPr>
+            </a:br>
+            <a:endParaRPr lang="es-ES" dirty="0"/>
           </a:p>
         </p:txBody>
       </p:sp>
     </p:spTree>
     <p:extLst>
       <p:ext uri="{BB962C8B-B14F-4D97-AF65-F5344CB8AC3E}">
-        <p14:creationId xmlns:p14="http://schemas.microsoft.com/office/powerpoint/2010/main" val="2649059239"/>
+        <p14:creationId xmlns:p14="http://schemas.microsoft.com/office/powerpoint/2010/main" val="230053590"/>
       </p:ext>
     </p:extLst>
   </p:cSld>
@@ -4024,7 +4097,7 @@
 </p:sld>
 </file>
 
-<file path=ppt/slides/slide3.xml><?xml version="1.0" encoding="utf-8"?>
+<file path=ppt/slides/slide11.xml><?xml version="1.0" encoding="utf-8"?>
 <p:sld xmlns:a="http://schemas.openxmlformats.org/drawingml/2006/main" xmlns:r="http://schemas.openxmlformats.org/officeDocument/2006/relationships" xmlns:p="http://schemas.openxmlformats.org/presentationml/2006/main">
   <p:cSld>
     <p:spTree>
@@ -4041,60 +4114,3878 @@
           <a:chExt cx="0" cy="0"/>
         </a:xfrm>
       </p:grpSpPr>
-      <p:sp>
-        <p:nvSpPr>
-          <p:cNvPr id="2" name="Title 1">
-            <a:extLst>
-              <a:ext uri="{FF2B5EF4-FFF2-40B4-BE49-F238E27FC236}">
-                <a16:creationId xmlns:a16="http://schemas.microsoft.com/office/drawing/2014/main" id="{06F750B4-9EE0-E1DE-14C7-02BCF18C8EF4}"/>
-              </a:ext>
-            </a:extLst>
-          </p:cNvPr>
-          <p:cNvSpPr>
-            <a:spLocks noGrp="1"/>
-          </p:cNvSpPr>
-          <p:nvPr>
-            <p:ph type="ctrTitle"/>
-          </p:nvPr>
-        </p:nvSpPr>
-        <p:spPr/>
-        <p:txBody>
-          <a:bodyPr/>
-          <a:lstStyle/>
-          <a:p>
-            <a:endParaRPr lang="es-ES"/>
-          </a:p>
-        </p:txBody>
-      </p:sp>
-      <p:sp>
-        <p:nvSpPr>
-          <p:cNvPr id="3" name="Subtitle 2">
-            <a:extLst>
-              <a:ext uri="{FF2B5EF4-FFF2-40B4-BE49-F238E27FC236}">
-                <a16:creationId xmlns:a16="http://schemas.microsoft.com/office/drawing/2014/main" id="{D8231D8E-FA4E-40EA-DD66-F0D35C201C8D}"/>
-              </a:ext>
-            </a:extLst>
-          </p:cNvPr>
-          <p:cNvSpPr>
-            <a:spLocks noGrp="1"/>
-          </p:cNvSpPr>
-          <p:nvPr>
-            <p:ph type="subTitle" idx="1"/>
-          </p:nvPr>
-        </p:nvSpPr>
-        <p:spPr/>
-        <p:txBody>
-          <a:bodyPr/>
-          <a:lstStyle/>
-          <a:p>
-            <a:endParaRPr lang="es-ES"/>
-          </a:p>
-        </p:txBody>
-      </p:sp>
+      <p:pic>
+        <p:nvPicPr>
+          <p:cNvPr id="4" name="Picture 3" descr="Triangular abstract background">
+            <a:extLst>
+              <a:ext uri="{FF2B5EF4-FFF2-40B4-BE49-F238E27FC236}">
+                <a16:creationId xmlns:a16="http://schemas.microsoft.com/office/drawing/2014/main" id="{1025C8CE-B8EC-9FDA-3C04-7414F8AFB6DA}"/>
+              </a:ext>
+            </a:extLst>
+          </p:cNvPr>
+          <p:cNvPicPr>
+            <a:picLocks noChangeAspect="1"/>
+          </p:cNvPicPr>
+          <p:nvPr/>
+        </p:nvPicPr>
+        <p:blipFill rotWithShape="1">
+          <a:blip r:embed="rId2">
+            <a:alphaModFix amt="60000"/>
+          </a:blip>
+          <a:srcRect t="15730"/>
+          <a:stretch/>
+        </p:blipFill>
+        <p:spPr>
+          <a:xfrm>
+            <a:off x="1" y="1"/>
+            <a:ext cx="12192000" cy="6858000"/>
+          </a:xfrm>
+          <a:prstGeom prst="rect">
+            <a:avLst/>
+          </a:prstGeom>
+        </p:spPr>
+      </p:pic>
+      <p:pic>
+        <p:nvPicPr>
+          <p:cNvPr id="9" name="Content Placeholder 4" descr="A graph of different colored lines&#10;&#10;Description automatically generated">
+            <a:extLst>
+              <a:ext uri="{FF2B5EF4-FFF2-40B4-BE49-F238E27FC236}">
+                <a16:creationId xmlns:a16="http://schemas.microsoft.com/office/drawing/2014/main" id="{B3913A07-50E5-974E-FC0D-30E44B3C07D7}"/>
+              </a:ext>
+            </a:extLst>
+          </p:cNvPr>
+          <p:cNvPicPr>
+            <a:picLocks noChangeAspect="1"/>
+          </p:cNvPicPr>
+          <p:nvPr/>
+        </p:nvPicPr>
+        <p:blipFill>
+          <a:blip r:embed="rId3">
+            <a:extLst>
+              <a:ext uri="{28A0092B-C50C-407E-A947-70E740481C1C}">
+                <a14:useLocalDpi xmlns:a14="http://schemas.microsoft.com/office/drawing/2010/main" val="0"/>
+              </a:ext>
+            </a:extLst>
+          </a:blip>
+          <a:stretch>
+            <a:fillRect/>
+          </a:stretch>
+        </p:blipFill>
+        <p:spPr>
+          <a:xfrm>
+            <a:off x="2730036" y="32910"/>
+            <a:ext cx="6731928" cy="6792180"/>
+          </a:xfrm>
+          <a:prstGeom prst="rect">
+            <a:avLst/>
+          </a:prstGeom>
+        </p:spPr>
+      </p:pic>
     </p:spTree>
     <p:extLst>
       <p:ext uri="{BB962C8B-B14F-4D97-AF65-F5344CB8AC3E}">
-        <p14:creationId xmlns:p14="http://schemas.microsoft.com/office/powerpoint/2010/main" val="2894417459"/>
+        <p14:creationId xmlns:p14="http://schemas.microsoft.com/office/powerpoint/2010/main" val="1178017147"/>
+      </p:ext>
+    </p:extLst>
+  </p:cSld>
+  <p:clrMapOvr>
+    <a:masterClrMapping/>
+  </p:clrMapOvr>
+</p:sld>
+</file>
+
+<file path=ppt/slides/slide12.xml><?xml version="1.0" encoding="utf-8"?>
+<p:sld xmlns:a="http://schemas.openxmlformats.org/drawingml/2006/main" xmlns:r="http://schemas.openxmlformats.org/officeDocument/2006/relationships" xmlns:p="http://schemas.openxmlformats.org/presentationml/2006/main">
+  <p:cSld>
+    <p:spTree>
+      <p:nvGrpSpPr>
+        <p:cNvPr id="1" name=""/>
+        <p:cNvGrpSpPr/>
+        <p:nvPr/>
+      </p:nvGrpSpPr>
+      <p:grpSpPr>
+        <a:xfrm>
+          <a:off x="0" y="0"/>
+          <a:ext cx="0" cy="0"/>
+          <a:chOff x="0" y="0"/>
+          <a:chExt cx="0" cy="0"/>
+        </a:xfrm>
+      </p:grpSpPr>
+      <p:pic>
+        <p:nvPicPr>
+          <p:cNvPr id="4" name="Picture 3" descr="Triangular abstract background">
+            <a:extLst>
+              <a:ext uri="{FF2B5EF4-FFF2-40B4-BE49-F238E27FC236}">
+                <a16:creationId xmlns:a16="http://schemas.microsoft.com/office/drawing/2014/main" id="{1025C8CE-B8EC-9FDA-3C04-7414F8AFB6DA}"/>
+              </a:ext>
+            </a:extLst>
+          </p:cNvPr>
+          <p:cNvPicPr>
+            <a:picLocks noChangeAspect="1"/>
+          </p:cNvPicPr>
+          <p:nvPr/>
+        </p:nvPicPr>
+        <p:blipFill rotWithShape="1">
+          <a:blip r:embed="rId2">
+            <a:alphaModFix amt="60000"/>
+          </a:blip>
+          <a:srcRect t="15730"/>
+          <a:stretch/>
+        </p:blipFill>
+        <p:spPr>
+          <a:xfrm>
+            <a:off x="1" y="1"/>
+            <a:ext cx="12192000" cy="6858000"/>
+          </a:xfrm>
+          <a:prstGeom prst="rect">
+            <a:avLst/>
+          </a:prstGeom>
+        </p:spPr>
+      </p:pic>
+      <p:sp>
+        <p:nvSpPr>
+          <p:cNvPr id="8" name="Subtitle 7">
+            <a:extLst>
+              <a:ext uri="{FF2B5EF4-FFF2-40B4-BE49-F238E27FC236}">
+                <a16:creationId xmlns:a16="http://schemas.microsoft.com/office/drawing/2014/main" id="{D30805F3-4F6A-67CA-187D-4C8F34B70B26}"/>
+              </a:ext>
+            </a:extLst>
+          </p:cNvPr>
+          <p:cNvSpPr>
+            <a:spLocks noGrp="1"/>
+          </p:cNvSpPr>
+          <p:nvPr>
+            <p:ph type="subTitle" idx="1"/>
+          </p:nvPr>
+        </p:nvSpPr>
+        <p:spPr/>
+        <p:txBody>
+          <a:bodyPr/>
+          <a:lstStyle/>
+          <a:p>
+            <a:endParaRPr lang="es-ES" dirty="0"/>
+          </a:p>
+        </p:txBody>
+      </p:sp>
+      <p:pic>
+        <p:nvPicPr>
+          <p:cNvPr id="5" name="Picture 4" descr="A graph of lines with different colored lines&#10;&#10;Description automatically generated">
+            <a:extLst>
+              <a:ext uri="{FF2B5EF4-FFF2-40B4-BE49-F238E27FC236}">
+                <a16:creationId xmlns:a16="http://schemas.microsoft.com/office/drawing/2014/main" id="{B1DD2048-A2D9-07BF-028A-B6C5B07CE7EC}"/>
+              </a:ext>
+            </a:extLst>
+          </p:cNvPr>
+          <p:cNvPicPr>
+            <a:picLocks noChangeAspect="1"/>
+          </p:cNvPicPr>
+          <p:nvPr/>
+        </p:nvPicPr>
+        <p:blipFill>
+          <a:blip r:embed="rId3">
+            <a:extLst>
+              <a:ext uri="{28A0092B-C50C-407E-A947-70E740481C1C}">
+                <a14:useLocalDpi xmlns:a14="http://schemas.microsoft.com/office/drawing/2010/main" val="0"/>
+              </a:ext>
+            </a:extLst>
+          </a:blip>
+          <a:stretch>
+            <a:fillRect/>
+          </a:stretch>
+        </p:blipFill>
+        <p:spPr>
+          <a:xfrm>
+            <a:off x="2697418" y="0"/>
+            <a:ext cx="6797163" cy="6858000"/>
+          </a:xfrm>
+          <a:prstGeom prst="rect">
+            <a:avLst/>
+          </a:prstGeom>
+        </p:spPr>
+      </p:pic>
+    </p:spTree>
+    <p:extLst>
+      <p:ext uri="{BB962C8B-B14F-4D97-AF65-F5344CB8AC3E}">
+        <p14:creationId xmlns:p14="http://schemas.microsoft.com/office/powerpoint/2010/main" val="538063729"/>
+      </p:ext>
+    </p:extLst>
+  </p:cSld>
+  <p:clrMapOvr>
+    <a:masterClrMapping/>
+  </p:clrMapOvr>
+</p:sld>
+</file>
+
+<file path=ppt/slides/slide13.xml><?xml version="1.0" encoding="utf-8"?>
+<p:sld xmlns:a="http://schemas.openxmlformats.org/drawingml/2006/main" xmlns:r="http://schemas.openxmlformats.org/officeDocument/2006/relationships" xmlns:p="http://schemas.openxmlformats.org/presentationml/2006/main">
+  <p:cSld>
+    <p:spTree>
+      <p:nvGrpSpPr>
+        <p:cNvPr id="1" name=""/>
+        <p:cNvGrpSpPr/>
+        <p:nvPr/>
+      </p:nvGrpSpPr>
+      <p:grpSpPr>
+        <a:xfrm>
+          <a:off x="0" y="0"/>
+          <a:ext cx="0" cy="0"/>
+          <a:chOff x="0" y="0"/>
+          <a:chExt cx="0" cy="0"/>
+        </a:xfrm>
+      </p:grpSpPr>
+      <p:pic>
+        <p:nvPicPr>
+          <p:cNvPr id="4" name="Picture 3" descr="Triangular abstract background">
+            <a:extLst>
+              <a:ext uri="{FF2B5EF4-FFF2-40B4-BE49-F238E27FC236}">
+                <a16:creationId xmlns:a16="http://schemas.microsoft.com/office/drawing/2014/main" id="{1025C8CE-B8EC-9FDA-3C04-7414F8AFB6DA}"/>
+              </a:ext>
+            </a:extLst>
+          </p:cNvPr>
+          <p:cNvPicPr>
+            <a:picLocks noChangeAspect="1"/>
+          </p:cNvPicPr>
+          <p:nvPr/>
+        </p:nvPicPr>
+        <p:blipFill rotWithShape="1">
+          <a:blip r:embed="rId2">
+            <a:alphaModFix amt="60000"/>
+          </a:blip>
+          <a:srcRect t="15730"/>
+          <a:stretch/>
+        </p:blipFill>
+        <p:spPr>
+          <a:xfrm>
+            <a:off x="1" y="1"/>
+            <a:ext cx="12192000" cy="6858000"/>
+          </a:xfrm>
+          <a:prstGeom prst="rect">
+            <a:avLst/>
+          </a:prstGeom>
+        </p:spPr>
+      </p:pic>
+      <p:sp>
+        <p:nvSpPr>
+          <p:cNvPr id="8" name="Subtitle 7">
+            <a:extLst>
+              <a:ext uri="{FF2B5EF4-FFF2-40B4-BE49-F238E27FC236}">
+                <a16:creationId xmlns:a16="http://schemas.microsoft.com/office/drawing/2014/main" id="{D30805F3-4F6A-67CA-187D-4C8F34B70B26}"/>
+              </a:ext>
+            </a:extLst>
+          </p:cNvPr>
+          <p:cNvSpPr>
+            <a:spLocks noGrp="1"/>
+          </p:cNvSpPr>
+          <p:nvPr>
+            <p:ph type="subTitle" idx="1"/>
+          </p:nvPr>
+        </p:nvSpPr>
+        <p:spPr/>
+        <p:txBody>
+          <a:bodyPr/>
+          <a:lstStyle/>
+          <a:p>
+            <a:endParaRPr lang="es-ES" dirty="0"/>
+          </a:p>
+        </p:txBody>
+      </p:sp>
+      <p:pic>
+        <p:nvPicPr>
+          <p:cNvPr id="3" name="Picture 2" descr="A graph of different colored lines&#10;&#10;Description automatically generated">
+            <a:extLst>
+              <a:ext uri="{FF2B5EF4-FFF2-40B4-BE49-F238E27FC236}">
+                <a16:creationId xmlns:a16="http://schemas.microsoft.com/office/drawing/2014/main" id="{41666A69-65AC-1396-A5EC-D6DC7D1D080B}"/>
+              </a:ext>
+            </a:extLst>
+          </p:cNvPr>
+          <p:cNvPicPr>
+            <a:picLocks noChangeAspect="1"/>
+          </p:cNvPicPr>
+          <p:nvPr/>
+        </p:nvPicPr>
+        <p:blipFill>
+          <a:blip r:embed="rId3">
+            <a:extLst>
+              <a:ext uri="{28A0092B-C50C-407E-A947-70E740481C1C}">
+                <a14:useLocalDpi xmlns:a14="http://schemas.microsoft.com/office/drawing/2010/main" val="0"/>
+              </a:ext>
+            </a:extLst>
+          </a:blip>
+          <a:stretch>
+            <a:fillRect/>
+          </a:stretch>
+        </p:blipFill>
+        <p:spPr>
+          <a:xfrm>
+            <a:off x="2661469" y="0"/>
+            <a:ext cx="6869062" cy="6858000"/>
+          </a:xfrm>
+          <a:prstGeom prst="rect">
+            <a:avLst/>
+          </a:prstGeom>
+        </p:spPr>
+      </p:pic>
+    </p:spTree>
+    <p:extLst>
+      <p:ext uri="{BB962C8B-B14F-4D97-AF65-F5344CB8AC3E}">
+        <p14:creationId xmlns:p14="http://schemas.microsoft.com/office/powerpoint/2010/main" val="4271077863"/>
+      </p:ext>
+    </p:extLst>
+  </p:cSld>
+  <p:clrMapOvr>
+    <a:masterClrMapping/>
+  </p:clrMapOvr>
+</p:sld>
+</file>
+
+<file path=ppt/slides/slide14.xml><?xml version="1.0" encoding="utf-8"?>
+<p:sld xmlns:a="http://schemas.openxmlformats.org/drawingml/2006/main" xmlns:r="http://schemas.openxmlformats.org/officeDocument/2006/relationships" xmlns:p="http://schemas.openxmlformats.org/presentationml/2006/main">
+  <p:cSld>
+    <p:spTree>
+      <p:nvGrpSpPr>
+        <p:cNvPr id="1" name=""/>
+        <p:cNvGrpSpPr/>
+        <p:nvPr/>
+      </p:nvGrpSpPr>
+      <p:grpSpPr>
+        <a:xfrm>
+          <a:off x="0" y="0"/>
+          <a:ext cx="0" cy="0"/>
+          <a:chOff x="0" y="0"/>
+          <a:chExt cx="0" cy="0"/>
+        </a:xfrm>
+      </p:grpSpPr>
+      <p:pic>
+        <p:nvPicPr>
+          <p:cNvPr id="4" name="Picture 3" descr="Triangular abstract background">
+            <a:extLst>
+              <a:ext uri="{FF2B5EF4-FFF2-40B4-BE49-F238E27FC236}">
+                <a16:creationId xmlns:a16="http://schemas.microsoft.com/office/drawing/2014/main" id="{1025C8CE-B8EC-9FDA-3C04-7414F8AFB6DA}"/>
+              </a:ext>
+            </a:extLst>
+          </p:cNvPr>
+          <p:cNvPicPr>
+            <a:picLocks noChangeAspect="1"/>
+          </p:cNvPicPr>
+          <p:nvPr/>
+        </p:nvPicPr>
+        <p:blipFill rotWithShape="1">
+          <a:blip r:embed="rId2">
+            <a:alphaModFix amt="60000"/>
+          </a:blip>
+          <a:srcRect t="15730"/>
+          <a:stretch/>
+        </p:blipFill>
+        <p:spPr>
+          <a:xfrm>
+            <a:off x="1" y="1"/>
+            <a:ext cx="12192000" cy="6858000"/>
+          </a:xfrm>
+          <a:prstGeom prst="rect">
+            <a:avLst/>
+          </a:prstGeom>
+        </p:spPr>
+      </p:pic>
+      <p:sp>
+        <p:nvSpPr>
+          <p:cNvPr id="8" name="Subtitle 7">
+            <a:extLst>
+              <a:ext uri="{FF2B5EF4-FFF2-40B4-BE49-F238E27FC236}">
+                <a16:creationId xmlns:a16="http://schemas.microsoft.com/office/drawing/2014/main" id="{D30805F3-4F6A-67CA-187D-4C8F34B70B26}"/>
+              </a:ext>
+            </a:extLst>
+          </p:cNvPr>
+          <p:cNvSpPr>
+            <a:spLocks noGrp="1"/>
+          </p:cNvSpPr>
+          <p:nvPr>
+            <p:ph type="subTitle" idx="1"/>
+          </p:nvPr>
+        </p:nvSpPr>
+        <p:spPr>
+          <a:xfrm>
+            <a:off x="1916272" y="2454292"/>
+            <a:ext cx="9288096" cy="1435331"/>
+          </a:xfrm>
+        </p:spPr>
+        <p:txBody>
+          <a:bodyPr>
+            <a:normAutofit lnSpcReduction="10000"/>
+          </a:bodyPr>
+          <a:lstStyle/>
+          <a:p>
+            <a:r>
+              <a:rPr lang="en-US" sz="6000" b="1" dirty="0">
+                <a:solidFill>
+                  <a:srgbClr val="FF0000"/>
+                </a:solidFill>
+                <a:latin typeface="+mj-lt"/>
+                <a:ea typeface="+mj-ea"/>
+                <a:cs typeface="+mj-cs"/>
+              </a:rPr>
+              <a:t>Earnings </a:t>
+            </a:r>
+            <a:r>
+              <a:rPr lang="en-US" sz="6000" b="1" dirty="0">
+                <a:latin typeface="+mj-lt"/>
+                <a:ea typeface="+mj-ea"/>
+                <a:cs typeface="+mj-cs"/>
+              </a:rPr>
+              <a:t>Analysis</a:t>
+            </a:r>
+            <a:br>
+              <a:rPr kumimoji="0" lang="en-US" sz="5900" b="1" i="0" u="none" strike="noStrike" kern="1200" cap="all" spc="0" normalizeH="0" baseline="0" noProof="0" dirty="0">
+                <a:ln>
+                  <a:noFill/>
+                </a:ln>
+                <a:solidFill>
+                  <a:srgbClr val="FFFFFF"/>
+                </a:solidFill>
+                <a:effectLst/>
+                <a:uLnTx/>
+                <a:uFillTx/>
+                <a:latin typeface="Neue Haas Grotesk Text Pro"/>
+                <a:ea typeface="+mj-ea"/>
+                <a:cs typeface="+mj-cs"/>
+              </a:rPr>
+            </a:br>
+            <a:endParaRPr lang="es-ES" dirty="0"/>
+          </a:p>
+        </p:txBody>
+      </p:sp>
+    </p:spTree>
+    <p:extLst>
+      <p:ext uri="{BB962C8B-B14F-4D97-AF65-F5344CB8AC3E}">
+        <p14:creationId xmlns:p14="http://schemas.microsoft.com/office/powerpoint/2010/main" val="4267239286"/>
+      </p:ext>
+    </p:extLst>
+  </p:cSld>
+  <p:clrMapOvr>
+    <a:masterClrMapping/>
+  </p:clrMapOvr>
+</p:sld>
+</file>
+
+<file path=ppt/slides/slide15.xml><?xml version="1.0" encoding="utf-8"?>
+<p:sld xmlns:a="http://schemas.openxmlformats.org/drawingml/2006/main" xmlns:r="http://schemas.openxmlformats.org/officeDocument/2006/relationships" xmlns:p="http://schemas.openxmlformats.org/presentationml/2006/main">
+  <p:cSld>
+    <p:spTree>
+      <p:nvGrpSpPr>
+        <p:cNvPr id="1" name=""/>
+        <p:cNvGrpSpPr/>
+        <p:nvPr/>
+      </p:nvGrpSpPr>
+      <p:grpSpPr>
+        <a:xfrm>
+          <a:off x="0" y="0"/>
+          <a:ext cx="0" cy="0"/>
+          <a:chOff x="0" y="0"/>
+          <a:chExt cx="0" cy="0"/>
+        </a:xfrm>
+      </p:grpSpPr>
+      <p:pic>
+        <p:nvPicPr>
+          <p:cNvPr id="4" name="Picture 3" descr="Triangular abstract background">
+            <a:extLst>
+              <a:ext uri="{FF2B5EF4-FFF2-40B4-BE49-F238E27FC236}">
+                <a16:creationId xmlns:a16="http://schemas.microsoft.com/office/drawing/2014/main" id="{1025C8CE-B8EC-9FDA-3C04-7414F8AFB6DA}"/>
+              </a:ext>
+            </a:extLst>
+          </p:cNvPr>
+          <p:cNvPicPr>
+            <a:picLocks noChangeAspect="1"/>
+          </p:cNvPicPr>
+          <p:nvPr/>
+        </p:nvPicPr>
+        <p:blipFill rotWithShape="1">
+          <a:blip r:embed="rId2">
+            <a:alphaModFix amt="60000"/>
+          </a:blip>
+          <a:srcRect t="15730"/>
+          <a:stretch/>
+        </p:blipFill>
+        <p:spPr>
+          <a:xfrm>
+            <a:off x="0" y="0"/>
+            <a:ext cx="12192000" cy="6858000"/>
+          </a:xfrm>
+          <a:prstGeom prst="rect">
+            <a:avLst/>
+          </a:prstGeom>
+        </p:spPr>
+      </p:pic>
+      <p:pic>
+        <p:nvPicPr>
+          <p:cNvPr id="3" name="Picture 2" descr="A screenshot of a computer screen&#10;&#10;Description automatically generated">
+            <a:extLst>
+              <a:ext uri="{FF2B5EF4-FFF2-40B4-BE49-F238E27FC236}">
+                <a16:creationId xmlns:a16="http://schemas.microsoft.com/office/drawing/2014/main" id="{06C61B83-89D2-3135-CF47-B457982CA544}"/>
+              </a:ext>
+            </a:extLst>
+          </p:cNvPr>
+          <p:cNvPicPr>
+            <a:picLocks noChangeAspect="1"/>
+          </p:cNvPicPr>
+          <p:nvPr/>
+        </p:nvPicPr>
+        <p:blipFill>
+          <a:blip r:embed="rId3">
+            <a:extLst>
+              <a:ext uri="{28A0092B-C50C-407E-A947-70E740481C1C}">
+                <a14:useLocalDpi xmlns:a14="http://schemas.microsoft.com/office/drawing/2010/main" val="0"/>
+              </a:ext>
+            </a:extLst>
+          </a:blip>
+          <a:stretch>
+            <a:fillRect/>
+          </a:stretch>
+        </p:blipFill>
+        <p:spPr>
+          <a:xfrm>
+            <a:off x="3838327" y="286579"/>
+            <a:ext cx="7235900" cy="6284841"/>
+          </a:xfrm>
+          <a:prstGeom prst="rect">
+            <a:avLst/>
+          </a:prstGeom>
+        </p:spPr>
+      </p:pic>
+      <p:sp>
+        <p:nvSpPr>
+          <p:cNvPr id="8" name="Subtitle 7">
+            <a:extLst>
+              <a:ext uri="{FF2B5EF4-FFF2-40B4-BE49-F238E27FC236}">
+                <a16:creationId xmlns:a16="http://schemas.microsoft.com/office/drawing/2014/main" id="{D30805F3-4F6A-67CA-187D-4C8F34B70B26}"/>
+              </a:ext>
+            </a:extLst>
+          </p:cNvPr>
+          <p:cNvSpPr>
+            <a:spLocks noGrp="1"/>
+          </p:cNvSpPr>
+          <p:nvPr>
+            <p:ph type="subTitle" idx="1"/>
+          </p:nvPr>
+        </p:nvSpPr>
+        <p:spPr>
+          <a:xfrm>
+            <a:off x="892193" y="4848295"/>
+            <a:ext cx="3255264" cy="1435331"/>
+          </a:xfrm>
+        </p:spPr>
+        <p:txBody>
+          <a:bodyPr>
+            <a:noAutofit/>
+          </a:bodyPr>
+          <a:lstStyle/>
+          <a:p>
+            <a:r>
+              <a:rPr lang="es-419" sz="4000" b="1" dirty="0" err="1">
+                <a:solidFill>
+                  <a:srgbClr val="FF0000"/>
+                </a:solidFill>
+              </a:rPr>
+              <a:t>Correlation</a:t>
+            </a:r>
+            <a:r>
+              <a:rPr lang="es-419" sz="4000" b="1" dirty="0">
+                <a:solidFill>
+                  <a:srgbClr val="FF0000"/>
+                </a:solidFill>
+              </a:rPr>
+              <a:t> </a:t>
+            </a:r>
+            <a:r>
+              <a:rPr lang="es-419" sz="4000" b="1" dirty="0">
+                <a:solidFill>
+                  <a:schemeClr val="tx2"/>
+                </a:solidFill>
+              </a:rPr>
+              <a:t>Matrix</a:t>
+            </a:r>
+            <a:endParaRPr lang="es-ES" sz="4000" b="1" dirty="0">
+              <a:solidFill>
+                <a:schemeClr val="tx2"/>
+              </a:solidFill>
+            </a:endParaRPr>
+          </a:p>
+        </p:txBody>
+      </p:sp>
+    </p:spTree>
+    <p:extLst>
+      <p:ext uri="{BB962C8B-B14F-4D97-AF65-F5344CB8AC3E}">
+        <p14:creationId xmlns:p14="http://schemas.microsoft.com/office/powerpoint/2010/main" val="262054774"/>
+      </p:ext>
+    </p:extLst>
+  </p:cSld>
+  <p:clrMapOvr>
+    <a:masterClrMapping/>
+  </p:clrMapOvr>
+</p:sld>
+</file>
+
+<file path=ppt/slides/slide16.xml><?xml version="1.0" encoding="utf-8"?>
+<p:sld xmlns:a="http://schemas.openxmlformats.org/drawingml/2006/main" xmlns:r="http://schemas.openxmlformats.org/officeDocument/2006/relationships" xmlns:p="http://schemas.openxmlformats.org/presentationml/2006/main">
+  <p:cSld>
+    <p:spTree>
+      <p:nvGrpSpPr>
+        <p:cNvPr id="1" name=""/>
+        <p:cNvGrpSpPr/>
+        <p:nvPr/>
+      </p:nvGrpSpPr>
+      <p:grpSpPr>
+        <a:xfrm>
+          <a:off x="0" y="0"/>
+          <a:ext cx="0" cy="0"/>
+          <a:chOff x="0" y="0"/>
+          <a:chExt cx="0" cy="0"/>
+        </a:xfrm>
+      </p:grpSpPr>
+      <p:pic>
+        <p:nvPicPr>
+          <p:cNvPr id="4" name="Picture 3" descr="Triangular abstract background">
+            <a:extLst>
+              <a:ext uri="{FF2B5EF4-FFF2-40B4-BE49-F238E27FC236}">
+                <a16:creationId xmlns:a16="http://schemas.microsoft.com/office/drawing/2014/main" id="{1025C8CE-B8EC-9FDA-3C04-7414F8AFB6DA}"/>
+              </a:ext>
+            </a:extLst>
+          </p:cNvPr>
+          <p:cNvPicPr>
+            <a:picLocks noChangeAspect="1"/>
+          </p:cNvPicPr>
+          <p:nvPr/>
+        </p:nvPicPr>
+        <p:blipFill rotWithShape="1">
+          <a:blip r:embed="rId2">
+            <a:alphaModFix amt="60000"/>
+          </a:blip>
+          <a:srcRect t="15730"/>
+          <a:stretch/>
+        </p:blipFill>
+        <p:spPr>
+          <a:xfrm>
+            <a:off x="1" y="1"/>
+            <a:ext cx="12192000" cy="6858000"/>
+          </a:xfrm>
+          <a:prstGeom prst="rect">
+            <a:avLst/>
+          </a:prstGeom>
+        </p:spPr>
+      </p:pic>
+      <p:sp>
+        <p:nvSpPr>
+          <p:cNvPr id="8" name="Subtitle 7">
+            <a:extLst>
+              <a:ext uri="{FF2B5EF4-FFF2-40B4-BE49-F238E27FC236}">
+                <a16:creationId xmlns:a16="http://schemas.microsoft.com/office/drawing/2014/main" id="{D30805F3-4F6A-67CA-187D-4C8F34B70B26}"/>
+              </a:ext>
+            </a:extLst>
+          </p:cNvPr>
+          <p:cNvSpPr>
+            <a:spLocks noGrp="1"/>
+          </p:cNvSpPr>
+          <p:nvPr>
+            <p:ph type="subTitle" idx="1"/>
+          </p:nvPr>
+        </p:nvSpPr>
+        <p:spPr/>
+        <p:txBody>
+          <a:bodyPr/>
+          <a:lstStyle/>
+          <a:p>
+            <a:endParaRPr lang="es-ES" dirty="0"/>
+          </a:p>
+        </p:txBody>
+      </p:sp>
+      <p:pic>
+        <p:nvPicPr>
+          <p:cNvPr id="3" name="Picture 2" descr="A graph with numbers and a bar&#10;&#10;Description automatically generated with medium confidence">
+            <a:extLst>
+              <a:ext uri="{FF2B5EF4-FFF2-40B4-BE49-F238E27FC236}">
+                <a16:creationId xmlns:a16="http://schemas.microsoft.com/office/drawing/2014/main" id="{4BEE9E72-2889-58F8-C036-34FE48F8946A}"/>
+              </a:ext>
+            </a:extLst>
+          </p:cNvPr>
+          <p:cNvPicPr>
+            <a:picLocks noChangeAspect="1"/>
+          </p:cNvPicPr>
+          <p:nvPr/>
+        </p:nvPicPr>
+        <p:blipFill>
+          <a:blip r:embed="rId3">
+            <a:extLst>
+              <a:ext uri="{28A0092B-C50C-407E-A947-70E740481C1C}">
+                <a14:useLocalDpi xmlns:a14="http://schemas.microsoft.com/office/drawing/2010/main" val="0"/>
+              </a:ext>
+            </a:extLst>
+          </a:blip>
+          <a:stretch>
+            <a:fillRect/>
+          </a:stretch>
+        </p:blipFill>
+        <p:spPr>
+          <a:xfrm>
+            <a:off x="2614042" y="0"/>
+            <a:ext cx="6963915" cy="6858000"/>
+          </a:xfrm>
+          <a:prstGeom prst="rect">
+            <a:avLst/>
+          </a:prstGeom>
+        </p:spPr>
+      </p:pic>
+    </p:spTree>
+    <p:extLst>
+      <p:ext uri="{BB962C8B-B14F-4D97-AF65-F5344CB8AC3E}">
+        <p14:creationId xmlns:p14="http://schemas.microsoft.com/office/powerpoint/2010/main" val="1483040392"/>
+      </p:ext>
+    </p:extLst>
+  </p:cSld>
+  <p:clrMapOvr>
+    <a:masterClrMapping/>
+  </p:clrMapOvr>
+</p:sld>
+</file>
+
+<file path=ppt/slides/slide17.xml><?xml version="1.0" encoding="utf-8"?>
+<p:sld xmlns:a="http://schemas.openxmlformats.org/drawingml/2006/main" xmlns:r="http://schemas.openxmlformats.org/officeDocument/2006/relationships" xmlns:p="http://schemas.openxmlformats.org/presentationml/2006/main">
+  <p:cSld>
+    <p:spTree>
+      <p:nvGrpSpPr>
+        <p:cNvPr id="1" name=""/>
+        <p:cNvGrpSpPr/>
+        <p:nvPr/>
+      </p:nvGrpSpPr>
+      <p:grpSpPr>
+        <a:xfrm>
+          <a:off x="0" y="0"/>
+          <a:ext cx="0" cy="0"/>
+          <a:chOff x="0" y="0"/>
+          <a:chExt cx="0" cy="0"/>
+        </a:xfrm>
+      </p:grpSpPr>
+      <p:pic>
+        <p:nvPicPr>
+          <p:cNvPr id="4" name="Picture 3" descr="Triangular abstract background">
+            <a:extLst>
+              <a:ext uri="{FF2B5EF4-FFF2-40B4-BE49-F238E27FC236}">
+                <a16:creationId xmlns:a16="http://schemas.microsoft.com/office/drawing/2014/main" id="{1025C8CE-B8EC-9FDA-3C04-7414F8AFB6DA}"/>
+              </a:ext>
+            </a:extLst>
+          </p:cNvPr>
+          <p:cNvPicPr>
+            <a:picLocks noChangeAspect="1"/>
+          </p:cNvPicPr>
+          <p:nvPr/>
+        </p:nvPicPr>
+        <p:blipFill rotWithShape="1">
+          <a:blip r:embed="rId2">
+            <a:alphaModFix amt="60000"/>
+          </a:blip>
+          <a:srcRect t="15730"/>
+          <a:stretch/>
+        </p:blipFill>
+        <p:spPr>
+          <a:xfrm>
+            <a:off x="1" y="1"/>
+            <a:ext cx="12192000" cy="6858000"/>
+          </a:xfrm>
+          <a:prstGeom prst="rect">
+            <a:avLst/>
+          </a:prstGeom>
+        </p:spPr>
+      </p:pic>
+      <p:sp>
+        <p:nvSpPr>
+          <p:cNvPr id="8" name="Subtitle 7">
+            <a:extLst>
+              <a:ext uri="{FF2B5EF4-FFF2-40B4-BE49-F238E27FC236}">
+                <a16:creationId xmlns:a16="http://schemas.microsoft.com/office/drawing/2014/main" id="{D30805F3-4F6A-67CA-187D-4C8F34B70B26}"/>
+              </a:ext>
+            </a:extLst>
+          </p:cNvPr>
+          <p:cNvSpPr>
+            <a:spLocks noGrp="1"/>
+          </p:cNvSpPr>
+          <p:nvPr>
+            <p:ph type="subTitle" idx="1"/>
+          </p:nvPr>
+        </p:nvSpPr>
+        <p:spPr/>
+        <p:txBody>
+          <a:bodyPr/>
+          <a:lstStyle/>
+          <a:p>
+            <a:endParaRPr lang="es-ES" dirty="0"/>
+          </a:p>
+        </p:txBody>
+      </p:sp>
+      <p:pic>
+        <p:nvPicPr>
+          <p:cNvPr id="5" name="Picture 4" descr="A graph on a white background&#10;&#10;Description automatically generated">
+            <a:extLst>
+              <a:ext uri="{FF2B5EF4-FFF2-40B4-BE49-F238E27FC236}">
+                <a16:creationId xmlns:a16="http://schemas.microsoft.com/office/drawing/2014/main" id="{CC557173-1CF4-8AA3-0C95-4F05E54176B7}"/>
+              </a:ext>
+            </a:extLst>
+          </p:cNvPr>
+          <p:cNvPicPr>
+            <a:picLocks noChangeAspect="1"/>
+          </p:cNvPicPr>
+          <p:nvPr/>
+        </p:nvPicPr>
+        <p:blipFill>
+          <a:blip r:embed="rId3">
+            <a:extLst>
+              <a:ext uri="{28A0092B-C50C-407E-A947-70E740481C1C}">
+                <a14:useLocalDpi xmlns:a14="http://schemas.microsoft.com/office/drawing/2010/main" val="0"/>
+              </a:ext>
+            </a:extLst>
+          </a:blip>
+          <a:stretch>
+            <a:fillRect/>
+          </a:stretch>
+        </p:blipFill>
+        <p:spPr>
+          <a:xfrm>
+            <a:off x="2614042" y="0"/>
+            <a:ext cx="6963915" cy="6858000"/>
+          </a:xfrm>
+          <a:prstGeom prst="rect">
+            <a:avLst/>
+          </a:prstGeom>
+        </p:spPr>
+      </p:pic>
+    </p:spTree>
+    <p:extLst>
+      <p:ext uri="{BB962C8B-B14F-4D97-AF65-F5344CB8AC3E}">
+        <p14:creationId xmlns:p14="http://schemas.microsoft.com/office/powerpoint/2010/main" val="4189917898"/>
+      </p:ext>
+    </p:extLst>
+  </p:cSld>
+  <p:clrMapOvr>
+    <a:masterClrMapping/>
+  </p:clrMapOvr>
+</p:sld>
+</file>
+
+<file path=ppt/slides/slide18.xml><?xml version="1.0" encoding="utf-8"?>
+<p:sld xmlns:a="http://schemas.openxmlformats.org/drawingml/2006/main" xmlns:r="http://schemas.openxmlformats.org/officeDocument/2006/relationships" xmlns:p="http://schemas.openxmlformats.org/presentationml/2006/main">
+  <p:cSld>
+    <p:spTree>
+      <p:nvGrpSpPr>
+        <p:cNvPr id="1" name=""/>
+        <p:cNvGrpSpPr/>
+        <p:nvPr/>
+      </p:nvGrpSpPr>
+      <p:grpSpPr>
+        <a:xfrm>
+          <a:off x="0" y="0"/>
+          <a:ext cx="0" cy="0"/>
+          <a:chOff x="0" y="0"/>
+          <a:chExt cx="0" cy="0"/>
+        </a:xfrm>
+      </p:grpSpPr>
+      <p:pic>
+        <p:nvPicPr>
+          <p:cNvPr id="4" name="Picture 3" descr="Triangular abstract background">
+            <a:extLst>
+              <a:ext uri="{FF2B5EF4-FFF2-40B4-BE49-F238E27FC236}">
+                <a16:creationId xmlns:a16="http://schemas.microsoft.com/office/drawing/2014/main" id="{1025C8CE-B8EC-9FDA-3C04-7414F8AFB6DA}"/>
+              </a:ext>
+            </a:extLst>
+          </p:cNvPr>
+          <p:cNvPicPr>
+            <a:picLocks noChangeAspect="1"/>
+          </p:cNvPicPr>
+          <p:nvPr/>
+        </p:nvPicPr>
+        <p:blipFill rotWithShape="1">
+          <a:blip r:embed="rId2">
+            <a:alphaModFix amt="60000"/>
+          </a:blip>
+          <a:srcRect t="15730"/>
+          <a:stretch/>
+        </p:blipFill>
+        <p:spPr>
+          <a:xfrm>
+            <a:off x="1" y="1"/>
+            <a:ext cx="12192000" cy="6858000"/>
+          </a:xfrm>
+          <a:prstGeom prst="rect">
+            <a:avLst/>
+          </a:prstGeom>
+        </p:spPr>
+      </p:pic>
+      <p:sp>
+        <p:nvSpPr>
+          <p:cNvPr id="8" name="Subtitle 7">
+            <a:extLst>
+              <a:ext uri="{FF2B5EF4-FFF2-40B4-BE49-F238E27FC236}">
+                <a16:creationId xmlns:a16="http://schemas.microsoft.com/office/drawing/2014/main" id="{D30805F3-4F6A-67CA-187D-4C8F34B70B26}"/>
+              </a:ext>
+            </a:extLst>
+          </p:cNvPr>
+          <p:cNvSpPr>
+            <a:spLocks noGrp="1"/>
+          </p:cNvSpPr>
+          <p:nvPr>
+            <p:ph type="subTitle" idx="1"/>
+          </p:nvPr>
+        </p:nvSpPr>
+        <p:spPr/>
+        <p:txBody>
+          <a:bodyPr/>
+          <a:lstStyle/>
+          <a:p>
+            <a:endParaRPr lang="es-ES" dirty="0"/>
+          </a:p>
+        </p:txBody>
+      </p:sp>
+      <p:pic>
+        <p:nvPicPr>
+          <p:cNvPr id="3" name="Picture 2" descr="A screen shot of a graph&#10;&#10;Description automatically generated">
+            <a:extLst>
+              <a:ext uri="{FF2B5EF4-FFF2-40B4-BE49-F238E27FC236}">
+                <a16:creationId xmlns:a16="http://schemas.microsoft.com/office/drawing/2014/main" id="{B6DE65DC-3EF2-D8CA-572B-1550BD1DB0CA}"/>
+              </a:ext>
+            </a:extLst>
+          </p:cNvPr>
+          <p:cNvPicPr>
+            <a:picLocks noChangeAspect="1"/>
+          </p:cNvPicPr>
+          <p:nvPr/>
+        </p:nvPicPr>
+        <p:blipFill>
+          <a:blip r:embed="rId3">
+            <a:extLst>
+              <a:ext uri="{28A0092B-C50C-407E-A947-70E740481C1C}">
+                <a14:useLocalDpi xmlns:a14="http://schemas.microsoft.com/office/drawing/2010/main" val="0"/>
+              </a:ext>
+            </a:extLst>
+          </a:blip>
+          <a:stretch>
+            <a:fillRect/>
+          </a:stretch>
+        </p:blipFill>
+        <p:spPr>
+          <a:xfrm>
+            <a:off x="2614042" y="0"/>
+            <a:ext cx="6963915" cy="6858000"/>
+          </a:xfrm>
+          <a:prstGeom prst="rect">
+            <a:avLst/>
+          </a:prstGeom>
+        </p:spPr>
+      </p:pic>
+    </p:spTree>
+    <p:extLst>
+      <p:ext uri="{BB962C8B-B14F-4D97-AF65-F5344CB8AC3E}">
+        <p14:creationId xmlns:p14="http://schemas.microsoft.com/office/powerpoint/2010/main" val="1703510270"/>
+      </p:ext>
+    </p:extLst>
+  </p:cSld>
+  <p:clrMapOvr>
+    <a:masterClrMapping/>
+  </p:clrMapOvr>
+</p:sld>
+</file>
+
+<file path=ppt/slides/slide19.xml><?xml version="1.0" encoding="utf-8"?>
+<p:sld xmlns:a="http://schemas.openxmlformats.org/drawingml/2006/main" xmlns:r="http://schemas.openxmlformats.org/officeDocument/2006/relationships" xmlns:p="http://schemas.openxmlformats.org/presentationml/2006/main">
+  <p:cSld>
+    <p:spTree>
+      <p:nvGrpSpPr>
+        <p:cNvPr id="1" name=""/>
+        <p:cNvGrpSpPr/>
+        <p:nvPr/>
+      </p:nvGrpSpPr>
+      <p:grpSpPr>
+        <a:xfrm>
+          <a:off x="0" y="0"/>
+          <a:ext cx="0" cy="0"/>
+          <a:chOff x="0" y="0"/>
+          <a:chExt cx="0" cy="0"/>
+        </a:xfrm>
+      </p:grpSpPr>
+      <p:pic>
+        <p:nvPicPr>
+          <p:cNvPr id="4" name="Picture 3" descr="Triangular abstract background">
+            <a:extLst>
+              <a:ext uri="{FF2B5EF4-FFF2-40B4-BE49-F238E27FC236}">
+                <a16:creationId xmlns:a16="http://schemas.microsoft.com/office/drawing/2014/main" id="{1025C8CE-B8EC-9FDA-3C04-7414F8AFB6DA}"/>
+              </a:ext>
+            </a:extLst>
+          </p:cNvPr>
+          <p:cNvPicPr>
+            <a:picLocks noChangeAspect="1"/>
+          </p:cNvPicPr>
+          <p:nvPr/>
+        </p:nvPicPr>
+        <p:blipFill rotWithShape="1">
+          <a:blip r:embed="rId2">
+            <a:alphaModFix amt="60000"/>
+          </a:blip>
+          <a:srcRect t="15730"/>
+          <a:stretch/>
+        </p:blipFill>
+        <p:spPr>
+          <a:xfrm>
+            <a:off x="1" y="1"/>
+            <a:ext cx="12192000" cy="6858000"/>
+          </a:xfrm>
+          <a:prstGeom prst="rect">
+            <a:avLst/>
+          </a:prstGeom>
+        </p:spPr>
+      </p:pic>
+      <p:sp>
+        <p:nvSpPr>
+          <p:cNvPr id="8" name="Subtitle 7">
+            <a:extLst>
+              <a:ext uri="{FF2B5EF4-FFF2-40B4-BE49-F238E27FC236}">
+                <a16:creationId xmlns:a16="http://schemas.microsoft.com/office/drawing/2014/main" id="{D30805F3-4F6A-67CA-187D-4C8F34B70B26}"/>
+              </a:ext>
+            </a:extLst>
+          </p:cNvPr>
+          <p:cNvSpPr>
+            <a:spLocks noGrp="1"/>
+          </p:cNvSpPr>
+          <p:nvPr>
+            <p:ph type="subTitle" idx="1"/>
+          </p:nvPr>
+        </p:nvSpPr>
+        <p:spPr/>
+        <p:txBody>
+          <a:bodyPr/>
+          <a:lstStyle/>
+          <a:p>
+            <a:endParaRPr lang="es-ES" dirty="0"/>
+          </a:p>
+        </p:txBody>
+      </p:sp>
+      <p:pic>
+        <p:nvPicPr>
+          <p:cNvPr id="3" name="Picture 2" descr="A graph of a graph">
+            <a:extLst>
+              <a:ext uri="{FF2B5EF4-FFF2-40B4-BE49-F238E27FC236}">
+                <a16:creationId xmlns:a16="http://schemas.microsoft.com/office/drawing/2014/main" id="{8D433AE5-EF89-B876-C540-656AE6A6D0C8}"/>
+              </a:ext>
+            </a:extLst>
+          </p:cNvPr>
+          <p:cNvPicPr>
+            <a:picLocks noChangeAspect="1"/>
+          </p:cNvPicPr>
+          <p:nvPr/>
+        </p:nvPicPr>
+        <p:blipFill>
+          <a:blip r:embed="rId3">
+            <a:extLst>
+              <a:ext uri="{28A0092B-C50C-407E-A947-70E740481C1C}">
+                <a14:useLocalDpi xmlns:a14="http://schemas.microsoft.com/office/drawing/2010/main" val="0"/>
+              </a:ext>
+            </a:extLst>
+          </a:blip>
+          <a:stretch>
+            <a:fillRect/>
+          </a:stretch>
+        </p:blipFill>
+        <p:spPr>
+          <a:xfrm>
+            <a:off x="2614042" y="0"/>
+            <a:ext cx="6963915" cy="6858000"/>
+          </a:xfrm>
+          <a:prstGeom prst="rect">
+            <a:avLst/>
+          </a:prstGeom>
+        </p:spPr>
+      </p:pic>
+    </p:spTree>
+    <p:extLst>
+      <p:ext uri="{BB962C8B-B14F-4D97-AF65-F5344CB8AC3E}">
+        <p14:creationId xmlns:p14="http://schemas.microsoft.com/office/powerpoint/2010/main" val="3891045408"/>
+      </p:ext>
+    </p:extLst>
+  </p:cSld>
+  <p:clrMapOvr>
+    <a:masterClrMapping/>
+  </p:clrMapOvr>
+</p:sld>
+</file>
+
+<file path=ppt/slides/slide2.xml><?xml version="1.0" encoding="utf-8"?>
+<p:sld xmlns:a="http://schemas.openxmlformats.org/drawingml/2006/main" xmlns:r="http://schemas.openxmlformats.org/officeDocument/2006/relationships" xmlns:p="http://schemas.openxmlformats.org/presentationml/2006/main">
+  <p:cSld>
+    <p:bg>
+      <p:bgPr>
+        <a:solidFill>
+          <a:schemeClr val="bg1"/>
+        </a:solidFill>
+        <a:effectLst/>
+      </p:bgPr>
+    </p:bg>
+    <p:spTree>
+      <p:nvGrpSpPr>
+        <p:cNvPr id="1" name=""/>
+        <p:cNvGrpSpPr/>
+        <p:nvPr/>
+      </p:nvGrpSpPr>
+      <p:grpSpPr>
+        <a:xfrm>
+          <a:off x="0" y="0"/>
+          <a:ext cx="0" cy="0"/>
+          <a:chOff x="0" y="0"/>
+          <a:chExt cx="0" cy="0"/>
+        </a:xfrm>
+      </p:grpSpPr>
+      <p:cxnSp>
+        <p:nvCxnSpPr>
+          <p:cNvPr id="25" name="Straight Connector 24">
+            <a:extLst>
+              <a:ext uri="{FF2B5EF4-FFF2-40B4-BE49-F238E27FC236}">
+                <a16:creationId xmlns:a16="http://schemas.microsoft.com/office/drawing/2014/main" id="{D8689CE0-64D2-447C-9C1F-872D111D8AC3}"/>
+              </a:ext>
+              <a:ext uri="{C183D7F6-B498-43B3-948B-1728B52AA6E4}">
+                <adec:decorative xmlns:adec="http://schemas.microsoft.com/office/drawing/2017/decorative" val="1"/>
+              </a:ext>
+            </a:extLst>
+          </p:cNvPr>
+          <p:cNvCxnSpPr>
+            <a:cxnSpLocks noGrp="1" noRot="1" noChangeAspect="1" noMove="1" noResize="1" noEditPoints="1" noAdjustHandles="1" noChangeArrowheads="1" noChangeShapeType="1"/>
+          </p:cNvCxnSpPr>
+          <p:nvPr>
+            <p:extLst>
+              <p:ext uri="{386F3935-93C4-4BCD-93E2-E3B085C9AB24}">
+                <p16:designElem xmlns:p16="http://schemas.microsoft.com/office/powerpoint/2015/main" val="1"/>
+              </p:ext>
+            </p:extLst>
+          </p:nvPr>
+        </p:nvCxnSpPr>
+        <p:spPr>
+          <a:xfrm>
+            <a:off x="0" y="1185205"/>
+            <a:ext cx="804195" cy="0"/>
+          </a:xfrm>
+          <a:prstGeom prst="line">
+            <a:avLst/>
+          </a:prstGeom>
+          <a:ln w="85725">
+            <a:solidFill>
+              <a:schemeClr val="tx1"/>
+            </a:solidFill>
+          </a:ln>
+        </p:spPr>
+        <p:style>
+          <a:lnRef idx="1">
+            <a:schemeClr val="accent1"/>
+          </a:lnRef>
+          <a:fillRef idx="0">
+            <a:schemeClr val="accent1"/>
+          </a:fillRef>
+          <a:effectRef idx="0">
+            <a:schemeClr val="accent1"/>
+          </a:effectRef>
+          <a:fontRef idx="minor">
+            <a:schemeClr val="tx1"/>
+          </a:fontRef>
+        </p:style>
+      </p:cxnSp>
+      <p:sp useBgFill="1">
+        <p:nvSpPr>
+          <p:cNvPr id="26" name="Rectangle 25">
+            <a:extLst>
+              <a:ext uri="{FF2B5EF4-FFF2-40B4-BE49-F238E27FC236}">
+                <a16:creationId xmlns:a16="http://schemas.microsoft.com/office/drawing/2014/main" id="{A3B168A7-66FE-4359-9866-CBB841A729E6}"/>
+              </a:ext>
+              <a:ext uri="{C183D7F6-B498-43B3-948B-1728B52AA6E4}">
+                <adec:decorative xmlns:adec="http://schemas.microsoft.com/office/drawing/2017/decorative" val="1"/>
+              </a:ext>
+            </a:extLst>
+          </p:cNvPr>
+          <p:cNvSpPr>
+            <a:spLocks noGrp="1" noRot="1" noChangeAspect="1" noMove="1" noResize="1" noEditPoints="1" noAdjustHandles="1" noChangeArrowheads="1" noChangeShapeType="1" noTextEdit="1"/>
+          </p:cNvSpPr>
+          <p:nvPr>
+            <p:extLst>
+              <p:ext uri="{386F3935-93C4-4BCD-93E2-E3B085C9AB24}">
+                <p16:designElem xmlns:p16="http://schemas.microsoft.com/office/powerpoint/2015/main" val="1"/>
+              </p:ext>
+            </p:extLst>
+          </p:nvPr>
+        </p:nvSpPr>
+        <p:spPr>
+          <a:xfrm>
+            <a:off x="0" y="0"/>
+            <a:ext cx="12192000" cy="6858000"/>
+          </a:xfrm>
+          <a:prstGeom prst="rect">
+            <a:avLst/>
+          </a:prstGeom>
+          <a:ln w="12700" cap="flat" cmpd="sng" algn="ctr">
+            <a:noFill/>
+            <a:prstDash val="solid"/>
+            <a:miter lim="800000"/>
+          </a:ln>
+          <a:effectLst/>
+          <a:extLst>
+            <a:ext uri="{91240B29-F687-4F45-9708-019B960494DF}">
+              <a14:hiddenLine xmlns:a14="http://schemas.microsoft.com/office/drawing/2010/main" w="12700" cap="flat" cmpd="sng" algn="ctr">
+                <a:solidFill>
+                  <a:schemeClr val="accent1">
+                    <a:shade val="50000"/>
+                  </a:schemeClr>
+                </a:solidFill>
+                <a:prstDash val="solid"/>
+                <a:miter lim="800000"/>
+              </a14:hiddenLine>
+            </a:ext>
+          </a:extLst>
+        </p:spPr>
+        <p:style>
+          <a:lnRef idx="2">
+            <a:schemeClr val="accent1">
+              <a:shade val="50000"/>
+            </a:schemeClr>
+          </a:lnRef>
+          <a:fillRef idx="1">
+            <a:schemeClr val="accent1"/>
+          </a:fillRef>
+          <a:effectRef idx="0">
+            <a:schemeClr val="accent1"/>
+          </a:effectRef>
+          <a:fontRef idx="minor">
+            <a:schemeClr val="lt1"/>
+          </a:fontRef>
+        </p:style>
+        <p:txBody>
+          <a:bodyPr rtlCol="0" anchor="ctr"/>
+          <a:lstStyle/>
+          <a:p>
+            <a:pPr algn="ctr"/>
+            <a:endParaRPr lang="en-US"/>
+          </a:p>
+        </p:txBody>
+      </p:sp>
+      <p:sp>
+        <p:nvSpPr>
+          <p:cNvPr id="2" name="Subtitle 7">
+            <a:extLst>
+              <a:ext uri="{FF2B5EF4-FFF2-40B4-BE49-F238E27FC236}">
+                <a16:creationId xmlns:a16="http://schemas.microsoft.com/office/drawing/2014/main" id="{A1CC9801-B8B7-48E0-178F-E64681752E5A}"/>
+              </a:ext>
+            </a:extLst>
+          </p:cNvPr>
+          <p:cNvSpPr txBox="1">
+            <a:spLocks/>
+          </p:cNvSpPr>
+          <p:nvPr/>
+        </p:nvSpPr>
+        <p:spPr>
+          <a:xfrm>
+            <a:off x="1091204" y="819524"/>
+            <a:ext cx="4895528" cy="983398"/>
+          </a:xfrm>
+          <a:prstGeom prst="rect">
+            <a:avLst/>
+          </a:prstGeom>
+        </p:spPr>
+        <p:txBody>
+          <a:bodyPr vert="horz" lIns="91440" tIns="45720" rIns="91440" bIns="45720" rtlCol="0" anchor="t">
+            <a:normAutofit/>
+          </a:bodyPr>
+          <a:lstStyle>
+            <a:lvl1pPr marL="0" indent="0" algn="l" defTabSz="914400" rtl="0" eaLnBrk="1" latinLnBrk="0" hangingPunct="1">
+              <a:lnSpc>
+                <a:spcPct val="120000"/>
+              </a:lnSpc>
+              <a:spcBef>
+                <a:spcPts val="1000"/>
+              </a:spcBef>
+              <a:buFont typeface="Neue Haas Grotesk Text Pro" panose="020B0504020202020204" pitchFamily="34" charset="0"/>
+              <a:buNone/>
+              <a:defRPr sz="2000" kern="1200">
+                <a:solidFill>
+                  <a:schemeClr val="tx1"/>
+                </a:solidFill>
+                <a:latin typeface="+mn-lt"/>
+                <a:ea typeface="+mn-ea"/>
+                <a:cs typeface="+mn-cs"/>
+              </a:defRPr>
+            </a:lvl1pPr>
+            <a:lvl2pPr marL="457200" indent="0" algn="ctr" defTabSz="914400" rtl="0" eaLnBrk="1" latinLnBrk="0" hangingPunct="1">
+              <a:lnSpc>
+                <a:spcPct val="130000"/>
+              </a:lnSpc>
+              <a:spcBef>
+                <a:spcPts val="500"/>
+              </a:spcBef>
+              <a:buFont typeface="Neue Haas Grotesk Text Pro" panose="020B0504020202020204" pitchFamily="34" charset="0"/>
+              <a:buNone/>
+              <a:defRPr sz="2000" kern="1200">
+                <a:solidFill>
+                  <a:schemeClr val="tx1"/>
+                </a:solidFill>
+                <a:latin typeface="+mn-lt"/>
+                <a:ea typeface="+mn-ea"/>
+                <a:cs typeface="+mn-cs"/>
+              </a:defRPr>
+            </a:lvl2pPr>
+            <a:lvl3pPr marL="914400" indent="0" algn="ctr" defTabSz="914400" rtl="0" eaLnBrk="1" latinLnBrk="0" hangingPunct="1">
+              <a:lnSpc>
+                <a:spcPct val="130000"/>
+              </a:lnSpc>
+              <a:spcBef>
+                <a:spcPts val="500"/>
+              </a:spcBef>
+              <a:buFont typeface="Neue Haas Grotesk Text Pro" panose="020B0504020202020204" pitchFamily="34" charset="0"/>
+              <a:buNone/>
+              <a:defRPr sz="1800" kern="1200">
+                <a:solidFill>
+                  <a:schemeClr val="tx1"/>
+                </a:solidFill>
+                <a:latin typeface="+mn-lt"/>
+                <a:ea typeface="+mn-ea"/>
+                <a:cs typeface="+mn-cs"/>
+              </a:defRPr>
+            </a:lvl3pPr>
+            <a:lvl4pPr marL="1371600" indent="0" algn="ctr" defTabSz="914400" rtl="0" eaLnBrk="1" latinLnBrk="0" hangingPunct="1">
+              <a:lnSpc>
+                <a:spcPct val="130000"/>
+              </a:lnSpc>
+              <a:spcBef>
+                <a:spcPts val="500"/>
+              </a:spcBef>
+              <a:buFont typeface="Neue Haas Grotesk Text Pro" panose="020B0504020202020204" pitchFamily="34" charset="0"/>
+              <a:buNone/>
+              <a:defRPr sz="1600" kern="1200">
+                <a:solidFill>
+                  <a:schemeClr val="tx1"/>
+                </a:solidFill>
+                <a:latin typeface="+mn-lt"/>
+                <a:ea typeface="+mn-ea"/>
+                <a:cs typeface="+mn-cs"/>
+              </a:defRPr>
+            </a:lvl4pPr>
+            <a:lvl5pPr marL="1828800" indent="0" algn="ctr" defTabSz="914400" rtl="0" eaLnBrk="1" latinLnBrk="0" hangingPunct="1">
+              <a:lnSpc>
+                <a:spcPct val="130000"/>
+              </a:lnSpc>
+              <a:spcBef>
+                <a:spcPts val="500"/>
+              </a:spcBef>
+              <a:buFont typeface="Neue Haas Grotesk Text Pro" panose="020B0504020202020204" pitchFamily="34" charset="0"/>
+              <a:buNone/>
+              <a:defRPr sz="1600" kern="1200">
+                <a:solidFill>
+                  <a:schemeClr val="tx1"/>
+                </a:solidFill>
+                <a:latin typeface="+mn-lt"/>
+                <a:ea typeface="+mn-ea"/>
+                <a:cs typeface="+mn-cs"/>
+              </a:defRPr>
+            </a:lvl5pPr>
+            <a:lvl6pPr marL="2286000" indent="0" algn="ctr" defTabSz="914400" rtl="0" eaLnBrk="1" latinLnBrk="0" hangingPunct="1">
+              <a:lnSpc>
+                <a:spcPct val="90000"/>
+              </a:lnSpc>
+              <a:spcBef>
+                <a:spcPts val="500"/>
+              </a:spcBef>
+              <a:buFont typeface="Arial" panose="020B0604020202020204" pitchFamily="34" charset="0"/>
+              <a:buNone/>
+              <a:defRPr sz="1600" kern="1200">
+                <a:solidFill>
+                  <a:schemeClr val="tx1"/>
+                </a:solidFill>
+                <a:latin typeface="+mn-lt"/>
+                <a:ea typeface="+mn-ea"/>
+                <a:cs typeface="+mn-cs"/>
+              </a:defRPr>
+            </a:lvl6pPr>
+            <a:lvl7pPr marL="2743200" indent="0" algn="ctr" defTabSz="914400" rtl="0" eaLnBrk="1" latinLnBrk="0" hangingPunct="1">
+              <a:lnSpc>
+                <a:spcPct val="90000"/>
+              </a:lnSpc>
+              <a:spcBef>
+                <a:spcPts val="500"/>
+              </a:spcBef>
+              <a:buFont typeface="Arial" panose="020B0604020202020204" pitchFamily="34" charset="0"/>
+              <a:buNone/>
+              <a:defRPr sz="1600" kern="1200">
+                <a:solidFill>
+                  <a:schemeClr val="tx1"/>
+                </a:solidFill>
+                <a:latin typeface="+mn-lt"/>
+                <a:ea typeface="+mn-ea"/>
+                <a:cs typeface="+mn-cs"/>
+              </a:defRPr>
+            </a:lvl7pPr>
+            <a:lvl8pPr marL="3200400" indent="0" algn="ctr" defTabSz="914400" rtl="0" eaLnBrk="1" latinLnBrk="0" hangingPunct="1">
+              <a:lnSpc>
+                <a:spcPct val="90000"/>
+              </a:lnSpc>
+              <a:spcBef>
+                <a:spcPts val="500"/>
+              </a:spcBef>
+              <a:buFont typeface="Arial" panose="020B0604020202020204" pitchFamily="34" charset="0"/>
+              <a:buNone/>
+              <a:defRPr sz="1600" kern="1200">
+                <a:solidFill>
+                  <a:schemeClr val="tx1"/>
+                </a:solidFill>
+                <a:latin typeface="+mn-lt"/>
+                <a:ea typeface="+mn-ea"/>
+                <a:cs typeface="+mn-cs"/>
+              </a:defRPr>
+            </a:lvl8pPr>
+            <a:lvl9pPr marL="3657600" indent="0" algn="ctr" defTabSz="914400" rtl="0" eaLnBrk="1" latinLnBrk="0" hangingPunct="1">
+              <a:lnSpc>
+                <a:spcPct val="90000"/>
+              </a:lnSpc>
+              <a:spcBef>
+                <a:spcPts val="500"/>
+              </a:spcBef>
+              <a:buFont typeface="Arial" panose="020B0604020202020204" pitchFamily="34" charset="0"/>
+              <a:buNone/>
+              <a:defRPr sz="1600" kern="1200">
+                <a:solidFill>
+                  <a:schemeClr val="tx1"/>
+                </a:solidFill>
+                <a:latin typeface="+mn-lt"/>
+                <a:ea typeface="+mn-ea"/>
+                <a:cs typeface="+mn-cs"/>
+              </a:defRPr>
+            </a:lvl9pPr>
+          </a:lstStyle>
+          <a:p>
+            <a:pPr>
+              <a:lnSpc>
+                <a:spcPct val="85000"/>
+              </a:lnSpc>
+              <a:spcBef>
+                <a:spcPct val="0"/>
+              </a:spcBef>
+              <a:spcAft>
+                <a:spcPts val="600"/>
+              </a:spcAft>
+            </a:pPr>
+            <a:r>
+              <a:rPr lang="en-US" sz="5400" b="1" dirty="0">
+                <a:latin typeface="+mj-lt"/>
+                <a:ea typeface="+mj-ea"/>
+                <a:cs typeface="+mj-cs"/>
+              </a:rPr>
+              <a:t>Agenda</a:t>
+            </a:r>
+            <a:endParaRPr lang="en-US" sz="5400" b="1" kern="1200" cap="none" baseline="0" dirty="0">
+              <a:solidFill>
+                <a:schemeClr val="tx1"/>
+              </a:solidFill>
+              <a:latin typeface="+mj-lt"/>
+              <a:ea typeface="+mj-ea"/>
+              <a:cs typeface="+mj-cs"/>
+            </a:endParaRPr>
+          </a:p>
+        </p:txBody>
+      </p:sp>
+      <p:cxnSp>
+        <p:nvCxnSpPr>
+          <p:cNvPr id="27" name="Straight Connector 26">
+            <a:extLst>
+              <a:ext uri="{FF2B5EF4-FFF2-40B4-BE49-F238E27FC236}">
+                <a16:creationId xmlns:a16="http://schemas.microsoft.com/office/drawing/2014/main" id="{F0748755-DDBC-46D0-91EC-1212A8EE2B40}"/>
+              </a:ext>
+              <a:ext uri="{C183D7F6-B498-43B3-948B-1728B52AA6E4}">
+                <adec:decorative xmlns:adec="http://schemas.microsoft.com/office/drawing/2017/decorative" val="1"/>
+              </a:ext>
+            </a:extLst>
+          </p:cNvPr>
+          <p:cNvCxnSpPr>
+            <a:cxnSpLocks noGrp="1" noRot="1" noChangeAspect="1" noMove="1" noResize="1" noEditPoints="1" noAdjustHandles="1" noChangeArrowheads="1" noChangeShapeType="1"/>
+          </p:cNvCxnSpPr>
+          <p:nvPr>
+            <p:extLst>
+              <p:ext uri="{386F3935-93C4-4BCD-93E2-E3B085C9AB24}">
+                <p16:designElem xmlns:p16="http://schemas.microsoft.com/office/powerpoint/2015/main" val="1"/>
+              </p:ext>
+            </p:extLst>
+          </p:nvPr>
+        </p:nvCxnSpPr>
+        <p:spPr>
+          <a:xfrm>
+            <a:off x="0" y="1186344"/>
+            <a:ext cx="804195" cy="0"/>
+          </a:xfrm>
+          <a:prstGeom prst="line">
+            <a:avLst/>
+          </a:prstGeom>
+          <a:ln w="85725">
+            <a:solidFill>
+              <a:schemeClr val="tx1"/>
+            </a:solidFill>
+          </a:ln>
+        </p:spPr>
+        <p:style>
+          <a:lnRef idx="1">
+            <a:schemeClr val="accent1"/>
+          </a:lnRef>
+          <a:fillRef idx="0">
+            <a:schemeClr val="accent1"/>
+          </a:fillRef>
+          <a:effectRef idx="0">
+            <a:schemeClr val="accent1"/>
+          </a:effectRef>
+          <a:fontRef idx="minor">
+            <a:schemeClr val="tx1"/>
+          </a:fontRef>
+        </p:style>
+      </p:cxnSp>
+      <p:pic>
+        <p:nvPicPr>
+          <p:cNvPr id="4" name="Picture 3" descr="Triangular abstract background">
+            <a:extLst>
+              <a:ext uri="{FF2B5EF4-FFF2-40B4-BE49-F238E27FC236}">
+                <a16:creationId xmlns:a16="http://schemas.microsoft.com/office/drawing/2014/main" id="{1025C8CE-B8EC-9FDA-3C04-7414F8AFB6DA}"/>
+              </a:ext>
+            </a:extLst>
+          </p:cNvPr>
+          <p:cNvPicPr>
+            <a:picLocks noChangeAspect="1"/>
+          </p:cNvPicPr>
+          <p:nvPr/>
+        </p:nvPicPr>
+        <p:blipFill rotWithShape="1">
+          <a:blip r:embed="rId2"/>
+          <a:srcRect l="12095" r="23008" b="-1"/>
+          <a:stretch/>
+        </p:blipFill>
+        <p:spPr>
+          <a:xfrm>
+            <a:off x="5524499" y="10"/>
+            <a:ext cx="6667501" cy="6857990"/>
+          </a:xfrm>
+          <a:prstGeom prst="rect">
+            <a:avLst/>
+          </a:prstGeom>
+        </p:spPr>
+      </p:pic>
+      <p:sp>
+        <p:nvSpPr>
+          <p:cNvPr id="8" name="Subtitle 7">
+            <a:extLst>
+              <a:ext uri="{FF2B5EF4-FFF2-40B4-BE49-F238E27FC236}">
+                <a16:creationId xmlns:a16="http://schemas.microsoft.com/office/drawing/2014/main" id="{D30805F3-4F6A-67CA-187D-4C8F34B70B26}"/>
+              </a:ext>
+            </a:extLst>
+          </p:cNvPr>
+          <p:cNvSpPr>
+            <a:spLocks noGrp="1"/>
+          </p:cNvSpPr>
+          <p:nvPr>
+            <p:ph type="subTitle" idx="1"/>
+          </p:nvPr>
+        </p:nvSpPr>
+        <p:spPr>
+          <a:xfrm>
+            <a:off x="804195" y="1915065"/>
+            <a:ext cx="9883933" cy="4408095"/>
+          </a:xfrm>
+        </p:spPr>
+        <p:txBody>
+          <a:bodyPr vert="horz" lIns="91440" tIns="45720" rIns="91440" bIns="45720" rtlCol="0">
+            <a:normAutofit fontScale="25000" lnSpcReduction="20000"/>
+          </a:bodyPr>
+          <a:lstStyle/>
+          <a:p>
+            <a:pPr marL="685800" indent="-685800">
+              <a:buFont typeface="Wingdings" panose="05000000000000000000" pitchFamily="2" charset="2"/>
+              <a:buChar char="q"/>
+            </a:pPr>
+            <a:r>
+              <a:rPr lang="en-US" sz="6400" b="1" dirty="0">
+                <a:solidFill>
+                  <a:srgbClr val="FF0000"/>
+                </a:solidFill>
+                <a:latin typeface="+mj-lt"/>
+                <a:ea typeface="+mj-ea"/>
+                <a:cs typeface="+mj-cs"/>
+              </a:rPr>
+              <a:t>Geospatial Visualization</a:t>
+            </a:r>
+            <a:r>
+              <a:rPr lang="en-US" sz="6400" b="1" dirty="0">
+                <a:latin typeface="+mj-lt"/>
+                <a:ea typeface="+mj-ea"/>
+                <a:cs typeface="+mj-cs"/>
+              </a:rPr>
+              <a:t>: How looks the distribution of successful YouTube channels on a world map like and which geographical trends can be observed?</a:t>
+            </a:r>
+            <a:endParaRPr lang="en-US" sz="6400" b="1" dirty="0">
+              <a:solidFill>
+                <a:srgbClr val="FF0000"/>
+              </a:solidFill>
+              <a:latin typeface="+mj-lt"/>
+              <a:ea typeface="+mj-ea"/>
+              <a:cs typeface="+mj-cs"/>
+            </a:endParaRPr>
+          </a:p>
+          <a:p>
+            <a:pPr marL="685800" indent="-685800">
+              <a:buFont typeface="Wingdings" panose="05000000000000000000" pitchFamily="2" charset="2"/>
+              <a:buChar char="q"/>
+            </a:pPr>
+            <a:r>
+              <a:rPr lang="en-US" sz="6400" b="1" dirty="0">
+                <a:solidFill>
+                  <a:srgbClr val="FF0000"/>
+                </a:solidFill>
+                <a:latin typeface="+mj-lt"/>
+                <a:ea typeface="+mj-ea"/>
+                <a:cs typeface="+mj-cs"/>
+              </a:rPr>
+              <a:t>Content Strategy</a:t>
+            </a:r>
+            <a:r>
+              <a:rPr lang="en-US" sz="6400" b="1" dirty="0">
+                <a:latin typeface="+mj-lt"/>
+                <a:ea typeface="+mj-ea"/>
+                <a:cs typeface="+mj-cs"/>
+              </a:rPr>
+              <a:t>: Which are in 2022 the most popular categories and upload frequencies that resonate with audiences?</a:t>
+            </a:r>
+          </a:p>
+          <a:p>
+            <a:pPr marL="685800" indent="-685800">
+              <a:buFont typeface="Wingdings" panose="05000000000000000000" pitchFamily="2" charset="2"/>
+              <a:buChar char="q"/>
+            </a:pPr>
+            <a:r>
+              <a:rPr lang="en-US" sz="6400" b="1" dirty="0">
+                <a:solidFill>
+                  <a:srgbClr val="FF0000"/>
+                </a:solidFill>
+                <a:latin typeface="+mj-lt"/>
+                <a:ea typeface="+mj-ea"/>
+                <a:cs typeface="+mj-cs"/>
+              </a:rPr>
+              <a:t>Trending Topics</a:t>
+            </a:r>
+            <a:r>
+              <a:rPr lang="en-US" sz="6400" b="1" dirty="0">
+                <a:latin typeface="+mj-lt"/>
+                <a:ea typeface="+mj-ea"/>
+                <a:cs typeface="+mj-cs"/>
+              </a:rPr>
+              <a:t>: how certain categories gain popularity over time and correlate with world events?</a:t>
+            </a:r>
+          </a:p>
+          <a:p>
+            <a:pPr marL="685800" indent="-685800">
+              <a:buFont typeface="Wingdings" panose="05000000000000000000" pitchFamily="2" charset="2"/>
+              <a:buChar char="q"/>
+            </a:pPr>
+            <a:r>
+              <a:rPr lang="en-US" sz="6400" b="1" dirty="0">
+                <a:solidFill>
+                  <a:srgbClr val="FF0000"/>
+                </a:solidFill>
+                <a:latin typeface="+mj-lt"/>
+                <a:ea typeface="+mj-ea"/>
+                <a:cs typeface="+mj-cs"/>
+              </a:rPr>
+              <a:t>Regional Influencers</a:t>
+            </a:r>
+            <a:r>
+              <a:rPr lang="en-US" sz="6400" b="1" dirty="0">
+                <a:latin typeface="+mj-lt"/>
+                <a:ea typeface="+mj-ea"/>
+                <a:cs typeface="+mj-cs"/>
+              </a:rPr>
+              <a:t>: Who are the influential YouTube creators from different countries, and which is their impact on a global scale?</a:t>
+            </a:r>
+          </a:p>
+          <a:p>
+            <a:pPr marL="685800" indent="-685800">
+              <a:buFont typeface="Wingdings" panose="05000000000000000000" pitchFamily="2" charset="2"/>
+              <a:buChar char="q"/>
+            </a:pPr>
+            <a:r>
+              <a:rPr lang="en-US" sz="6400" b="1" dirty="0">
+                <a:solidFill>
+                  <a:srgbClr val="FF0000"/>
+                </a:solidFill>
+                <a:latin typeface="+mj-lt"/>
+                <a:ea typeface="+mj-ea"/>
+                <a:cs typeface="+mj-cs"/>
+              </a:rPr>
+              <a:t>YouTube Analytics</a:t>
+            </a:r>
+            <a:r>
+              <a:rPr lang="en-US" sz="6400" b="1" dirty="0">
+                <a:latin typeface="+mj-lt"/>
+                <a:ea typeface="+mj-ea"/>
+                <a:cs typeface="+mj-cs"/>
+              </a:rPr>
+              <a:t>: Which are the success factors of top YouTube channels and what sets them apart from the rest?</a:t>
+            </a:r>
+          </a:p>
+          <a:p>
+            <a:pPr marL="685800" indent="-685800">
+              <a:buFont typeface="Wingdings" panose="05000000000000000000" pitchFamily="2" charset="2"/>
+              <a:buChar char="q"/>
+            </a:pPr>
+            <a:r>
+              <a:rPr lang="en-US" sz="6400" b="1" dirty="0">
+                <a:solidFill>
+                  <a:srgbClr val="FF0000"/>
+                </a:solidFill>
+                <a:latin typeface="+mj-lt"/>
+                <a:ea typeface="+mj-ea"/>
+                <a:cs typeface="+mj-cs"/>
+              </a:rPr>
+              <a:t>Earnings Analysis</a:t>
+            </a:r>
+            <a:r>
+              <a:rPr lang="en-US" sz="6400" b="1" dirty="0">
+                <a:latin typeface="+mj-lt"/>
+                <a:ea typeface="+mj-ea"/>
+                <a:cs typeface="+mj-cs"/>
+              </a:rPr>
+              <a:t>: How does the correlation between channel performance and estimated earnings looks like?</a:t>
+            </a:r>
+          </a:p>
+          <a:p>
+            <a:pPr marL="685800" indent="-685800">
+              <a:buFont typeface="Wingdings" panose="05000000000000000000" pitchFamily="2" charset="2"/>
+              <a:buChar char="q"/>
+            </a:pPr>
+            <a:r>
+              <a:rPr lang="en-US" sz="6400" b="1" dirty="0">
+                <a:solidFill>
+                  <a:srgbClr val="FF0000"/>
+                </a:solidFill>
+                <a:latin typeface="+mj-lt"/>
+                <a:ea typeface="+mj-ea"/>
+                <a:cs typeface="+mj-cs"/>
+              </a:rPr>
+              <a:t>Modeling</a:t>
+            </a:r>
+            <a:r>
+              <a:rPr lang="en-US" sz="6400" b="1" dirty="0">
+                <a:latin typeface="+mj-lt"/>
+                <a:ea typeface="+mj-ea"/>
+                <a:cs typeface="+mj-cs"/>
+              </a:rPr>
+              <a:t>: Future subscribers. </a:t>
+            </a:r>
+          </a:p>
+          <a:p>
+            <a:pPr indent="-228600">
+              <a:buFont typeface="Neue Haas Grotesk Text Pro" panose="020B0504020202020204" pitchFamily="34" charset="0"/>
+              <a:buChar char="-"/>
+            </a:pPr>
+            <a:br>
+              <a:rPr lang="en-US" sz="500" b="0" dirty="0">
+                <a:effectLst/>
+              </a:rPr>
+            </a:br>
+            <a:endParaRPr lang="en-US" sz="500" b="0" dirty="0">
+              <a:effectLst/>
+            </a:endParaRPr>
+          </a:p>
+          <a:p>
+            <a:pPr indent="-228600">
+              <a:buFont typeface="Neue Haas Grotesk Text Pro" panose="020B0504020202020204" pitchFamily="34" charset="0"/>
+              <a:buChar char="-"/>
+            </a:pPr>
+            <a:endParaRPr lang="en-US" sz="500" b="0" dirty="0">
+              <a:effectLst/>
+            </a:endParaRPr>
+          </a:p>
+          <a:p>
+            <a:pPr indent="-228600">
+              <a:buFont typeface="Neue Haas Grotesk Text Pro" panose="020B0504020202020204" pitchFamily="34" charset="0"/>
+              <a:buChar char="-"/>
+            </a:pPr>
+            <a:br>
+              <a:rPr lang="en-US" sz="500" b="0" dirty="0">
+                <a:effectLst/>
+              </a:rPr>
+            </a:br>
+            <a:endParaRPr lang="en-US" sz="500" b="0" dirty="0">
+              <a:effectLst/>
+            </a:endParaRPr>
+          </a:p>
+        </p:txBody>
+      </p:sp>
+    </p:spTree>
+    <p:extLst>
+      <p:ext uri="{BB962C8B-B14F-4D97-AF65-F5344CB8AC3E}">
+        <p14:creationId xmlns:p14="http://schemas.microsoft.com/office/powerpoint/2010/main" val="2103522531"/>
+      </p:ext>
+    </p:extLst>
+  </p:cSld>
+  <p:clrMapOvr>
+    <a:masterClrMapping/>
+  </p:clrMapOvr>
+</p:sld>
+</file>
+
+<file path=ppt/slides/slide20.xml><?xml version="1.0" encoding="utf-8"?>
+<p:sld xmlns:a="http://schemas.openxmlformats.org/drawingml/2006/main" xmlns:r="http://schemas.openxmlformats.org/officeDocument/2006/relationships" xmlns:p="http://schemas.openxmlformats.org/presentationml/2006/main">
+  <p:cSld>
+    <p:spTree>
+      <p:nvGrpSpPr>
+        <p:cNvPr id="1" name=""/>
+        <p:cNvGrpSpPr/>
+        <p:nvPr/>
+      </p:nvGrpSpPr>
+      <p:grpSpPr>
+        <a:xfrm>
+          <a:off x="0" y="0"/>
+          <a:ext cx="0" cy="0"/>
+          <a:chOff x="0" y="0"/>
+          <a:chExt cx="0" cy="0"/>
+        </a:xfrm>
+      </p:grpSpPr>
+      <p:pic>
+        <p:nvPicPr>
+          <p:cNvPr id="4" name="Picture 3" descr="Triangular abstract background">
+            <a:extLst>
+              <a:ext uri="{FF2B5EF4-FFF2-40B4-BE49-F238E27FC236}">
+                <a16:creationId xmlns:a16="http://schemas.microsoft.com/office/drawing/2014/main" id="{1025C8CE-B8EC-9FDA-3C04-7414F8AFB6DA}"/>
+              </a:ext>
+            </a:extLst>
+          </p:cNvPr>
+          <p:cNvPicPr>
+            <a:picLocks noChangeAspect="1"/>
+          </p:cNvPicPr>
+          <p:nvPr/>
+        </p:nvPicPr>
+        <p:blipFill rotWithShape="1">
+          <a:blip r:embed="rId2">
+            <a:alphaModFix amt="60000"/>
+          </a:blip>
+          <a:srcRect t="15730"/>
+          <a:stretch/>
+        </p:blipFill>
+        <p:spPr>
+          <a:xfrm>
+            <a:off x="1" y="1"/>
+            <a:ext cx="12192000" cy="6858000"/>
+          </a:xfrm>
+          <a:prstGeom prst="rect">
+            <a:avLst/>
+          </a:prstGeom>
+        </p:spPr>
+      </p:pic>
+      <p:sp>
+        <p:nvSpPr>
+          <p:cNvPr id="8" name="Subtitle 7">
+            <a:extLst>
+              <a:ext uri="{FF2B5EF4-FFF2-40B4-BE49-F238E27FC236}">
+                <a16:creationId xmlns:a16="http://schemas.microsoft.com/office/drawing/2014/main" id="{D30805F3-4F6A-67CA-187D-4C8F34B70B26}"/>
+              </a:ext>
+            </a:extLst>
+          </p:cNvPr>
+          <p:cNvSpPr>
+            <a:spLocks noGrp="1"/>
+          </p:cNvSpPr>
+          <p:nvPr>
+            <p:ph type="subTitle" idx="1"/>
+          </p:nvPr>
+        </p:nvSpPr>
+        <p:spPr>
+          <a:xfrm>
+            <a:off x="1736658" y="625492"/>
+            <a:ext cx="9288096" cy="1435331"/>
+          </a:xfrm>
+        </p:spPr>
+        <p:txBody>
+          <a:bodyPr>
+            <a:normAutofit lnSpcReduction="10000"/>
+          </a:bodyPr>
+          <a:lstStyle/>
+          <a:p>
+            <a:r>
+              <a:rPr lang="en-US" sz="6000" b="1" dirty="0">
+                <a:solidFill>
+                  <a:srgbClr val="FF0000"/>
+                </a:solidFill>
+                <a:latin typeface="+mj-lt"/>
+                <a:ea typeface="+mj-ea"/>
+                <a:cs typeface="+mj-cs"/>
+              </a:rPr>
+              <a:t>Models</a:t>
+            </a:r>
+            <a:br>
+              <a:rPr kumimoji="0" lang="en-US" sz="5900" b="1" i="0" u="none" strike="noStrike" kern="1200" cap="all" spc="0" normalizeH="0" baseline="0" noProof="0" dirty="0">
+                <a:ln>
+                  <a:noFill/>
+                </a:ln>
+                <a:solidFill>
+                  <a:srgbClr val="FFFFFF"/>
+                </a:solidFill>
+                <a:effectLst/>
+                <a:uLnTx/>
+                <a:uFillTx/>
+                <a:latin typeface="Neue Haas Grotesk Text Pro"/>
+                <a:ea typeface="+mj-ea"/>
+                <a:cs typeface="+mj-cs"/>
+              </a:rPr>
+            </a:br>
+            <a:endParaRPr lang="es-ES" dirty="0"/>
+          </a:p>
+        </p:txBody>
+      </p:sp>
+      <p:sp>
+        <p:nvSpPr>
+          <p:cNvPr id="2" name="Subtitle 7">
+            <a:extLst>
+              <a:ext uri="{FF2B5EF4-FFF2-40B4-BE49-F238E27FC236}">
+                <a16:creationId xmlns:a16="http://schemas.microsoft.com/office/drawing/2014/main" id="{2A709FF0-461B-BC18-568C-6BFD637B0B96}"/>
+              </a:ext>
+            </a:extLst>
+          </p:cNvPr>
+          <p:cNvSpPr txBox="1">
+            <a:spLocks/>
+          </p:cNvSpPr>
+          <p:nvPr/>
+        </p:nvSpPr>
+        <p:spPr>
+          <a:xfrm>
+            <a:off x="1736658" y="2060823"/>
+            <a:ext cx="9288096" cy="4013406"/>
+          </a:xfrm>
+          <a:prstGeom prst="rect">
+            <a:avLst/>
+          </a:prstGeom>
+        </p:spPr>
+        <p:txBody>
+          <a:bodyPr vert="horz" lIns="91440" tIns="45720" rIns="91440" bIns="45720" rtlCol="0">
+            <a:normAutofit/>
+          </a:bodyPr>
+          <a:lstStyle>
+            <a:lvl1pPr marL="0" indent="0" algn="l" defTabSz="914400" rtl="0" eaLnBrk="1" latinLnBrk="0" hangingPunct="1">
+              <a:lnSpc>
+                <a:spcPct val="120000"/>
+              </a:lnSpc>
+              <a:spcBef>
+                <a:spcPts val="1000"/>
+              </a:spcBef>
+              <a:buFont typeface="Neue Haas Grotesk Text Pro" panose="020B0504020202020204" pitchFamily="34" charset="0"/>
+              <a:buNone/>
+              <a:defRPr sz="2000" kern="1200">
+                <a:solidFill>
+                  <a:schemeClr val="tx1"/>
+                </a:solidFill>
+                <a:latin typeface="+mn-lt"/>
+                <a:ea typeface="+mn-ea"/>
+                <a:cs typeface="+mn-cs"/>
+              </a:defRPr>
+            </a:lvl1pPr>
+            <a:lvl2pPr marL="457200" indent="0" algn="ctr" defTabSz="914400" rtl="0" eaLnBrk="1" latinLnBrk="0" hangingPunct="1">
+              <a:lnSpc>
+                <a:spcPct val="130000"/>
+              </a:lnSpc>
+              <a:spcBef>
+                <a:spcPts val="500"/>
+              </a:spcBef>
+              <a:buFont typeface="Neue Haas Grotesk Text Pro" panose="020B0504020202020204" pitchFamily="34" charset="0"/>
+              <a:buNone/>
+              <a:defRPr sz="2000" kern="1200">
+                <a:solidFill>
+                  <a:schemeClr val="tx1"/>
+                </a:solidFill>
+                <a:latin typeface="+mn-lt"/>
+                <a:ea typeface="+mn-ea"/>
+                <a:cs typeface="+mn-cs"/>
+              </a:defRPr>
+            </a:lvl2pPr>
+            <a:lvl3pPr marL="914400" indent="0" algn="ctr" defTabSz="914400" rtl="0" eaLnBrk="1" latinLnBrk="0" hangingPunct="1">
+              <a:lnSpc>
+                <a:spcPct val="130000"/>
+              </a:lnSpc>
+              <a:spcBef>
+                <a:spcPts val="500"/>
+              </a:spcBef>
+              <a:buFont typeface="Neue Haas Grotesk Text Pro" panose="020B0504020202020204" pitchFamily="34" charset="0"/>
+              <a:buNone/>
+              <a:defRPr sz="1800" kern="1200">
+                <a:solidFill>
+                  <a:schemeClr val="tx1"/>
+                </a:solidFill>
+                <a:latin typeface="+mn-lt"/>
+                <a:ea typeface="+mn-ea"/>
+                <a:cs typeface="+mn-cs"/>
+              </a:defRPr>
+            </a:lvl3pPr>
+            <a:lvl4pPr marL="1371600" indent="0" algn="ctr" defTabSz="914400" rtl="0" eaLnBrk="1" latinLnBrk="0" hangingPunct="1">
+              <a:lnSpc>
+                <a:spcPct val="130000"/>
+              </a:lnSpc>
+              <a:spcBef>
+                <a:spcPts val="500"/>
+              </a:spcBef>
+              <a:buFont typeface="Neue Haas Grotesk Text Pro" panose="020B0504020202020204" pitchFamily="34" charset="0"/>
+              <a:buNone/>
+              <a:defRPr sz="1600" kern="1200">
+                <a:solidFill>
+                  <a:schemeClr val="tx1"/>
+                </a:solidFill>
+                <a:latin typeface="+mn-lt"/>
+                <a:ea typeface="+mn-ea"/>
+                <a:cs typeface="+mn-cs"/>
+              </a:defRPr>
+            </a:lvl4pPr>
+            <a:lvl5pPr marL="1828800" indent="0" algn="ctr" defTabSz="914400" rtl="0" eaLnBrk="1" latinLnBrk="0" hangingPunct="1">
+              <a:lnSpc>
+                <a:spcPct val="130000"/>
+              </a:lnSpc>
+              <a:spcBef>
+                <a:spcPts val="500"/>
+              </a:spcBef>
+              <a:buFont typeface="Neue Haas Grotesk Text Pro" panose="020B0504020202020204" pitchFamily="34" charset="0"/>
+              <a:buNone/>
+              <a:defRPr sz="1600" kern="1200">
+                <a:solidFill>
+                  <a:schemeClr val="tx1"/>
+                </a:solidFill>
+                <a:latin typeface="+mn-lt"/>
+                <a:ea typeface="+mn-ea"/>
+                <a:cs typeface="+mn-cs"/>
+              </a:defRPr>
+            </a:lvl5pPr>
+            <a:lvl6pPr marL="2286000" indent="0" algn="ctr" defTabSz="914400" rtl="0" eaLnBrk="1" latinLnBrk="0" hangingPunct="1">
+              <a:lnSpc>
+                <a:spcPct val="90000"/>
+              </a:lnSpc>
+              <a:spcBef>
+                <a:spcPts val="500"/>
+              </a:spcBef>
+              <a:buFont typeface="Arial" panose="020B0604020202020204" pitchFamily="34" charset="0"/>
+              <a:buNone/>
+              <a:defRPr sz="1600" kern="1200">
+                <a:solidFill>
+                  <a:schemeClr val="tx1"/>
+                </a:solidFill>
+                <a:latin typeface="+mn-lt"/>
+                <a:ea typeface="+mn-ea"/>
+                <a:cs typeface="+mn-cs"/>
+              </a:defRPr>
+            </a:lvl6pPr>
+            <a:lvl7pPr marL="2743200" indent="0" algn="ctr" defTabSz="914400" rtl="0" eaLnBrk="1" latinLnBrk="0" hangingPunct="1">
+              <a:lnSpc>
+                <a:spcPct val="90000"/>
+              </a:lnSpc>
+              <a:spcBef>
+                <a:spcPts val="500"/>
+              </a:spcBef>
+              <a:buFont typeface="Arial" panose="020B0604020202020204" pitchFamily="34" charset="0"/>
+              <a:buNone/>
+              <a:defRPr sz="1600" kern="1200">
+                <a:solidFill>
+                  <a:schemeClr val="tx1"/>
+                </a:solidFill>
+                <a:latin typeface="+mn-lt"/>
+                <a:ea typeface="+mn-ea"/>
+                <a:cs typeface="+mn-cs"/>
+              </a:defRPr>
+            </a:lvl7pPr>
+            <a:lvl8pPr marL="3200400" indent="0" algn="ctr" defTabSz="914400" rtl="0" eaLnBrk="1" latinLnBrk="0" hangingPunct="1">
+              <a:lnSpc>
+                <a:spcPct val="90000"/>
+              </a:lnSpc>
+              <a:spcBef>
+                <a:spcPts val="500"/>
+              </a:spcBef>
+              <a:buFont typeface="Arial" panose="020B0604020202020204" pitchFamily="34" charset="0"/>
+              <a:buNone/>
+              <a:defRPr sz="1600" kern="1200">
+                <a:solidFill>
+                  <a:schemeClr val="tx1"/>
+                </a:solidFill>
+                <a:latin typeface="+mn-lt"/>
+                <a:ea typeface="+mn-ea"/>
+                <a:cs typeface="+mn-cs"/>
+              </a:defRPr>
+            </a:lvl8pPr>
+            <a:lvl9pPr marL="3657600" indent="0" algn="ctr" defTabSz="914400" rtl="0" eaLnBrk="1" latinLnBrk="0" hangingPunct="1">
+              <a:lnSpc>
+                <a:spcPct val="90000"/>
+              </a:lnSpc>
+              <a:spcBef>
+                <a:spcPts val="500"/>
+              </a:spcBef>
+              <a:buFont typeface="Arial" panose="020B0604020202020204" pitchFamily="34" charset="0"/>
+              <a:buNone/>
+              <a:defRPr sz="1600" kern="1200">
+                <a:solidFill>
+                  <a:schemeClr val="tx1"/>
+                </a:solidFill>
+                <a:latin typeface="+mn-lt"/>
+                <a:ea typeface="+mn-ea"/>
+                <a:cs typeface="+mn-cs"/>
+              </a:defRPr>
+            </a:lvl9pPr>
+          </a:lstStyle>
+          <a:p>
+            <a:r>
+              <a:rPr lang="en-US" sz="6000" b="1" dirty="0">
+                <a:solidFill>
+                  <a:srgbClr val="FF0000"/>
+                </a:solidFill>
+                <a:latin typeface="+mj-lt"/>
+                <a:ea typeface="+mj-ea"/>
+                <a:cs typeface="+mj-cs"/>
+              </a:rPr>
+              <a:t>Linear model </a:t>
+            </a:r>
+          </a:p>
+          <a:p>
+            <a:r>
+              <a:rPr lang="en-US" sz="6000" b="1" dirty="0">
+                <a:solidFill>
+                  <a:srgbClr val="FF0000"/>
+                </a:solidFill>
+                <a:latin typeface="+mj-lt"/>
+                <a:ea typeface="+mj-ea"/>
+                <a:cs typeface="+mj-cs"/>
+              </a:rPr>
+              <a:t>Decision Tree</a:t>
+            </a:r>
+          </a:p>
+          <a:p>
+            <a:r>
+              <a:rPr lang="en-US" sz="6000" b="1" dirty="0">
+                <a:solidFill>
+                  <a:srgbClr val="FF0000"/>
+                </a:solidFill>
+                <a:latin typeface="+mj-lt"/>
+                <a:ea typeface="+mj-ea"/>
+                <a:cs typeface="+mj-cs"/>
+              </a:rPr>
+              <a:t>Random Forest</a:t>
+            </a:r>
+            <a:br>
+              <a:rPr lang="en-US" sz="5900" b="1" dirty="0">
+                <a:solidFill>
+                  <a:srgbClr val="FFFFFF"/>
+                </a:solidFill>
+                <a:latin typeface="Neue Haas Grotesk Text Pro"/>
+                <a:ea typeface="+mj-ea"/>
+                <a:cs typeface="+mj-cs"/>
+              </a:rPr>
+            </a:br>
+            <a:endParaRPr lang="es-ES" dirty="0"/>
+          </a:p>
+        </p:txBody>
+      </p:sp>
+    </p:spTree>
+    <p:extLst>
+      <p:ext uri="{BB962C8B-B14F-4D97-AF65-F5344CB8AC3E}">
+        <p14:creationId xmlns:p14="http://schemas.microsoft.com/office/powerpoint/2010/main" val="315397729"/>
+      </p:ext>
+    </p:extLst>
+  </p:cSld>
+  <p:clrMapOvr>
+    <a:masterClrMapping/>
+  </p:clrMapOvr>
+</p:sld>
+</file>
+
+<file path=ppt/slides/slide21.xml><?xml version="1.0" encoding="utf-8"?>
+<p:sld xmlns:a="http://schemas.openxmlformats.org/drawingml/2006/main" xmlns:r="http://schemas.openxmlformats.org/officeDocument/2006/relationships" xmlns:p="http://schemas.openxmlformats.org/presentationml/2006/main">
+  <p:cSld>
+    <p:spTree>
+      <p:nvGrpSpPr>
+        <p:cNvPr id="1" name=""/>
+        <p:cNvGrpSpPr/>
+        <p:nvPr/>
+      </p:nvGrpSpPr>
+      <p:grpSpPr>
+        <a:xfrm>
+          <a:off x="0" y="0"/>
+          <a:ext cx="0" cy="0"/>
+          <a:chOff x="0" y="0"/>
+          <a:chExt cx="0" cy="0"/>
+        </a:xfrm>
+      </p:grpSpPr>
+      <p:pic>
+        <p:nvPicPr>
+          <p:cNvPr id="4" name="Picture 3" descr="Triangular abstract background">
+            <a:extLst>
+              <a:ext uri="{FF2B5EF4-FFF2-40B4-BE49-F238E27FC236}">
+                <a16:creationId xmlns:a16="http://schemas.microsoft.com/office/drawing/2014/main" id="{1025C8CE-B8EC-9FDA-3C04-7414F8AFB6DA}"/>
+              </a:ext>
+            </a:extLst>
+          </p:cNvPr>
+          <p:cNvPicPr>
+            <a:picLocks noChangeAspect="1"/>
+          </p:cNvPicPr>
+          <p:nvPr/>
+        </p:nvPicPr>
+        <p:blipFill rotWithShape="1">
+          <a:blip r:embed="rId2">
+            <a:alphaModFix amt="60000"/>
+          </a:blip>
+          <a:srcRect t="15730"/>
+          <a:stretch/>
+        </p:blipFill>
+        <p:spPr>
+          <a:xfrm>
+            <a:off x="1" y="1"/>
+            <a:ext cx="12192000" cy="6858000"/>
+          </a:xfrm>
+          <a:prstGeom prst="rect">
+            <a:avLst/>
+          </a:prstGeom>
+        </p:spPr>
+      </p:pic>
+      <p:sp>
+        <p:nvSpPr>
+          <p:cNvPr id="8" name="Subtitle 7">
+            <a:extLst>
+              <a:ext uri="{FF2B5EF4-FFF2-40B4-BE49-F238E27FC236}">
+                <a16:creationId xmlns:a16="http://schemas.microsoft.com/office/drawing/2014/main" id="{D30805F3-4F6A-67CA-187D-4C8F34B70B26}"/>
+              </a:ext>
+            </a:extLst>
+          </p:cNvPr>
+          <p:cNvSpPr>
+            <a:spLocks noGrp="1"/>
+          </p:cNvSpPr>
+          <p:nvPr>
+            <p:ph type="subTitle" idx="1"/>
+          </p:nvPr>
+        </p:nvSpPr>
+        <p:spPr/>
+        <p:txBody>
+          <a:bodyPr>
+            <a:normAutofit/>
+          </a:bodyPr>
+          <a:lstStyle/>
+          <a:p>
+            <a:r>
+              <a:rPr lang="es-419" sz="6600" dirty="0" err="1"/>
+              <a:t>Conclusions</a:t>
+            </a:r>
+            <a:endParaRPr lang="es-ES" sz="6600" dirty="0"/>
+          </a:p>
+        </p:txBody>
+      </p:sp>
+      <p:pic>
+        <p:nvPicPr>
+          <p:cNvPr id="2" name="Graphic 1" descr="Head with Gears">
+            <a:extLst>
+              <a:ext uri="{FF2B5EF4-FFF2-40B4-BE49-F238E27FC236}">
+                <a16:creationId xmlns:a16="http://schemas.microsoft.com/office/drawing/2014/main" id="{ACF6B0D4-1E69-A9C3-C8DC-8EB565EA7174}"/>
+              </a:ext>
+            </a:extLst>
+          </p:cNvPr>
+          <p:cNvPicPr>
+            <a:picLocks noChangeAspect="1"/>
+          </p:cNvPicPr>
+          <p:nvPr/>
+        </p:nvPicPr>
+        <p:blipFill>
+          <a:blip r:embed="rId3">
+            <a:extLst>
+              <a:ext uri="{28A0092B-C50C-407E-A947-70E740481C1C}">
+                <a14:useLocalDpi xmlns:a14="http://schemas.microsoft.com/office/drawing/2010/main" val="0"/>
+              </a:ext>
+              <a:ext uri="{96DAC541-7B7A-43D3-8B79-37D633B846F1}">
+                <asvg:svgBlip xmlns:asvg="http://schemas.microsoft.com/office/drawing/2016/SVG/main" r:embed="rId4"/>
+              </a:ext>
+            </a:extLst>
+          </a:blip>
+          <a:stretch>
+            <a:fillRect/>
+          </a:stretch>
+        </p:blipFill>
+        <p:spPr>
+          <a:xfrm>
+            <a:off x="7907482" y="1724891"/>
+            <a:ext cx="3408218" cy="3408218"/>
+          </a:xfrm>
+          <a:prstGeom prst="rect">
+            <a:avLst/>
+          </a:prstGeom>
+        </p:spPr>
+      </p:pic>
+    </p:spTree>
+    <p:extLst>
+      <p:ext uri="{BB962C8B-B14F-4D97-AF65-F5344CB8AC3E}">
+        <p14:creationId xmlns:p14="http://schemas.microsoft.com/office/powerpoint/2010/main" val="3818140121"/>
+      </p:ext>
+    </p:extLst>
+  </p:cSld>
+  <p:clrMapOvr>
+    <a:masterClrMapping/>
+  </p:clrMapOvr>
+</p:sld>
+</file>
+
+<file path=ppt/slides/slide22.xml><?xml version="1.0" encoding="utf-8"?>
+<p:sld xmlns:a="http://schemas.openxmlformats.org/drawingml/2006/main" xmlns:r="http://schemas.openxmlformats.org/officeDocument/2006/relationships" xmlns:p="http://schemas.openxmlformats.org/presentationml/2006/main">
+  <p:cSld>
+    <p:spTree>
+      <p:nvGrpSpPr>
+        <p:cNvPr id="1" name=""/>
+        <p:cNvGrpSpPr/>
+        <p:nvPr/>
+      </p:nvGrpSpPr>
+      <p:grpSpPr>
+        <a:xfrm>
+          <a:off x="0" y="0"/>
+          <a:ext cx="0" cy="0"/>
+          <a:chOff x="0" y="0"/>
+          <a:chExt cx="0" cy="0"/>
+        </a:xfrm>
+      </p:grpSpPr>
+      <p:pic>
+        <p:nvPicPr>
+          <p:cNvPr id="4" name="Picture 3" descr="Triangular abstract background">
+            <a:extLst>
+              <a:ext uri="{FF2B5EF4-FFF2-40B4-BE49-F238E27FC236}">
+                <a16:creationId xmlns:a16="http://schemas.microsoft.com/office/drawing/2014/main" id="{1025C8CE-B8EC-9FDA-3C04-7414F8AFB6DA}"/>
+              </a:ext>
+            </a:extLst>
+          </p:cNvPr>
+          <p:cNvPicPr>
+            <a:picLocks noChangeAspect="1"/>
+          </p:cNvPicPr>
+          <p:nvPr/>
+        </p:nvPicPr>
+        <p:blipFill rotWithShape="1">
+          <a:blip r:embed="rId2">
+            <a:alphaModFix amt="60000"/>
+          </a:blip>
+          <a:srcRect t="15730"/>
+          <a:stretch/>
+        </p:blipFill>
+        <p:spPr>
+          <a:xfrm>
+            <a:off x="1" y="1"/>
+            <a:ext cx="12192000" cy="6858000"/>
+          </a:xfrm>
+          <a:prstGeom prst="rect">
+            <a:avLst/>
+          </a:prstGeom>
+        </p:spPr>
+      </p:pic>
+      <p:sp>
+        <p:nvSpPr>
+          <p:cNvPr id="8" name="Subtitle 7">
+            <a:extLst>
+              <a:ext uri="{FF2B5EF4-FFF2-40B4-BE49-F238E27FC236}">
+                <a16:creationId xmlns:a16="http://schemas.microsoft.com/office/drawing/2014/main" id="{D30805F3-4F6A-67CA-187D-4C8F34B70B26}"/>
+              </a:ext>
+            </a:extLst>
+          </p:cNvPr>
+          <p:cNvSpPr>
+            <a:spLocks noGrp="1"/>
+          </p:cNvSpPr>
+          <p:nvPr>
+            <p:ph type="subTitle" idx="1"/>
+          </p:nvPr>
+        </p:nvSpPr>
+        <p:spPr/>
+        <p:txBody>
+          <a:bodyPr>
+            <a:normAutofit/>
+          </a:bodyPr>
+          <a:lstStyle/>
+          <a:p>
+            <a:r>
+              <a:rPr lang="es-419" sz="6600" dirty="0"/>
+              <a:t>Future </a:t>
+            </a:r>
+            <a:r>
+              <a:rPr lang="es-419" sz="6600" dirty="0" err="1"/>
+              <a:t>Work</a:t>
+            </a:r>
+            <a:endParaRPr lang="es-ES" sz="6600" dirty="0"/>
+          </a:p>
+        </p:txBody>
+      </p:sp>
+      <p:pic>
+        <p:nvPicPr>
+          <p:cNvPr id="2" name="Graphic 1" descr="Head with Gears">
+            <a:extLst>
+              <a:ext uri="{FF2B5EF4-FFF2-40B4-BE49-F238E27FC236}">
+                <a16:creationId xmlns:a16="http://schemas.microsoft.com/office/drawing/2014/main" id="{ACF6B0D4-1E69-A9C3-C8DC-8EB565EA7174}"/>
+              </a:ext>
+            </a:extLst>
+          </p:cNvPr>
+          <p:cNvPicPr>
+            <a:picLocks noChangeAspect="1"/>
+          </p:cNvPicPr>
+          <p:nvPr/>
+        </p:nvPicPr>
+        <p:blipFill>
+          <a:blip r:embed="rId3">
+            <a:extLst>
+              <a:ext uri="{28A0092B-C50C-407E-A947-70E740481C1C}">
+                <a14:useLocalDpi xmlns:a14="http://schemas.microsoft.com/office/drawing/2010/main" val="0"/>
+              </a:ext>
+              <a:ext uri="{96DAC541-7B7A-43D3-8B79-37D633B846F1}">
+                <asvg:svgBlip xmlns:asvg="http://schemas.microsoft.com/office/drawing/2016/SVG/main" r:embed="rId4"/>
+              </a:ext>
+            </a:extLst>
+          </a:blip>
+          <a:stretch>
+            <a:fillRect/>
+          </a:stretch>
+        </p:blipFill>
+        <p:spPr>
+          <a:xfrm>
+            <a:off x="7907482" y="1724891"/>
+            <a:ext cx="3408218" cy="3408218"/>
+          </a:xfrm>
+          <a:prstGeom prst="rect">
+            <a:avLst/>
+          </a:prstGeom>
+        </p:spPr>
+      </p:pic>
+    </p:spTree>
+    <p:extLst>
+      <p:ext uri="{BB962C8B-B14F-4D97-AF65-F5344CB8AC3E}">
+        <p14:creationId xmlns:p14="http://schemas.microsoft.com/office/powerpoint/2010/main" val="3382689159"/>
+      </p:ext>
+    </p:extLst>
+  </p:cSld>
+  <p:clrMapOvr>
+    <a:masterClrMapping/>
+  </p:clrMapOvr>
+</p:sld>
+</file>
+
+<file path=ppt/slides/slide23.xml><?xml version="1.0" encoding="utf-8"?>
+<p:sld xmlns:a="http://schemas.openxmlformats.org/drawingml/2006/main" xmlns:r="http://schemas.openxmlformats.org/officeDocument/2006/relationships" xmlns:p="http://schemas.openxmlformats.org/presentationml/2006/main">
+  <p:cSld>
+    <p:spTree>
+      <p:nvGrpSpPr>
+        <p:cNvPr id="1" name=""/>
+        <p:cNvGrpSpPr/>
+        <p:nvPr/>
+      </p:nvGrpSpPr>
+      <p:grpSpPr>
+        <a:xfrm>
+          <a:off x="0" y="0"/>
+          <a:ext cx="0" cy="0"/>
+          <a:chOff x="0" y="0"/>
+          <a:chExt cx="0" cy="0"/>
+        </a:xfrm>
+      </p:grpSpPr>
+      <p:pic>
+        <p:nvPicPr>
+          <p:cNvPr id="4" name="Picture 3" descr="Triangular abstract background">
+            <a:extLst>
+              <a:ext uri="{FF2B5EF4-FFF2-40B4-BE49-F238E27FC236}">
+                <a16:creationId xmlns:a16="http://schemas.microsoft.com/office/drawing/2014/main" id="{1025C8CE-B8EC-9FDA-3C04-7414F8AFB6DA}"/>
+              </a:ext>
+            </a:extLst>
+          </p:cNvPr>
+          <p:cNvPicPr>
+            <a:picLocks noChangeAspect="1"/>
+          </p:cNvPicPr>
+          <p:nvPr/>
+        </p:nvPicPr>
+        <p:blipFill rotWithShape="1">
+          <a:blip r:embed="rId2">
+            <a:alphaModFix amt="60000"/>
+          </a:blip>
+          <a:srcRect t="15730"/>
+          <a:stretch/>
+        </p:blipFill>
+        <p:spPr>
+          <a:xfrm>
+            <a:off x="1" y="1"/>
+            <a:ext cx="12192000" cy="6858000"/>
+          </a:xfrm>
+          <a:prstGeom prst="rect">
+            <a:avLst/>
+          </a:prstGeom>
+        </p:spPr>
+      </p:pic>
+      <p:sp>
+        <p:nvSpPr>
+          <p:cNvPr id="8" name="Subtitle 7">
+            <a:extLst>
+              <a:ext uri="{FF2B5EF4-FFF2-40B4-BE49-F238E27FC236}">
+                <a16:creationId xmlns:a16="http://schemas.microsoft.com/office/drawing/2014/main" id="{D30805F3-4F6A-67CA-187D-4C8F34B70B26}"/>
+              </a:ext>
+            </a:extLst>
+          </p:cNvPr>
+          <p:cNvSpPr>
+            <a:spLocks noGrp="1"/>
+          </p:cNvSpPr>
+          <p:nvPr>
+            <p:ph type="subTitle" idx="1"/>
+          </p:nvPr>
+        </p:nvSpPr>
+        <p:spPr/>
+        <p:txBody>
+          <a:bodyPr>
+            <a:normAutofit/>
+          </a:bodyPr>
+          <a:lstStyle/>
+          <a:p>
+            <a:r>
+              <a:rPr lang="es-419" sz="6600" dirty="0" err="1"/>
+              <a:t>Thanks</a:t>
+            </a:r>
+            <a:r>
+              <a:rPr lang="es-419" sz="6600" dirty="0"/>
+              <a:t>!</a:t>
+            </a:r>
+            <a:endParaRPr lang="es-ES" sz="6600" dirty="0"/>
+          </a:p>
+        </p:txBody>
+      </p:sp>
+      <p:pic>
+        <p:nvPicPr>
+          <p:cNvPr id="3" name="Graphic 2" descr="Smiling Face with No Fill">
+            <a:extLst>
+              <a:ext uri="{FF2B5EF4-FFF2-40B4-BE49-F238E27FC236}">
+                <a16:creationId xmlns:a16="http://schemas.microsoft.com/office/drawing/2014/main" id="{BA2FA7CD-0723-1158-5140-71F4285ABBB9}"/>
+              </a:ext>
+            </a:extLst>
+          </p:cNvPr>
+          <p:cNvPicPr>
+            <a:picLocks noChangeAspect="1"/>
+          </p:cNvPicPr>
+          <p:nvPr/>
+        </p:nvPicPr>
+        <p:blipFill>
+          <a:blip r:embed="rId3">
+            <a:extLst>
+              <a:ext uri="{28A0092B-C50C-407E-A947-70E740481C1C}">
+                <a14:useLocalDpi xmlns:a14="http://schemas.microsoft.com/office/drawing/2010/main" val="0"/>
+              </a:ext>
+              <a:ext uri="{96DAC541-7B7A-43D3-8B79-37D633B846F1}">
+                <asvg:svgBlip xmlns:asvg="http://schemas.microsoft.com/office/drawing/2016/SVG/main" r:embed="rId4"/>
+              </a:ext>
+            </a:extLst>
+          </a:blip>
+          <a:stretch>
+            <a:fillRect/>
+          </a:stretch>
+        </p:blipFill>
+        <p:spPr>
+          <a:xfrm>
+            <a:off x="7692622" y="2518758"/>
+            <a:ext cx="3217333" cy="3217333"/>
+          </a:xfrm>
+          <a:prstGeom prst="rect">
+            <a:avLst/>
+          </a:prstGeom>
+        </p:spPr>
+      </p:pic>
+    </p:spTree>
+    <p:extLst>
+      <p:ext uri="{BB962C8B-B14F-4D97-AF65-F5344CB8AC3E}">
+        <p14:creationId xmlns:p14="http://schemas.microsoft.com/office/powerpoint/2010/main" val="1695152889"/>
+      </p:ext>
+    </p:extLst>
+  </p:cSld>
+  <p:clrMapOvr>
+    <a:masterClrMapping/>
+  </p:clrMapOvr>
+</p:sld>
+</file>
+
+<file path=ppt/slides/slide3.xml><?xml version="1.0" encoding="utf-8"?>
+<p:sld xmlns:a="http://schemas.openxmlformats.org/drawingml/2006/main" xmlns:r="http://schemas.openxmlformats.org/officeDocument/2006/relationships" xmlns:p="http://schemas.openxmlformats.org/presentationml/2006/main">
+  <p:cSld>
+    <p:bg>
+      <p:bgPr>
+        <a:solidFill>
+          <a:schemeClr val="bg1"/>
+        </a:solidFill>
+        <a:effectLst/>
+      </p:bgPr>
+    </p:bg>
+    <p:spTree>
+      <p:nvGrpSpPr>
+        <p:cNvPr id="1" name=""/>
+        <p:cNvGrpSpPr/>
+        <p:nvPr/>
+      </p:nvGrpSpPr>
+      <p:grpSpPr>
+        <a:xfrm>
+          <a:off x="0" y="0"/>
+          <a:ext cx="0" cy="0"/>
+          <a:chOff x="0" y="0"/>
+          <a:chExt cx="0" cy="0"/>
+        </a:xfrm>
+      </p:grpSpPr>
+      <p:cxnSp>
+        <p:nvCxnSpPr>
+          <p:cNvPr id="21" name="Straight Connector 20">
+            <a:extLst>
+              <a:ext uri="{FF2B5EF4-FFF2-40B4-BE49-F238E27FC236}">
+                <a16:creationId xmlns:a16="http://schemas.microsoft.com/office/drawing/2014/main" id="{D8689CE0-64D2-447C-9C1F-872D111D8AC3}"/>
+              </a:ext>
+              <a:ext uri="{C183D7F6-B498-43B3-948B-1728B52AA6E4}">
+                <adec:decorative xmlns:adec="http://schemas.microsoft.com/office/drawing/2017/decorative" val="1"/>
+              </a:ext>
+            </a:extLst>
+          </p:cNvPr>
+          <p:cNvCxnSpPr>
+            <a:cxnSpLocks noGrp="1" noRot="1" noChangeAspect="1" noMove="1" noResize="1" noEditPoints="1" noAdjustHandles="1" noChangeArrowheads="1" noChangeShapeType="1"/>
+          </p:cNvCxnSpPr>
+          <p:nvPr>
+            <p:extLst>
+              <p:ext uri="{386F3935-93C4-4BCD-93E2-E3B085C9AB24}">
+                <p16:designElem xmlns:p16="http://schemas.microsoft.com/office/powerpoint/2015/main" val="1"/>
+              </p:ext>
+            </p:extLst>
+          </p:nvPr>
+        </p:nvCxnSpPr>
+        <p:spPr>
+          <a:xfrm>
+            <a:off x="0" y="1185205"/>
+            <a:ext cx="804195" cy="0"/>
+          </a:xfrm>
+          <a:prstGeom prst="line">
+            <a:avLst/>
+          </a:prstGeom>
+          <a:ln w="85725">
+            <a:solidFill>
+              <a:schemeClr val="tx1"/>
+            </a:solidFill>
+          </a:ln>
+        </p:spPr>
+        <p:style>
+          <a:lnRef idx="1">
+            <a:schemeClr val="accent1"/>
+          </a:lnRef>
+          <a:fillRef idx="0">
+            <a:schemeClr val="accent1"/>
+          </a:fillRef>
+          <a:effectRef idx="0">
+            <a:schemeClr val="accent1"/>
+          </a:effectRef>
+          <a:fontRef idx="minor">
+            <a:schemeClr val="tx1"/>
+          </a:fontRef>
+        </p:style>
+      </p:cxnSp>
+      <p:sp useBgFill="1">
+        <p:nvSpPr>
+          <p:cNvPr id="23" name="Rectangle 22">
+            <a:extLst>
+              <a:ext uri="{FF2B5EF4-FFF2-40B4-BE49-F238E27FC236}">
+                <a16:creationId xmlns:a16="http://schemas.microsoft.com/office/drawing/2014/main" id="{F96187D8-B32D-4D1A-8C48-A15933DDCD8C}"/>
+              </a:ext>
+              <a:ext uri="{C183D7F6-B498-43B3-948B-1728B52AA6E4}">
+                <adec:decorative xmlns:adec="http://schemas.microsoft.com/office/drawing/2017/decorative" val="1"/>
+              </a:ext>
+            </a:extLst>
+          </p:cNvPr>
+          <p:cNvSpPr>
+            <a:spLocks noGrp="1" noRot="1" noChangeAspect="1" noMove="1" noResize="1" noEditPoints="1" noAdjustHandles="1" noChangeArrowheads="1" noChangeShapeType="1" noTextEdit="1"/>
+          </p:cNvSpPr>
+          <p:nvPr>
+            <p:extLst>
+              <p:ext uri="{386F3935-93C4-4BCD-93E2-E3B085C9AB24}">
+                <p16:designElem xmlns:p16="http://schemas.microsoft.com/office/powerpoint/2015/main" val="1"/>
+              </p:ext>
+            </p:extLst>
+          </p:nvPr>
+        </p:nvSpPr>
+        <p:spPr>
+          <a:xfrm>
+            <a:off x="0" y="0"/>
+            <a:ext cx="12192000" cy="6858000"/>
+          </a:xfrm>
+          <a:prstGeom prst="rect">
+            <a:avLst/>
+          </a:prstGeom>
+          <a:ln w="12700" cap="flat" cmpd="sng" algn="ctr">
+            <a:noFill/>
+            <a:prstDash val="solid"/>
+            <a:miter lim="800000"/>
+          </a:ln>
+          <a:effectLst/>
+          <a:extLst>
+            <a:ext uri="{91240B29-F687-4F45-9708-019B960494DF}">
+              <a14:hiddenLine xmlns:a14="http://schemas.microsoft.com/office/drawing/2010/main" w="12700" cap="flat" cmpd="sng" algn="ctr">
+                <a:solidFill>
+                  <a:schemeClr val="accent1">
+                    <a:shade val="50000"/>
+                  </a:schemeClr>
+                </a:solidFill>
+                <a:prstDash val="solid"/>
+                <a:miter lim="800000"/>
+              </a14:hiddenLine>
+            </a:ext>
+          </a:extLst>
+        </p:spPr>
+        <p:style>
+          <a:lnRef idx="2">
+            <a:schemeClr val="accent1">
+              <a:shade val="50000"/>
+            </a:schemeClr>
+          </a:lnRef>
+          <a:fillRef idx="1">
+            <a:schemeClr val="accent1"/>
+          </a:fillRef>
+          <a:effectRef idx="0">
+            <a:schemeClr val="accent1"/>
+          </a:effectRef>
+          <a:fontRef idx="minor">
+            <a:schemeClr val="lt1"/>
+          </a:fontRef>
+        </p:style>
+        <p:txBody>
+          <a:bodyPr rtlCol="0" anchor="ctr"/>
+          <a:lstStyle/>
+          <a:p>
+            <a:pPr algn="ctr"/>
+            <a:endParaRPr lang="en-US"/>
+          </a:p>
+        </p:txBody>
+      </p:sp>
+      <p:pic>
+        <p:nvPicPr>
+          <p:cNvPr id="17" name="Picture 16" descr="World map with flight paths">
+            <a:extLst>
+              <a:ext uri="{FF2B5EF4-FFF2-40B4-BE49-F238E27FC236}">
+                <a16:creationId xmlns:a16="http://schemas.microsoft.com/office/drawing/2014/main" id="{4908CDFD-B8CE-ECD4-9BED-2F702E355958}"/>
+              </a:ext>
+            </a:extLst>
+          </p:cNvPr>
+          <p:cNvPicPr>
+            <a:picLocks noChangeAspect="1"/>
+          </p:cNvPicPr>
+          <p:nvPr/>
+        </p:nvPicPr>
+        <p:blipFill rotWithShape="1">
+          <a:blip r:embed="rId2">
+            <a:alphaModFix/>
+          </a:blip>
+          <a:srcRect t="7301" b="10281"/>
+          <a:stretch/>
+        </p:blipFill>
+        <p:spPr>
+          <a:xfrm>
+            <a:off x="20" y="10"/>
+            <a:ext cx="12191979" cy="6857990"/>
+          </a:xfrm>
+          <a:prstGeom prst="rect">
+            <a:avLst/>
+          </a:prstGeom>
+        </p:spPr>
+      </p:pic>
+      <p:sp>
+        <p:nvSpPr>
+          <p:cNvPr id="25" name="Rectangle 24">
+            <a:extLst>
+              <a:ext uri="{FF2B5EF4-FFF2-40B4-BE49-F238E27FC236}">
+                <a16:creationId xmlns:a16="http://schemas.microsoft.com/office/drawing/2014/main" id="{D019BB32-A409-4C93-9090-8BDDC45E5796}"/>
+              </a:ext>
+              <a:ext uri="{C183D7F6-B498-43B3-948B-1728B52AA6E4}">
+                <adec:decorative xmlns:adec="http://schemas.microsoft.com/office/drawing/2017/decorative" val="1"/>
+              </a:ext>
+            </a:extLst>
+          </p:cNvPr>
+          <p:cNvSpPr>
+            <a:spLocks noGrp="1" noRot="1" noChangeAspect="1" noMove="1" noResize="1" noEditPoints="1" noAdjustHandles="1" noChangeArrowheads="1" noChangeShapeType="1" noTextEdit="1"/>
+          </p:cNvSpPr>
+          <p:nvPr>
+            <p:extLst>
+              <p:ext uri="{386F3935-93C4-4BCD-93E2-E3B085C9AB24}">
+                <p16:designElem xmlns:p16="http://schemas.microsoft.com/office/powerpoint/2015/main" val="1"/>
+              </p:ext>
+            </p:extLst>
+          </p:nvPr>
+        </p:nvSpPr>
+        <p:spPr>
+          <a:xfrm>
+            <a:off x="0" y="0"/>
+            <a:ext cx="12192000" cy="3657600"/>
+          </a:xfrm>
+          <a:prstGeom prst="rect">
+            <a:avLst/>
+          </a:prstGeom>
+          <a:gradFill>
+            <a:gsLst>
+              <a:gs pos="0">
+                <a:srgbClr val="000000">
+                  <a:alpha val="50000"/>
+                </a:srgbClr>
+              </a:gs>
+              <a:gs pos="100000">
+                <a:srgbClr val="000000">
+                  <a:alpha val="0"/>
+                </a:srgbClr>
+              </a:gs>
+            </a:gsLst>
+            <a:lin ang="5400000" scaled="1"/>
+          </a:gradFill>
+          <a:ln>
+            <a:noFill/>
+          </a:ln>
+        </p:spPr>
+        <p:style>
+          <a:lnRef idx="2">
+            <a:schemeClr val="accent1">
+              <a:shade val="50000"/>
+            </a:schemeClr>
+          </a:lnRef>
+          <a:fillRef idx="1">
+            <a:schemeClr val="accent1"/>
+          </a:fillRef>
+          <a:effectRef idx="0">
+            <a:schemeClr val="accent1"/>
+          </a:effectRef>
+          <a:fontRef idx="minor">
+            <a:schemeClr val="lt1"/>
+          </a:fontRef>
+        </p:style>
+        <p:txBody>
+          <a:bodyPr rtlCol="0" anchor="ctr"/>
+          <a:lstStyle/>
+          <a:p>
+            <a:pPr algn="ctr"/>
+            <a:endParaRPr lang="en-US"/>
+          </a:p>
+        </p:txBody>
+      </p:sp>
+      <p:sp>
+        <p:nvSpPr>
+          <p:cNvPr id="2" name="Title 1">
+            <a:extLst>
+              <a:ext uri="{FF2B5EF4-FFF2-40B4-BE49-F238E27FC236}">
+                <a16:creationId xmlns:a16="http://schemas.microsoft.com/office/drawing/2014/main" id="{1E93A245-21B6-17CC-F853-5E9302686E9A}"/>
+              </a:ext>
+            </a:extLst>
+          </p:cNvPr>
+          <p:cNvSpPr>
+            <a:spLocks noGrp="1"/>
+          </p:cNvSpPr>
+          <p:nvPr>
+            <p:ph type="title"/>
+          </p:nvPr>
+        </p:nvSpPr>
+        <p:spPr>
+          <a:xfrm>
+            <a:off x="1074314" y="1088571"/>
+            <a:ext cx="9958356" cy="2050908"/>
+          </a:xfrm>
+        </p:spPr>
+        <p:txBody>
+          <a:bodyPr vert="horz" lIns="91440" tIns="45720" rIns="91440" bIns="45720" rtlCol="0" anchor="t">
+            <a:normAutofit fontScale="90000"/>
+          </a:bodyPr>
+          <a:lstStyle/>
+          <a:p>
+            <a:r>
+              <a:rPr lang="en-US" sz="6600" cap="all" dirty="0">
+                <a:solidFill>
+                  <a:srgbClr val="FFFFFF"/>
+                </a:solidFill>
+              </a:rPr>
+              <a:t>Global distribution</a:t>
+            </a:r>
+            <a:br>
+              <a:rPr lang="en-US" sz="6600" cap="all" dirty="0">
+                <a:solidFill>
+                  <a:srgbClr val="FFFFFF"/>
+                </a:solidFill>
+              </a:rPr>
+            </a:br>
+            <a:endParaRPr lang="en-US" sz="6600" cap="all" dirty="0">
+              <a:solidFill>
+                <a:srgbClr val="FFFFFF"/>
+              </a:solidFill>
+            </a:endParaRPr>
+          </a:p>
+        </p:txBody>
+      </p:sp>
+      <p:cxnSp>
+        <p:nvCxnSpPr>
+          <p:cNvPr id="27" name="Straight Connector 26">
+            <a:extLst>
+              <a:ext uri="{FF2B5EF4-FFF2-40B4-BE49-F238E27FC236}">
+                <a16:creationId xmlns:a16="http://schemas.microsoft.com/office/drawing/2014/main" id="{B0AA360F-DECB-4836-8FB6-22C4BC3FB02D}"/>
+              </a:ext>
+              <a:ext uri="{C183D7F6-B498-43B3-948B-1728B52AA6E4}">
+                <adec:decorative xmlns:adec="http://schemas.microsoft.com/office/drawing/2017/decorative" val="1"/>
+              </a:ext>
+            </a:extLst>
+          </p:cNvPr>
+          <p:cNvCxnSpPr>
+            <a:cxnSpLocks noGrp="1" noRot="1" noChangeAspect="1" noMove="1" noResize="1" noEditPoints="1" noAdjustHandles="1" noChangeArrowheads="1" noChangeShapeType="1"/>
+          </p:cNvCxnSpPr>
+          <p:nvPr>
+            <p:extLst>
+              <p:ext uri="{386F3935-93C4-4BCD-93E2-E3B085C9AB24}">
+                <p16:designElem xmlns:p16="http://schemas.microsoft.com/office/powerpoint/2015/main" val="1"/>
+              </p:ext>
+            </p:extLst>
+          </p:nvPr>
+        </p:nvCxnSpPr>
+        <p:spPr>
+          <a:xfrm>
+            <a:off x="0" y="1197558"/>
+            <a:ext cx="804195" cy="0"/>
+          </a:xfrm>
+          <a:prstGeom prst="line">
+            <a:avLst/>
+          </a:prstGeom>
+          <a:ln w="85725">
+            <a:solidFill>
+              <a:srgbClr val="FFFFFF"/>
+            </a:solidFill>
+          </a:ln>
+        </p:spPr>
+        <p:style>
+          <a:lnRef idx="1">
+            <a:schemeClr val="accent1"/>
+          </a:lnRef>
+          <a:fillRef idx="0">
+            <a:schemeClr val="accent1"/>
+          </a:fillRef>
+          <a:effectRef idx="0">
+            <a:schemeClr val="accent1"/>
+          </a:effectRef>
+          <a:fontRef idx="minor">
+            <a:schemeClr val="tx1"/>
+          </a:fontRef>
+        </p:style>
+      </p:cxnSp>
+      <p:sp>
+        <p:nvSpPr>
+          <p:cNvPr id="29" name="Rectangle 28">
+            <a:extLst>
+              <a:ext uri="{FF2B5EF4-FFF2-40B4-BE49-F238E27FC236}">
+                <a16:creationId xmlns:a16="http://schemas.microsoft.com/office/drawing/2014/main" id="{74ED70DB-1943-4E5C-A1B6-D49DFE44028B}"/>
+              </a:ext>
+              <a:ext uri="{C183D7F6-B498-43B3-948B-1728B52AA6E4}">
+                <adec:decorative xmlns:adec="http://schemas.microsoft.com/office/drawing/2017/decorative" val="1"/>
+              </a:ext>
+            </a:extLst>
+          </p:cNvPr>
+          <p:cNvSpPr>
+            <a:spLocks noGrp="1" noRot="1" noChangeAspect="1" noMove="1" noResize="1" noEditPoints="1" noAdjustHandles="1" noChangeArrowheads="1" noChangeShapeType="1" noTextEdit="1"/>
+          </p:cNvSpPr>
+          <p:nvPr>
+            <p:extLst>
+              <p:ext uri="{386F3935-93C4-4BCD-93E2-E3B085C9AB24}">
+                <p16:designElem xmlns:p16="http://schemas.microsoft.com/office/powerpoint/2015/main" val="1"/>
+              </p:ext>
+            </p:extLst>
+          </p:nvPr>
+        </p:nvSpPr>
+        <p:spPr>
+          <a:xfrm rot="10800000">
+            <a:off x="0" y="4677195"/>
+            <a:ext cx="12192000" cy="2180805"/>
+          </a:xfrm>
+          <a:prstGeom prst="rect">
+            <a:avLst/>
+          </a:prstGeom>
+          <a:gradFill>
+            <a:gsLst>
+              <a:gs pos="0">
+                <a:srgbClr val="000000">
+                  <a:alpha val="50000"/>
+                </a:srgbClr>
+              </a:gs>
+              <a:gs pos="100000">
+                <a:srgbClr val="000000">
+                  <a:alpha val="0"/>
+                </a:srgbClr>
+              </a:gs>
+            </a:gsLst>
+            <a:lin ang="5400000" scaled="1"/>
+          </a:gradFill>
+          <a:ln>
+            <a:noFill/>
+          </a:ln>
+        </p:spPr>
+        <p:style>
+          <a:lnRef idx="2">
+            <a:schemeClr val="accent1">
+              <a:shade val="50000"/>
+            </a:schemeClr>
+          </a:lnRef>
+          <a:fillRef idx="1">
+            <a:schemeClr val="accent1"/>
+          </a:fillRef>
+          <a:effectRef idx="0">
+            <a:schemeClr val="accent1"/>
+          </a:effectRef>
+          <a:fontRef idx="minor">
+            <a:schemeClr val="lt1"/>
+          </a:fontRef>
+        </p:style>
+        <p:txBody>
+          <a:bodyPr rtlCol="0" anchor="ctr"/>
+          <a:lstStyle/>
+          <a:p>
+            <a:pPr algn="ctr"/>
+            <a:endParaRPr lang="en-US"/>
+          </a:p>
+        </p:txBody>
+      </p:sp>
+      <p:sp>
+        <p:nvSpPr>
+          <p:cNvPr id="4" name="Title 1">
+            <a:extLst>
+              <a:ext uri="{FF2B5EF4-FFF2-40B4-BE49-F238E27FC236}">
+                <a16:creationId xmlns:a16="http://schemas.microsoft.com/office/drawing/2014/main" id="{55844C23-32F8-A20F-AF11-7288F174BC08}"/>
+              </a:ext>
+            </a:extLst>
+          </p:cNvPr>
+          <p:cNvSpPr txBox="1">
+            <a:spLocks/>
+          </p:cNvSpPr>
+          <p:nvPr/>
+        </p:nvSpPr>
+        <p:spPr>
+          <a:xfrm>
+            <a:off x="925056" y="4040699"/>
+            <a:ext cx="9958356" cy="2050908"/>
+          </a:xfrm>
+          <a:prstGeom prst="rect">
+            <a:avLst/>
+          </a:prstGeom>
+        </p:spPr>
+        <p:txBody>
+          <a:bodyPr vert="horz" lIns="91440" tIns="45720" rIns="91440" bIns="45720" rtlCol="0" anchor="t">
+            <a:normAutofit fontScale="97500"/>
+          </a:bodyPr>
+          <a:lstStyle>
+            <a:lvl1pPr algn="l" defTabSz="914400" rtl="0" eaLnBrk="1" latinLnBrk="0" hangingPunct="1">
+              <a:lnSpc>
+                <a:spcPct val="85000"/>
+              </a:lnSpc>
+              <a:spcBef>
+                <a:spcPct val="0"/>
+              </a:spcBef>
+              <a:buNone/>
+              <a:defRPr sz="4400" b="1" kern="1200" cap="none" baseline="0">
+                <a:solidFill>
+                  <a:schemeClr val="tx1"/>
+                </a:solidFill>
+                <a:latin typeface="+mj-lt"/>
+                <a:ea typeface="+mj-ea"/>
+                <a:cs typeface="+mj-cs"/>
+              </a:defRPr>
+            </a:lvl1pPr>
+          </a:lstStyle>
+          <a:p>
+            <a:r>
+              <a:rPr lang="es-ES" sz="3200" dirty="0" err="1">
+                <a:hlinkClick r:id="rId3"/>
+              </a:rPr>
+              <a:t>Youtube_Subscribers_Analyisis</a:t>
+            </a:r>
+            <a:r>
+              <a:rPr lang="es-ES" sz="3200" dirty="0">
+                <a:hlinkClick r:id="rId3"/>
+              </a:rPr>
+              <a:t> | </a:t>
+            </a:r>
+            <a:r>
+              <a:rPr lang="es-ES" sz="3200" dirty="0" err="1">
+                <a:hlinkClick r:id="rId3"/>
+              </a:rPr>
+              <a:t>Tableau</a:t>
+            </a:r>
+            <a:r>
+              <a:rPr lang="es-ES" sz="3200" dirty="0">
+                <a:hlinkClick r:id="rId3"/>
+              </a:rPr>
+              <a:t> </a:t>
+            </a:r>
+            <a:r>
+              <a:rPr lang="es-ES" sz="3200" dirty="0" err="1">
+                <a:hlinkClick r:id="rId3"/>
+              </a:rPr>
+              <a:t>Public</a:t>
+            </a:r>
+            <a:endParaRPr lang="en-US" sz="6600" cap="all" dirty="0">
+              <a:solidFill>
+                <a:srgbClr val="FFFFFF"/>
+              </a:solidFill>
+            </a:endParaRPr>
+          </a:p>
+        </p:txBody>
+      </p:sp>
+    </p:spTree>
+    <p:extLst>
+      <p:ext uri="{BB962C8B-B14F-4D97-AF65-F5344CB8AC3E}">
+        <p14:creationId xmlns:p14="http://schemas.microsoft.com/office/powerpoint/2010/main" val="513449834"/>
+      </p:ext>
+    </p:extLst>
+  </p:cSld>
+  <p:clrMapOvr>
+    <a:masterClrMapping/>
+  </p:clrMapOvr>
+</p:sld>
+</file>
+
+<file path=ppt/slides/slide4.xml><?xml version="1.0" encoding="utf-8"?>
+<p:sld xmlns:a="http://schemas.openxmlformats.org/drawingml/2006/main" xmlns:r="http://schemas.openxmlformats.org/officeDocument/2006/relationships" xmlns:p="http://schemas.openxmlformats.org/presentationml/2006/main">
+  <p:cSld>
+    <p:spTree>
+      <p:nvGrpSpPr>
+        <p:cNvPr id="1" name=""/>
+        <p:cNvGrpSpPr/>
+        <p:nvPr/>
+      </p:nvGrpSpPr>
+      <p:grpSpPr>
+        <a:xfrm>
+          <a:off x="0" y="0"/>
+          <a:ext cx="0" cy="0"/>
+          <a:chOff x="0" y="0"/>
+          <a:chExt cx="0" cy="0"/>
+        </a:xfrm>
+      </p:grpSpPr>
+      <p:pic>
+        <p:nvPicPr>
+          <p:cNvPr id="4" name="Picture 3" descr="Triangular abstract background">
+            <a:extLst>
+              <a:ext uri="{FF2B5EF4-FFF2-40B4-BE49-F238E27FC236}">
+                <a16:creationId xmlns:a16="http://schemas.microsoft.com/office/drawing/2014/main" id="{1025C8CE-B8EC-9FDA-3C04-7414F8AFB6DA}"/>
+              </a:ext>
+            </a:extLst>
+          </p:cNvPr>
+          <p:cNvPicPr>
+            <a:picLocks noChangeAspect="1"/>
+          </p:cNvPicPr>
+          <p:nvPr/>
+        </p:nvPicPr>
+        <p:blipFill rotWithShape="1">
+          <a:blip r:embed="rId2">
+            <a:alphaModFix amt="60000"/>
+          </a:blip>
+          <a:srcRect t="15730"/>
+          <a:stretch/>
+        </p:blipFill>
+        <p:spPr>
+          <a:xfrm>
+            <a:off x="1" y="1"/>
+            <a:ext cx="12192000" cy="6858000"/>
+          </a:xfrm>
+          <a:prstGeom prst="rect">
+            <a:avLst/>
+          </a:prstGeom>
+        </p:spPr>
+      </p:pic>
+      <p:sp>
+        <p:nvSpPr>
+          <p:cNvPr id="8" name="Subtitle 7">
+            <a:extLst>
+              <a:ext uri="{FF2B5EF4-FFF2-40B4-BE49-F238E27FC236}">
+                <a16:creationId xmlns:a16="http://schemas.microsoft.com/office/drawing/2014/main" id="{D30805F3-4F6A-67CA-187D-4C8F34B70B26}"/>
+              </a:ext>
+            </a:extLst>
+          </p:cNvPr>
+          <p:cNvSpPr>
+            <a:spLocks noGrp="1"/>
+          </p:cNvSpPr>
+          <p:nvPr>
+            <p:ph type="subTitle" idx="1"/>
+          </p:nvPr>
+        </p:nvSpPr>
+        <p:spPr/>
+        <p:txBody>
+          <a:bodyPr/>
+          <a:lstStyle/>
+          <a:p>
+            <a:endParaRPr lang="es-ES" dirty="0"/>
+          </a:p>
+        </p:txBody>
+      </p:sp>
+      <p:pic>
+        <p:nvPicPr>
+          <p:cNvPr id="3" name="Picture 2" descr="A graph of a bar graph&#10;&#10;Description automatically generated">
+            <a:extLst>
+              <a:ext uri="{FF2B5EF4-FFF2-40B4-BE49-F238E27FC236}">
+                <a16:creationId xmlns:a16="http://schemas.microsoft.com/office/drawing/2014/main" id="{BE6E59DC-7754-7AD5-BFE5-6D3996FC49E6}"/>
+              </a:ext>
+            </a:extLst>
+          </p:cNvPr>
+          <p:cNvPicPr>
+            <a:picLocks noChangeAspect="1"/>
+          </p:cNvPicPr>
+          <p:nvPr/>
+        </p:nvPicPr>
+        <p:blipFill>
+          <a:blip r:embed="rId3">
+            <a:extLst>
+              <a:ext uri="{28A0092B-C50C-407E-A947-70E740481C1C}">
+                <a14:useLocalDpi xmlns:a14="http://schemas.microsoft.com/office/drawing/2010/main" val="0"/>
+              </a:ext>
+            </a:extLst>
+          </a:blip>
+          <a:stretch>
+            <a:fillRect/>
+          </a:stretch>
+        </p:blipFill>
+        <p:spPr>
+          <a:xfrm>
+            <a:off x="1042737" y="0"/>
+            <a:ext cx="10106526" cy="6858000"/>
+          </a:xfrm>
+          <a:prstGeom prst="rect">
+            <a:avLst/>
+          </a:prstGeom>
+        </p:spPr>
+      </p:pic>
+    </p:spTree>
+    <p:extLst>
+      <p:ext uri="{BB962C8B-B14F-4D97-AF65-F5344CB8AC3E}">
+        <p14:creationId xmlns:p14="http://schemas.microsoft.com/office/powerpoint/2010/main" val="3208531816"/>
+      </p:ext>
+    </p:extLst>
+  </p:cSld>
+  <p:clrMapOvr>
+    <a:masterClrMapping/>
+  </p:clrMapOvr>
+</p:sld>
+</file>
+
+<file path=ppt/slides/slide5.xml><?xml version="1.0" encoding="utf-8"?>
+<p:sld xmlns:a="http://schemas.openxmlformats.org/drawingml/2006/main" xmlns:r="http://schemas.openxmlformats.org/officeDocument/2006/relationships" xmlns:p="http://schemas.openxmlformats.org/presentationml/2006/main">
+  <p:cSld>
+    <p:spTree>
+      <p:nvGrpSpPr>
+        <p:cNvPr id="1" name=""/>
+        <p:cNvGrpSpPr/>
+        <p:nvPr/>
+      </p:nvGrpSpPr>
+      <p:grpSpPr>
+        <a:xfrm>
+          <a:off x="0" y="0"/>
+          <a:ext cx="0" cy="0"/>
+          <a:chOff x="0" y="0"/>
+          <a:chExt cx="0" cy="0"/>
+        </a:xfrm>
+      </p:grpSpPr>
+      <p:pic>
+        <p:nvPicPr>
+          <p:cNvPr id="4" name="Picture 3" descr="Triangular abstract background">
+            <a:extLst>
+              <a:ext uri="{FF2B5EF4-FFF2-40B4-BE49-F238E27FC236}">
+                <a16:creationId xmlns:a16="http://schemas.microsoft.com/office/drawing/2014/main" id="{1025C8CE-B8EC-9FDA-3C04-7414F8AFB6DA}"/>
+              </a:ext>
+            </a:extLst>
+          </p:cNvPr>
+          <p:cNvPicPr>
+            <a:picLocks noChangeAspect="1"/>
+          </p:cNvPicPr>
+          <p:nvPr/>
+        </p:nvPicPr>
+        <p:blipFill rotWithShape="1">
+          <a:blip r:embed="rId2">
+            <a:alphaModFix amt="60000"/>
+          </a:blip>
+          <a:srcRect t="15730"/>
+          <a:stretch/>
+        </p:blipFill>
+        <p:spPr>
+          <a:xfrm>
+            <a:off x="1" y="1"/>
+            <a:ext cx="12192000" cy="6858000"/>
+          </a:xfrm>
+          <a:prstGeom prst="rect">
+            <a:avLst/>
+          </a:prstGeom>
+        </p:spPr>
+      </p:pic>
+      <p:sp>
+        <p:nvSpPr>
+          <p:cNvPr id="8" name="Subtitle 7">
+            <a:extLst>
+              <a:ext uri="{FF2B5EF4-FFF2-40B4-BE49-F238E27FC236}">
+                <a16:creationId xmlns:a16="http://schemas.microsoft.com/office/drawing/2014/main" id="{D30805F3-4F6A-67CA-187D-4C8F34B70B26}"/>
+              </a:ext>
+            </a:extLst>
+          </p:cNvPr>
+          <p:cNvSpPr>
+            <a:spLocks noGrp="1"/>
+          </p:cNvSpPr>
+          <p:nvPr>
+            <p:ph type="subTitle" idx="1"/>
+          </p:nvPr>
+        </p:nvSpPr>
+        <p:spPr>
+          <a:xfrm>
+            <a:off x="1916272" y="2454292"/>
+            <a:ext cx="9288096" cy="1435331"/>
+          </a:xfrm>
+        </p:spPr>
+        <p:txBody>
+          <a:bodyPr>
+            <a:normAutofit lnSpcReduction="10000"/>
+          </a:bodyPr>
+          <a:lstStyle/>
+          <a:p>
+            <a:r>
+              <a:rPr kumimoji="0" lang="en-US" sz="5900" b="1" i="0" u="none" strike="noStrike" kern="1200" cap="all" spc="0" normalizeH="0" baseline="0" noProof="0" dirty="0">
+                <a:ln>
+                  <a:noFill/>
+                </a:ln>
+                <a:effectLst/>
+                <a:uLnTx/>
+                <a:uFillTx/>
+                <a:latin typeface="Neue Haas Grotesk Text Pro"/>
+                <a:ea typeface="+mj-ea"/>
+                <a:cs typeface="+mj-cs"/>
+              </a:rPr>
+              <a:t>Content</a:t>
+            </a:r>
+            <a:r>
+              <a:rPr kumimoji="0" lang="en-US" sz="5900" b="1" i="0" u="none" strike="noStrike" kern="1200" cap="all" spc="0" normalizeH="0" baseline="0" noProof="0" dirty="0">
+                <a:ln>
+                  <a:noFill/>
+                </a:ln>
+                <a:solidFill>
+                  <a:srgbClr val="FFFFFF"/>
+                </a:solidFill>
+                <a:effectLst/>
+                <a:uLnTx/>
+                <a:uFillTx/>
+                <a:latin typeface="Neue Haas Grotesk Text Pro"/>
+                <a:ea typeface="+mj-ea"/>
+                <a:cs typeface="+mj-cs"/>
+              </a:rPr>
+              <a:t> </a:t>
+            </a:r>
+            <a:r>
+              <a:rPr kumimoji="0" lang="en-US" sz="5900" b="1" i="0" u="none" strike="noStrike" kern="1200" cap="all" spc="0" normalizeH="0" baseline="0" noProof="0" dirty="0">
+                <a:ln>
+                  <a:noFill/>
+                </a:ln>
+                <a:solidFill>
+                  <a:srgbClr val="FF0000"/>
+                </a:solidFill>
+                <a:effectLst/>
+                <a:uLnTx/>
+                <a:uFillTx/>
+                <a:latin typeface="Neue Haas Grotesk Text Pro"/>
+                <a:ea typeface="+mj-ea"/>
+                <a:cs typeface="+mj-cs"/>
+              </a:rPr>
+              <a:t>strategy</a:t>
+            </a:r>
+            <a:br>
+              <a:rPr kumimoji="0" lang="en-US" sz="5900" b="1" i="0" u="none" strike="noStrike" kern="1200" cap="all" spc="0" normalizeH="0" baseline="0" noProof="0" dirty="0">
+                <a:ln>
+                  <a:noFill/>
+                </a:ln>
+                <a:solidFill>
+                  <a:srgbClr val="FFFFFF"/>
+                </a:solidFill>
+                <a:effectLst/>
+                <a:uLnTx/>
+                <a:uFillTx/>
+                <a:latin typeface="Neue Haas Grotesk Text Pro"/>
+                <a:ea typeface="+mj-ea"/>
+                <a:cs typeface="+mj-cs"/>
+              </a:rPr>
+            </a:br>
+            <a:endParaRPr lang="es-ES" dirty="0"/>
+          </a:p>
+        </p:txBody>
+      </p:sp>
+    </p:spTree>
+    <p:extLst>
+      <p:ext uri="{BB962C8B-B14F-4D97-AF65-F5344CB8AC3E}">
+        <p14:creationId xmlns:p14="http://schemas.microsoft.com/office/powerpoint/2010/main" val="3546341208"/>
+      </p:ext>
+    </p:extLst>
+  </p:cSld>
+  <p:clrMapOvr>
+    <a:masterClrMapping/>
+  </p:clrMapOvr>
+</p:sld>
+</file>
+
+<file path=ppt/slides/slide6.xml><?xml version="1.0" encoding="utf-8"?>
+<p:sld xmlns:a="http://schemas.openxmlformats.org/drawingml/2006/main" xmlns:r="http://schemas.openxmlformats.org/officeDocument/2006/relationships" xmlns:p="http://schemas.openxmlformats.org/presentationml/2006/main">
+  <p:cSld>
+    <p:spTree>
+      <p:nvGrpSpPr>
+        <p:cNvPr id="1" name=""/>
+        <p:cNvGrpSpPr/>
+        <p:nvPr/>
+      </p:nvGrpSpPr>
+      <p:grpSpPr>
+        <a:xfrm>
+          <a:off x="0" y="0"/>
+          <a:ext cx="0" cy="0"/>
+          <a:chOff x="0" y="0"/>
+          <a:chExt cx="0" cy="0"/>
+        </a:xfrm>
+      </p:grpSpPr>
+      <p:pic>
+        <p:nvPicPr>
+          <p:cNvPr id="4" name="Picture 3" descr="Triangular abstract background">
+            <a:extLst>
+              <a:ext uri="{FF2B5EF4-FFF2-40B4-BE49-F238E27FC236}">
+                <a16:creationId xmlns:a16="http://schemas.microsoft.com/office/drawing/2014/main" id="{1025C8CE-B8EC-9FDA-3C04-7414F8AFB6DA}"/>
+              </a:ext>
+            </a:extLst>
+          </p:cNvPr>
+          <p:cNvPicPr>
+            <a:picLocks noChangeAspect="1"/>
+          </p:cNvPicPr>
+          <p:nvPr/>
+        </p:nvPicPr>
+        <p:blipFill rotWithShape="1">
+          <a:blip r:embed="rId2">
+            <a:alphaModFix amt="60000"/>
+          </a:blip>
+          <a:srcRect t="15730"/>
+          <a:stretch/>
+        </p:blipFill>
+        <p:spPr>
+          <a:xfrm>
+            <a:off x="1" y="1"/>
+            <a:ext cx="12192000" cy="6858000"/>
+          </a:xfrm>
+          <a:prstGeom prst="rect">
+            <a:avLst/>
+          </a:prstGeom>
+        </p:spPr>
+      </p:pic>
+      <p:sp>
+        <p:nvSpPr>
+          <p:cNvPr id="8" name="Subtitle 7">
+            <a:extLst>
+              <a:ext uri="{FF2B5EF4-FFF2-40B4-BE49-F238E27FC236}">
+                <a16:creationId xmlns:a16="http://schemas.microsoft.com/office/drawing/2014/main" id="{D30805F3-4F6A-67CA-187D-4C8F34B70B26}"/>
+              </a:ext>
+            </a:extLst>
+          </p:cNvPr>
+          <p:cNvSpPr>
+            <a:spLocks noGrp="1"/>
+          </p:cNvSpPr>
+          <p:nvPr>
+            <p:ph type="subTitle" idx="1"/>
+          </p:nvPr>
+        </p:nvSpPr>
+        <p:spPr/>
+        <p:txBody>
+          <a:bodyPr/>
+          <a:lstStyle/>
+          <a:p>
+            <a:endParaRPr lang="es-ES" dirty="0"/>
+          </a:p>
+        </p:txBody>
+      </p:sp>
+      <p:pic>
+        <p:nvPicPr>
+          <p:cNvPr id="3" name="Picture 2" descr="A graph with different colored bars&#10;&#10;Description automatically generated">
+            <a:extLst>
+              <a:ext uri="{FF2B5EF4-FFF2-40B4-BE49-F238E27FC236}">
+                <a16:creationId xmlns:a16="http://schemas.microsoft.com/office/drawing/2014/main" id="{96D41CA3-05D0-9486-34B0-DA426A77BF23}"/>
+              </a:ext>
+            </a:extLst>
+          </p:cNvPr>
+          <p:cNvPicPr>
+            <a:picLocks noChangeAspect="1"/>
+          </p:cNvPicPr>
+          <p:nvPr/>
+        </p:nvPicPr>
+        <p:blipFill>
+          <a:blip r:embed="rId3">
+            <a:extLst>
+              <a:ext uri="{28A0092B-C50C-407E-A947-70E740481C1C}">
+                <a14:useLocalDpi xmlns:a14="http://schemas.microsoft.com/office/drawing/2010/main" val="0"/>
+              </a:ext>
+            </a:extLst>
+          </a:blip>
+          <a:stretch>
+            <a:fillRect/>
+          </a:stretch>
+        </p:blipFill>
+        <p:spPr>
+          <a:xfrm>
+            <a:off x="2329630" y="0"/>
+            <a:ext cx="7532739" cy="6858000"/>
+          </a:xfrm>
+          <a:prstGeom prst="rect">
+            <a:avLst/>
+          </a:prstGeom>
+        </p:spPr>
+      </p:pic>
+    </p:spTree>
+    <p:extLst>
+      <p:ext uri="{BB962C8B-B14F-4D97-AF65-F5344CB8AC3E}">
+        <p14:creationId xmlns:p14="http://schemas.microsoft.com/office/powerpoint/2010/main" val="3133570569"/>
+      </p:ext>
+    </p:extLst>
+  </p:cSld>
+  <p:clrMapOvr>
+    <a:masterClrMapping/>
+  </p:clrMapOvr>
+</p:sld>
+</file>
+
+<file path=ppt/slides/slide7.xml><?xml version="1.0" encoding="utf-8"?>
+<p:sld xmlns:a="http://schemas.openxmlformats.org/drawingml/2006/main" xmlns:r="http://schemas.openxmlformats.org/officeDocument/2006/relationships" xmlns:p="http://schemas.openxmlformats.org/presentationml/2006/main">
+  <p:cSld>
+    <p:spTree>
+      <p:nvGrpSpPr>
+        <p:cNvPr id="1" name=""/>
+        <p:cNvGrpSpPr/>
+        <p:nvPr/>
+      </p:nvGrpSpPr>
+      <p:grpSpPr>
+        <a:xfrm>
+          <a:off x="0" y="0"/>
+          <a:ext cx="0" cy="0"/>
+          <a:chOff x="0" y="0"/>
+          <a:chExt cx="0" cy="0"/>
+        </a:xfrm>
+      </p:grpSpPr>
+      <p:pic>
+        <p:nvPicPr>
+          <p:cNvPr id="4" name="Picture 3" descr="Triangular abstract background">
+            <a:extLst>
+              <a:ext uri="{FF2B5EF4-FFF2-40B4-BE49-F238E27FC236}">
+                <a16:creationId xmlns:a16="http://schemas.microsoft.com/office/drawing/2014/main" id="{1025C8CE-B8EC-9FDA-3C04-7414F8AFB6DA}"/>
+              </a:ext>
+            </a:extLst>
+          </p:cNvPr>
+          <p:cNvPicPr>
+            <a:picLocks noChangeAspect="1"/>
+          </p:cNvPicPr>
+          <p:nvPr/>
+        </p:nvPicPr>
+        <p:blipFill rotWithShape="1">
+          <a:blip r:embed="rId2">
+            <a:alphaModFix amt="60000"/>
+          </a:blip>
+          <a:srcRect t="15730"/>
+          <a:stretch/>
+        </p:blipFill>
+        <p:spPr>
+          <a:xfrm>
+            <a:off x="1" y="1"/>
+            <a:ext cx="12192000" cy="6858000"/>
+          </a:xfrm>
+          <a:prstGeom prst="rect">
+            <a:avLst/>
+          </a:prstGeom>
+        </p:spPr>
+      </p:pic>
+      <p:sp>
+        <p:nvSpPr>
+          <p:cNvPr id="8" name="Subtitle 7">
+            <a:extLst>
+              <a:ext uri="{FF2B5EF4-FFF2-40B4-BE49-F238E27FC236}">
+                <a16:creationId xmlns:a16="http://schemas.microsoft.com/office/drawing/2014/main" id="{D30805F3-4F6A-67CA-187D-4C8F34B70B26}"/>
+              </a:ext>
+            </a:extLst>
+          </p:cNvPr>
+          <p:cNvSpPr>
+            <a:spLocks noGrp="1"/>
+          </p:cNvSpPr>
+          <p:nvPr>
+            <p:ph type="subTitle" idx="1"/>
+          </p:nvPr>
+        </p:nvSpPr>
+        <p:spPr/>
+        <p:txBody>
+          <a:bodyPr/>
+          <a:lstStyle/>
+          <a:p>
+            <a:endParaRPr lang="es-ES" dirty="0"/>
+          </a:p>
+        </p:txBody>
+      </p:sp>
+      <p:pic>
+        <p:nvPicPr>
+          <p:cNvPr id="3" name="Picture 2" descr="A colorful bar graph with black text&#10;&#10;Description automatically generated with medium confidence">
+            <a:extLst>
+              <a:ext uri="{FF2B5EF4-FFF2-40B4-BE49-F238E27FC236}">
+                <a16:creationId xmlns:a16="http://schemas.microsoft.com/office/drawing/2014/main" id="{3E497C6F-E98D-BB36-1B08-B86112F833E5}"/>
+              </a:ext>
+            </a:extLst>
+          </p:cNvPr>
+          <p:cNvPicPr>
+            <a:picLocks noChangeAspect="1"/>
+          </p:cNvPicPr>
+          <p:nvPr/>
+        </p:nvPicPr>
+        <p:blipFill>
+          <a:blip r:embed="rId3">
+            <a:extLst>
+              <a:ext uri="{28A0092B-C50C-407E-A947-70E740481C1C}">
+                <a14:useLocalDpi xmlns:a14="http://schemas.microsoft.com/office/drawing/2010/main" val="0"/>
+              </a:ext>
+            </a:extLst>
+          </a:blip>
+          <a:stretch>
+            <a:fillRect/>
+          </a:stretch>
+        </p:blipFill>
+        <p:spPr>
+          <a:xfrm>
+            <a:off x="0" y="450668"/>
+            <a:ext cx="12192000" cy="5956663"/>
+          </a:xfrm>
+          <a:prstGeom prst="rect">
+            <a:avLst/>
+          </a:prstGeom>
+        </p:spPr>
+      </p:pic>
+    </p:spTree>
+    <p:extLst>
+      <p:ext uri="{BB962C8B-B14F-4D97-AF65-F5344CB8AC3E}">
+        <p14:creationId xmlns:p14="http://schemas.microsoft.com/office/powerpoint/2010/main" val="230917798"/>
+      </p:ext>
+    </p:extLst>
+  </p:cSld>
+  <p:clrMapOvr>
+    <a:masterClrMapping/>
+  </p:clrMapOvr>
+</p:sld>
+</file>
+
+<file path=ppt/slides/slide8.xml><?xml version="1.0" encoding="utf-8"?>
+<p:sld xmlns:a="http://schemas.openxmlformats.org/drawingml/2006/main" xmlns:r="http://schemas.openxmlformats.org/officeDocument/2006/relationships" xmlns:p="http://schemas.openxmlformats.org/presentationml/2006/main">
+  <p:cSld>
+    <p:spTree>
+      <p:nvGrpSpPr>
+        <p:cNvPr id="1" name=""/>
+        <p:cNvGrpSpPr/>
+        <p:nvPr/>
+      </p:nvGrpSpPr>
+      <p:grpSpPr>
+        <a:xfrm>
+          <a:off x="0" y="0"/>
+          <a:ext cx="0" cy="0"/>
+          <a:chOff x="0" y="0"/>
+          <a:chExt cx="0" cy="0"/>
+        </a:xfrm>
+      </p:grpSpPr>
+      <p:pic>
+        <p:nvPicPr>
+          <p:cNvPr id="4" name="Picture 3" descr="Triangular abstract background">
+            <a:extLst>
+              <a:ext uri="{FF2B5EF4-FFF2-40B4-BE49-F238E27FC236}">
+                <a16:creationId xmlns:a16="http://schemas.microsoft.com/office/drawing/2014/main" id="{1025C8CE-B8EC-9FDA-3C04-7414F8AFB6DA}"/>
+              </a:ext>
+            </a:extLst>
+          </p:cNvPr>
+          <p:cNvPicPr>
+            <a:picLocks noChangeAspect="1"/>
+          </p:cNvPicPr>
+          <p:nvPr/>
+        </p:nvPicPr>
+        <p:blipFill rotWithShape="1">
+          <a:blip r:embed="rId2">
+            <a:alphaModFix amt="60000"/>
+          </a:blip>
+          <a:srcRect t="15730"/>
+          <a:stretch/>
+        </p:blipFill>
+        <p:spPr>
+          <a:xfrm>
+            <a:off x="1" y="1"/>
+            <a:ext cx="12192000" cy="6858000"/>
+          </a:xfrm>
+          <a:prstGeom prst="rect">
+            <a:avLst/>
+          </a:prstGeom>
+        </p:spPr>
+      </p:pic>
+      <p:sp>
+        <p:nvSpPr>
+          <p:cNvPr id="8" name="Subtitle 7">
+            <a:extLst>
+              <a:ext uri="{FF2B5EF4-FFF2-40B4-BE49-F238E27FC236}">
+                <a16:creationId xmlns:a16="http://schemas.microsoft.com/office/drawing/2014/main" id="{D30805F3-4F6A-67CA-187D-4C8F34B70B26}"/>
+              </a:ext>
+            </a:extLst>
+          </p:cNvPr>
+          <p:cNvSpPr>
+            <a:spLocks noGrp="1"/>
+          </p:cNvSpPr>
+          <p:nvPr>
+            <p:ph type="subTitle" idx="1"/>
+          </p:nvPr>
+        </p:nvSpPr>
+        <p:spPr/>
+        <p:txBody>
+          <a:bodyPr/>
+          <a:lstStyle/>
+          <a:p>
+            <a:endParaRPr lang="es-ES" dirty="0"/>
+          </a:p>
+        </p:txBody>
+      </p:sp>
+      <p:pic>
+        <p:nvPicPr>
+          <p:cNvPr id="3" name="Picture 2" descr="A screen shot of a graph&#10;&#10;Description automatically generated">
+            <a:extLst>
+              <a:ext uri="{FF2B5EF4-FFF2-40B4-BE49-F238E27FC236}">
+                <a16:creationId xmlns:a16="http://schemas.microsoft.com/office/drawing/2014/main" id="{55EB5676-1630-2DF7-BDA3-0309505F575F}"/>
+              </a:ext>
+            </a:extLst>
+          </p:cNvPr>
+          <p:cNvPicPr>
+            <a:picLocks noChangeAspect="1"/>
+          </p:cNvPicPr>
+          <p:nvPr/>
+        </p:nvPicPr>
+        <p:blipFill>
+          <a:blip r:embed="rId3">
+            <a:extLst>
+              <a:ext uri="{28A0092B-C50C-407E-A947-70E740481C1C}">
+                <a14:useLocalDpi xmlns:a14="http://schemas.microsoft.com/office/drawing/2010/main" val="0"/>
+              </a:ext>
+            </a:extLst>
+          </a:blip>
+          <a:stretch>
+            <a:fillRect/>
+          </a:stretch>
+        </p:blipFill>
+        <p:spPr>
+          <a:xfrm>
+            <a:off x="0" y="450668"/>
+            <a:ext cx="12192000" cy="5956663"/>
+          </a:xfrm>
+          <a:prstGeom prst="rect">
+            <a:avLst/>
+          </a:prstGeom>
+        </p:spPr>
+      </p:pic>
+    </p:spTree>
+    <p:extLst>
+      <p:ext uri="{BB962C8B-B14F-4D97-AF65-F5344CB8AC3E}">
+        <p14:creationId xmlns:p14="http://schemas.microsoft.com/office/powerpoint/2010/main" val="3659064535"/>
+      </p:ext>
+    </p:extLst>
+  </p:cSld>
+  <p:clrMapOvr>
+    <a:masterClrMapping/>
+  </p:clrMapOvr>
+</p:sld>
+</file>
+
+<file path=ppt/slides/slide9.xml><?xml version="1.0" encoding="utf-8"?>
+<p:sld xmlns:a="http://schemas.openxmlformats.org/drawingml/2006/main" xmlns:r="http://schemas.openxmlformats.org/officeDocument/2006/relationships" xmlns:p="http://schemas.openxmlformats.org/presentationml/2006/main">
+  <p:cSld>
+    <p:spTree>
+      <p:nvGrpSpPr>
+        <p:cNvPr id="1" name=""/>
+        <p:cNvGrpSpPr/>
+        <p:nvPr/>
+      </p:nvGrpSpPr>
+      <p:grpSpPr>
+        <a:xfrm>
+          <a:off x="0" y="0"/>
+          <a:ext cx="0" cy="0"/>
+          <a:chOff x="0" y="0"/>
+          <a:chExt cx="0" cy="0"/>
+        </a:xfrm>
+      </p:grpSpPr>
+      <p:pic>
+        <p:nvPicPr>
+          <p:cNvPr id="4" name="Picture 3" descr="Triangular abstract background">
+            <a:extLst>
+              <a:ext uri="{FF2B5EF4-FFF2-40B4-BE49-F238E27FC236}">
+                <a16:creationId xmlns:a16="http://schemas.microsoft.com/office/drawing/2014/main" id="{1025C8CE-B8EC-9FDA-3C04-7414F8AFB6DA}"/>
+              </a:ext>
+            </a:extLst>
+          </p:cNvPr>
+          <p:cNvPicPr>
+            <a:picLocks noChangeAspect="1"/>
+          </p:cNvPicPr>
+          <p:nvPr/>
+        </p:nvPicPr>
+        <p:blipFill rotWithShape="1">
+          <a:blip r:embed="rId2">
+            <a:alphaModFix amt="60000"/>
+          </a:blip>
+          <a:srcRect t="15730"/>
+          <a:stretch/>
+        </p:blipFill>
+        <p:spPr>
+          <a:xfrm>
+            <a:off x="1" y="1"/>
+            <a:ext cx="12192000" cy="6858000"/>
+          </a:xfrm>
+          <a:prstGeom prst="rect">
+            <a:avLst/>
+          </a:prstGeom>
+        </p:spPr>
+      </p:pic>
+      <p:sp>
+        <p:nvSpPr>
+          <p:cNvPr id="8" name="Subtitle 7">
+            <a:extLst>
+              <a:ext uri="{FF2B5EF4-FFF2-40B4-BE49-F238E27FC236}">
+                <a16:creationId xmlns:a16="http://schemas.microsoft.com/office/drawing/2014/main" id="{D30805F3-4F6A-67CA-187D-4C8F34B70B26}"/>
+              </a:ext>
+            </a:extLst>
+          </p:cNvPr>
+          <p:cNvSpPr>
+            <a:spLocks noGrp="1"/>
+          </p:cNvSpPr>
+          <p:nvPr>
+            <p:ph type="subTitle" idx="1"/>
+          </p:nvPr>
+        </p:nvSpPr>
+        <p:spPr/>
+        <p:txBody>
+          <a:bodyPr/>
+          <a:lstStyle/>
+          <a:p>
+            <a:endParaRPr lang="es-ES" dirty="0"/>
+          </a:p>
+        </p:txBody>
+      </p:sp>
+      <p:pic>
+        <p:nvPicPr>
+          <p:cNvPr id="3" name="Picture 2" descr="A screenshot of a computer&#10;&#10;Description automatically generated">
+            <a:extLst>
+              <a:ext uri="{FF2B5EF4-FFF2-40B4-BE49-F238E27FC236}">
+                <a16:creationId xmlns:a16="http://schemas.microsoft.com/office/drawing/2014/main" id="{65D6DB37-24B6-0D78-5326-DADA0BC9C88A}"/>
+              </a:ext>
+            </a:extLst>
+          </p:cNvPr>
+          <p:cNvPicPr>
+            <a:picLocks noChangeAspect="1"/>
+          </p:cNvPicPr>
+          <p:nvPr/>
+        </p:nvPicPr>
+        <p:blipFill>
+          <a:blip r:embed="rId3">
+            <a:extLst>
+              <a:ext uri="{28A0092B-C50C-407E-A947-70E740481C1C}">
+                <a14:useLocalDpi xmlns:a14="http://schemas.microsoft.com/office/drawing/2010/main" val="0"/>
+              </a:ext>
+            </a:extLst>
+          </a:blip>
+          <a:stretch>
+            <a:fillRect/>
+          </a:stretch>
+        </p:blipFill>
+        <p:spPr>
+          <a:xfrm>
+            <a:off x="0" y="450668"/>
+            <a:ext cx="12192000" cy="5956663"/>
+          </a:xfrm>
+          <a:prstGeom prst="rect">
+            <a:avLst/>
+          </a:prstGeom>
+        </p:spPr>
+      </p:pic>
+    </p:spTree>
+    <p:extLst>
+      <p:ext uri="{BB962C8B-B14F-4D97-AF65-F5344CB8AC3E}">
+        <p14:creationId xmlns:p14="http://schemas.microsoft.com/office/powerpoint/2010/main" val="2287828510"/>
       </p:ext>
     </p:extLst>
   </p:cSld>

--- a/slides/Youtube_Channels_Sergio_Burgos.pptx
+++ b/slides/Youtube_Channels_Sergio_Burgos.pptx
@@ -6,28 +6,31 @@
   </p:sldMasterIdLst>
   <p:sldIdLst>
     <p:sldId id="256" r:id="rId2"/>
-    <p:sldId id="274" r:id="rId3"/>
-    <p:sldId id="257" r:id="rId4"/>
-    <p:sldId id="271" r:id="rId5"/>
-    <p:sldId id="279" r:id="rId6"/>
-    <p:sldId id="273" r:id="rId7"/>
-    <p:sldId id="268" r:id="rId8"/>
-    <p:sldId id="269" r:id="rId9"/>
-    <p:sldId id="270" r:id="rId10"/>
-    <p:sldId id="280" r:id="rId11"/>
-    <p:sldId id="262" r:id="rId12"/>
-    <p:sldId id="263" r:id="rId13"/>
-    <p:sldId id="264" r:id="rId14"/>
-    <p:sldId id="282" r:id="rId15"/>
-    <p:sldId id="272" r:id="rId16"/>
-    <p:sldId id="265" r:id="rId17"/>
-    <p:sldId id="283" r:id="rId18"/>
-    <p:sldId id="266" r:id="rId19"/>
-    <p:sldId id="267" r:id="rId20"/>
-    <p:sldId id="285" r:id="rId21"/>
-    <p:sldId id="276" r:id="rId22"/>
-    <p:sldId id="277" r:id="rId23"/>
-    <p:sldId id="278" r:id="rId24"/>
+    <p:sldId id="291" r:id="rId3"/>
+    <p:sldId id="274" r:id="rId4"/>
+    <p:sldId id="257" r:id="rId5"/>
+    <p:sldId id="271" r:id="rId6"/>
+    <p:sldId id="279" r:id="rId7"/>
+    <p:sldId id="273" r:id="rId8"/>
+    <p:sldId id="268" r:id="rId9"/>
+    <p:sldId id="269" r:id="rId10"/>
+    <p:sldId id="270" r:id="rId11"/>
+    <p:sldId id="280" r:id="rId12"/>
+    <p:sldId id="262" r:id="rId13"/>
+    <p:sldId id="263" r:id="rId14"/>
+    <p:sldId id="264" r:id="rId15"/>
+    <p:sldId id="282" r:id="rId16"/>
+    <p:sldId id="272" r:id="rId17"/>
+    <p:sldId id="265" r:id="rId18"/>
+    <p:sldId id="283" r:id="rId19"/>
+    <p:sldId id="266" r:id="rId20"/>
+    <p:sldId id="267" r:id="rId21"/>
+    <p:sldId id="287" r:id="rId22"/>
+    <p:sldId id="285" r:id="rId23"/>
+    <p:sldId id="289" r:id="rId24"/>
+    <p:sldId id="276" r:id="rId25"/>
+    <p:sldId id="277" r:id="rId26"/>
+    <p:sldId id="278" r:id="rId27"/>
   </p:sldIdLst>
   <p:sldSz cx="12192000" cy="6858000"/>
   <p:notesSz cx="6858000" cy="9144000"/>
@@ -4033,61 +4036,55 @@
             <p:ph type="subTitle" idx="1"/>
           </p:nvPr>
         </p:nvSpPr>
-        <p:spPr>
-          <a:xfrm>
-            <a:off x="1916272" y="2454292"/>
-            <a:ext cx="9288096" cy="1435331"/>
-          </a:xfrm>
-        </p:spPr>
-        <p:txBody>
-          <a:bodyPr>
-            <a:normAutofit lnSpcReduction="10000"/>
-          </a:bodyPr>
+        <p:spPr/>
+        <p:txBody>
+          <a:bodyPr/>
           <a:lstStyle/>
           <a:p>
-            <a:r>
-              <a:rPr lang="en-US" sz="6000" b="1" dirty="0">
-                <a:solidFill>
-                  <a:srgbClr val="FF0000"/>
-                </a:solidFill>
-                <a:latin typeface="+mj-lt"/>
-                <a:ea typeface="+mj-ea"/>
-                <a:cs typeface="+mj-cs"/>
-              </a:rPr>
-              <a:t>Trending </a:t>
-            </a:r>
-            <a:r>
-              <a:rPr lang="en-US" sz="6000" b="1" dirty="0">
-                <a:latin typeface="+mj-lt"/>
-                <a:ea typeface="+mj-ea"/>
-                <a:cs typeface="+mj-cs"/>
-              </a:rPr>
-              <a:t>Topics</a:t>
-            </a:r>
-            <a:br>
-              <a:rPr kumimoji="0" lang="en-US" sz="5900" b="1" i="0" u="none" strike="noStrike" kern="1200" cap="all" spc="0" normalizeH="0" baseline="0" noProof="0" dirty="0">
-                <a:ln>
-                  <a:noFill/>
-                </a:ln>
-                <a:solidFill>
-                  <a:srgbClr val="FFFFFF"/>
-                </a:solidFill>
-                <a:effectLst/>
-                <a:uLnTx/>
-                <a:uFillTx/>
-                <a:latin typeface="Neue Haas Grotesk Text Pro"/>
-                <a:ea typeface="+mj-ea"/>
-                <a:cs typeface="+mj-cs"/>
-              </a:rPr>
-            </a:br>
             <a:endParaRPr lang="es-ES" dirty="0"/>
           </a:p>
         </p:txBody>
       </p:sp>
+      <p:pic>
+        <p:nvPicPr>
+          <p:cNvPr id="3" name="Picture 2" descr="A screenshot of a computer&#10;&#10;Description automatically generated">
+            <a:extLst>
+              <a:ext uri="{FF2B5EF4-FFF2-40B4-BE49-F238E27FC236}">
+                <a16:creationId xmlns:a16="http://schemas.microsoft.com/office/drawing/2014/main" id="{65D6DB37-24B6-0D78-5326-DADA0BC9C88A}"/>
+              </a:ext>
+            </a:extLst>
+          </p:cNvPr>
+          <p:cNvPicPr>
+            <a:picLocks noChangeAspect="1"/>
+          </p:cNvPicPr>
+          <p:nvPr/>
+        </p:nvPicPr>
+        <p:blipFill>
+          <a:blip r:embed="rId3">
+            <a:extLst>
+              <a:ext uri="{28A0092B-C50C-407E-A947-70E740481C1C}">
+                <a14:useLocalDpi xmlns:a14="http://schemas.microsoft.com/office/drawing/2010/main" val="0"/>
+              </a:ext>
+            </a:extLst>
+          </a:blip>
+          <a:stretch>
+            <a:fillRect/>
+          </a:stretch>
+        </p:blipFill>
+        <p:spPr>
+          <a:xfrm>
+            <a:off x="0" y="450668"/>
+            <a:ext cx="12192000" cy="5956663"/>
+          </a:xfrm>
+          <a:prstGeom prst="rect">
+            <a:avLst/>
+          </a:prstGeom>
+        </p:spPr>
+      </p:pic>
     </p:spTree>
     <p:extLst>
       <p:ext uri="{BB962C8B-B14F-4D97-AF65-F5344CB8AC3E}">
-        <p14:creationId xmlns:p14="http://schemas.microsoft.com/office/powerpoint/2010/main" val="230053590"/>
+        <p14:creationId xmlns:p14="http://schemas.microsoft.com/office/powerpoint/2010/main" val="2287828510"/>
       </p:ext>
     </p:extLst>
   </p:cSld>
@@ -4145,46 +4142,77 @@
           </a:prstGeom>
         </p:spPr>
       </p:pic>
-      <p:pic>
-        <p:nvPicPr>
-          <p:cNvPr id="9" name="Content Placeholder 4" descr="A graph of different colored lines&#10;&#10;Description automatically generated">
-            <a:extLst>
-              <a:ext uri="{FF2B5EF4-FFF2-40B4-BE49-F238E27FC236}">
-                <a16:creationId xmlns:a16="http://schemas.microsoft.com/office/drawing/2014/main" id="{B3913A07-50E5-974E-FC0D-30E44B3C07D7}"/>
-              </a:ext>
-            </a:extLst>
-          </p:cNvPr>
-          <p:cNvPicPr>
-            <a:picLocks noChangeAspect="1"/>
-          </p:cNvPicPr>
-          <p:nvPr/>
-        </p:nvPicPr>
-        <p:blipFill>
-          <a:blip r:embed="rId3">
-            <a:extLst>
-              <a:ext uri="{28A0092B-C50C-407E-A947-70E740481C1C}">
-                <a14:useLocalDpi xmlns:a14="http://schemas.microsoft.com/office/drawing/2010/main" val="0"/>
-              </a:ext>
-            </a:extLst>
-          </a:blip>
-          <a:stretch>
-            <a:fillRect/>
-          </a:stretch>
-        </p:blipFill>
-        <p:spPr>
-          <a:xfrm>
-            <a:off x="2730036" y="32910"/>
-            <a:ext cx="6731928" cy="6792180"/>
-          </a:xfrm>
-          <a:prstGeom prst="rect">
-            <a:avLst/>
-          </a:prstGeom>
-        </p:spPr>
-      </p:pic>
+      <p:sp>
+        <p:nvSpPr>
+          <p:cNvPr id="8" name="Subtitle 7">
+            <a:extLst>
+              <a:ext uri="{FF2B5EF4-FFF2-40B4-BE49-F238E27FC236}">
+                <a16:creationId xmlns:a16="http://schemas.microsoft.com/office/drawing/2014/main" id="{D30805F3-4F6A-67CA-187D-4C8F34B70B26}"/>
+              </a:ext>
+            </a:extLst>
+          </p:cNvPr>
+          <p:cNvSpPr>
+            <a:spLocks noGrp="1"/>
+          </p:cNvSpPr>
+          <p:nvPr>
+            <p:ph type="subTitle" idx="1"/>
+          </p:nvPr>
+        </p:nvSpPr>
+        <p:spPr>
+          <a:xfrm>
+            <a:off x="1916272" y="2454292"/>
+            <a:ext cx="9288096" cy="1435331"/>
+          </a:xfrm>
+        </p:spPr>
+        <p:txBody>
+          <a:bodyPr>
+            <a:normAutofit lnSpcReduction="10000"/>
+          </a:bodyPr>
+          <a:lstStyle/>
+          <a:p>
+            <a:r>
+              <a:rPr lang="en-US" sz="6000" b="1" dirty="0">
+                <a:solidFill>
+                  <a:srgbClr val="FF0000"/>
+                </a:solidFill>
+                <a:latin typeface="+mj-lt"/>
+                <a:ea typeface="+mj-ea"/>
+                <a:cs typeface="+mj-cs"/>
+              </a:rPr>
+              <a:t>Trending </a:t>
+            </a:r>
+            <a:r>
+              <a:rPr lang="en-US" sz="6000" b="1" dirty="0">
+                <a:latin typeface="+mj-lt"/>
+                <a:ea typeface="+mj-ea"/>
+                <a:cs typeface="+mj-cs"/>
+              </a:rPr>
+              <a:t>Topics</a:t>
+            </a:r>
+            <a:br>
+              <a:rPr kumimoji="0" lang="en-US" sz="5900" b="1" i="0" u="none" strike="noStrike" kern="1200" cap="all" spc="0" normalizeH="0" baseline="0" noProof="0" dirty="0">
+                <a:ln>
+                  <a:noFill/>
+                </a:ln>
+                <a:solidFill>
+                  <a:srgbClr val="FFFFFF"/>
+                </a:solidFill>
+                <a:effectLst/>
+                <a:uLnTx/>
+                <a:uFillTx/>
+                <a:latin typeface="Neue Haas Grotesk Text Pro"/>
+                <a:ea typeface="+mj-ea"/>
+                <a:cs typeface="+mj-cs"/>
+              </a:rPr>
+            </a:br>
+            <a:endParaRPr lang="es-ES" dirty="0"/>
+          </a:p>
+        </p:txBody>
+      </p:sp>
     </p:spTree>
     <p:extLst>
       <p:ext uri="{BB962C8B-B14F-4D97-AF65-F5344CB8AC3E}">
-        <p14:creationId xmlns:p14="http://schemas.microsoft.com/office/powerpoint/2010/main" val="1178017147"/>
+        <p14:creationId xmlns:p14="http://schemas.microsoft.com/office/powerpoint/2010/main" val="230053590"/>
       </p:ext>
     </p:extLst>
   </p:cSld>
@@ -4242,37 +4270,12 @@
           </a:prstGeom>
         </p:spPr>
       </p:pic>
-      <p:sp>
-        <p:nvSpPr>
-          <p:cNvPr id="8" name="Subtitle 7">
-            <a:extLst>
-              <a:ext uri="{FF2B5EF4-FFF2-40B4-BE49-F238E27FC236}">
-                <a16:creationId xmlns:a16="http://schemas.microsoft.com/office/drawing/2014/main" id="{D30805F3-4F6A-67CA-187D-4C8F34B70B26}"/>
-              </a:ext>
-            </a:extLst>
-          </p:cNvPr>
-          <p:cNvSpPr>
-            <a:spLocks noGrp="1"/>
-          </p:cNvSpPr>
-          <p:nvPr>
-            <p:ph type="subTitle" idx="1"/>
-          </p:nvPr>
-        </p:nvSpPr>
-        <p:spPr/>
-        <p:txBody>
-          <a:bodyPr/>
-          <a:lstStyle/>
-          <a:p>
-            <a:endParaRPr lang="es-ES" dirty="0"/>
-          </a:p>
-        </p:txBody>
-      </p:sp>
       <p:pic>
         <p:nvPicPr>
-          <p:cNvPr id="5" name="Picture 4" descr="A graph of lines with different colored lines&#10;&#10;Description automatically generated">
-            <a:extLst>
-              <a:ext uri="{FF2B5EF4-FFF2-40B4-BE49-F238E27FC236}">
-                <a16:creationId xmlns:a16="http://schemas.microsoft.com/office/drawing/2014/main" id="{B1DD2048-A2D9-07BF-028A-B6C5B07CE7EC}"/>
+          <p:cNvPr id="9" name="Content Placeholder 4" descr="A graph of different colored lines&#10;&#10;Description automatically generated">
+            <a:extLst>
+              <a:ext uri="{FF2B5EF4-FFF2-40B4-BE49-F238E27FC236}">
+                <a16:creationId xmlns:a16="http://schemas.microsoft.com/office/drawing/2014/main" id="{B3913A07-50E5-974E-FC0D-30E44B3C07D7}"/>
               </a:ext>
             </a:extLst>
           </p:cNvPr>
@@ -4295,8 +4298,8 @@
         </p:blipFill>
         <p:spPr>
           <a:xfrm>
-            <a:off x="2697418" y="0"/>
-            <a:ext cx="6797163" cy="6858000"/>
+            <a:off x="2730036" y="32910"/>
+            <a:ext cx="6731928" cy="6792180"/>
           </a:xfrm>
           <a:prstGeom prst="rect">
             <a:avLst/>
@@ -4306,7 +4309,7 @@
     </p:spTree>
     <p:extLst>
       <p:ext uri="{BB962C8B-B14F-4D97-AF65-F5344CB8AC3E}">
-        <p14:creationId xmlns:p14="http://schemas.microsoft.com/office/powerpoint/2010/main" val="538063729"/>
+        <p14:creationId xmlns:p14="http://schemas.microsoft.com/office/powerpoint/2010/main" val="1178017147"/>
       </p:ext>
     </p:extLst>
   </p:cSld>
@@ -4391,10 +4394,10 @@
       </p:sp>
       <p:pic>
         <p:nvPicPr>
-          <p:cNvPr id="3" name="Picture 2" descr="A graph of different colored lines&#10;&#10;Description automatically generated">
-            <a:extLst>
-              <a:ext uri="{FF2B5EF4-FFF2-40B4-BE49-F238E27FC236}">
-                <a16:creationId xmlns:a16="http://schemas.microsoft.com/office/drawing/2014/main" id="{41666A69-65AC-1396-A5EC-D6DC7D1D080B}"/>
+          <p:cNvPr id="5" name="Picture 4" descr="A graph of lines with different colored lines&#10;&#10;Description automatically generated">
+            <a:extLst>
+              <a:ext uri="{FF2B5EF4-FFF2-40B4-BE49-F238E27FC236}">
+                <a16:creationId xmlns:a16="http://schemas.microsoft.com/office/drawing/2014/main" id="{B1DD2048-A2D9-07BF-028A-B6C5B07CE7EC}"/>
               </a:ext>
             </a:extLst>
           </p:cNvPr>
@@ -4417,8 +4420,8 @@
         </p:blipFill>
         <p:spPr>
           <a:xfrm>
-            <a:off x="2661469" y="0"/>
-            <a:ext cx="6869062" cy="6858000"/>
+            <a:off x="2697418" y="0"/>
+            <a:ext cx="6797163" cy="6858000"/>
           </a:xfrm>
           <a:prstGeom prst="rect">
             <a:avLst/>
@@ -4428,7 +4431,7 @@
     </p:spTree>
     <p:extLst>
       <p:ext uri="{BB962C8B-B14F-4D97-AF65-F5344CB8AC3E}">
-        <p14:creationId xmlns:p14="http://schemas.microsoft.com/office/powerpoint/2010/main" val="4271077863"/>
+        <p14:creationId xmlns:p14="http://schemas.microsoft.com/office/powerpoint/2010/main" val="538063729"/>
       </p:ext>
     </p:extLst>
   </p:cSld>
@@ -4502,61 +4505,55 @@
             <p:ph type="subTitle" idx="1"/>
           </p:nvPr>
         </p:nvSpPr>
-        <p:spPr>
-          <a:xfrm>
-            <a:off x="1916272" y="2454292"/>
-            <a:ext cx="9288096" cy="1435331"/>
-          </a:xfrm>
-        </p:spPr>
-        <p:txBody>
-          <a:bodyPr>
-            <a:normAutofit lnSpcReduction="10000"/>
-          </a:bodyPr>
+        <p:spPr/>
+        <p:txBody>
+          <a:bodyPr/>
           <a:lstStyle/>
           <a:p>
-            <a:r>
-              <a:rPr lang="en-US" sz="6000" b="1" dirty="0">
-                <a:solidFill>
-                  <a:srgbClr val="FF0000"/>
-                </a:solidFill>
-                <a:latin typeface="+mj-lt"/>
-                <a:ea typeface="+mj-ea"/>
-                <a:cs typeface="+mj-cs"/>
-              </a:rPr>
-              <a:t>Earnings </a:t>
-            </a:r>
-            <a:r>
-              <a:rPr lang="en-US" sz="6000" b="1" dirty="0">
-                <a:latin typeface="+mj-lt"/>
-                <a:ea typeface="+mj-ea"/>
-                <a:cs typeface="+mj-cs"/>
-              </a:rPr>
-              <a:t>Analysis</a:t>
-            </a:r>
-            <a:br>
-              <a:rPr kumimoji="0" lang="en-US" sz="5900" b="1" i="0" u="none" strike="noStrike" kern="1200" cap="all" spc="0" normalizeH="0" baseline="0" noProof="0" dirty="0">
-                <a:ln>
-                  <a:noFill/>
-                </a:ln>
-                <a:solidFill>
-                  <a:srgbClr val="FFFFFF"/>
-                </a:solidFill>
-                <a:effectLst/>
-                <a:uLnTx/>
-                <a:uFillTx/>
-                <a:latin typeface="Neue Haas Grotesk Text Pro"/>
-                <a:ea typeface="+mj-ea"/>
-                <a:cs typeface="+mj-cs"/>
-              </a:rPr>
-            </a:br>
             <a:endParaRPr lang="es-ES" dirty="0"/>
           </a:p>
         </p:txBody>
       </p:sp>
+      <p:pic>
+        <p:nvPicPr>
+          <p:cNvPr id="3" name="Picture 2" descr="A graph of different colored lines&#10;&#10;Description automatically generated">
+            <a:extLst>
+              <a:ext uri="{FF2B5EF4-FFF2-40B4-BE49-F238E27FC236}">
+                <a16:creationId xmlns:a16="http://schemas.microsoft.com/office/drawing/2014/main" id="{41666A69-65AC-1396-A5EC-D6DC7D1D080B}"/>
+              </a:ext>
+            </a:extLst>
+          </p:cNvPr>
+          <p:cNvPicPr>
+            <a:picLocks noChangeAspect="1"/>
+          </p:cNvPicPr>
+          <p:nvPr/>
+        </p:nvPicPr>
+        <p:blipFill>
+          <a:blip r:embed="rId3">
+            <a:extLst>
+              <a:ext uri="{28A0092B-C50C-407E-A947-70E740481C1C}">
+                <a14:useLocalDpi xmlns:a14="http://schemas.microsoft.com/office/drawing/2010/main" val="0"/>
+              </a:ext>
+            </a:extLst>
+          </a:blip>
+          <a:stretch>
+            <a:fillRect/>
+          </a:stretch>
+        </p:blipFill>
+        <p:spPr>
+          <a:xfrm>
+            <a:off x="2661469" y="0"/>
+            <a:ext cx="6869062" cy="6858000"/>
+          </a:xfrm>
+          <a:prstGeom prst="rect">
+            <a:avLst/>
+          </a:prstGeom>
+        </p:spPr>
+      </p:pic>
     </p:spTree>
     <p:extLst>
       <p:ext uri="{BB962C8B-B14F-4D97-AF65-F5344CB8AC3E}">
-        <p14:creationId xmlns:p14="http://schemas.microsoft.com/office/powerpoint/2010/main" val="4267239286"/>
+        <p14:creationId xmlns:p14="http://schemas.microsoft.com/office/powerpoint/2010/main" val="4271077863"/>
       </p:ext>
     </p:extLst>
   </p:cSld>
@@ -4606,7 +4603,7 @@
         </p:blipFill>
         <p:spPr>
           <a:xfrm>
-            <a:off x="0" y="0"/>
+            <a:off x="1" y="1"/>
             <a:ext cx="12192000" cy="6858000"/>
           </a:xfrm>
           <a:prstGeom prst="rect">
@@ -4614,42 +4611,6 @@
           </a:prstGeom>
         </p:spPr>
       </p:pic>
-      <p:pic>
-        <p:nvPicPr>
-          <p:cNvPr id="3" name="Picture 2" descr="A screenshot of a computer screen&#10;&#10;Description automatically generated">
-            <a:extLst>
-              <a:ext uri="{FF2B5EF4-FFF2-40B4-BE49-F238E27FC236}">
-                <a16:creationId xmlns:a16="http://schemas.microsoft.com/office/drawing/2014/main" id="{06C61B83-89D2-3135-CF47-B457982CA544}"/>
-              </a:ext>
-            </a:extLst>
-          </p:cNvPr>
-          <p:cNvPicPr>
-            <a:picLocks noChangeAspect="1"/>
-          </p:cNvPicPr>
-          <p:nvPr/>
-        </p:nvPicPr>
-        <p:blipFill>
-          <a:blip r:embed="rId3">
-            <a:extLst>
-              <a:ext uri="{28A0092B-C50C-407E-A947-70E740481C1C}">
-                <a14:useLocalDpi xmlns:a14="http://schemas.microsoft.com/office/drawing/2010/main" val="0"/>
-              </a:ext>
-            </a:extLst>
-          </a:blip>
-          <a:stretch>
-            <a:fillRect/>
-          </a:stretch>
-        </p:blipFill>
-        <p:spPr>
-          <a:xfrm>
-            <a:off x="3838327" y="286579"/>
-            <a:ext cx="7235900" cy="6284841"/>
-          </a:xfrm>
-          <a:prstGeom prst="rect">
-            <a:avLst/>
-          </a:prstGeom>
-        </p:spPr>
-      </p:pic>
       <p:sp>
         <p:nvSpPr>
           <p:cNvPr id="8" name="Subtitle 7">
@@ -4668,52 +4629,59 @@
         </p:nvSpPr>
         <p:spPr>
           <a:xfrm>
-            <a:off x="892193" y="4848295"/>
-            <a:ext cx="3255264" cy="1435331"/>
+            <a:off x="1916272" y="2454292"/>
+            <a:ext cx="9288096" cy="1435331"/>
           </a:xfrm>
         </p:spPr>
         <p:txBody>
           <a:bodyPr>
-            <a:noAutofit/>
+            <a:normAutofit lnSpcReduction="10000"/>
           </a:bodyPr>
           <a:lstStyle/>
           <a:p>
             <a:r>
-              <a:rPr lang="es-419" sz="4000" b="1" dirty="0" err="1">
+              <a:rPr lang="en-US" sz="6000" b="1" dirty="0">
                 <a:solidFill>
                   <a:srgbClr val="FF0000"/>
                 </a:solidFill>
+                <a:latin typeface="+mj-lt"/>
+                <a:ea typeface="+mj-ea"/>
+                <a:cs typeface="+mj-cs"/>
               </a:rPr>
-              <a:t>Correlation</a:t>
-            </a:r>
-            <a:r>
-              <a:rPr lang="es-419" sz="4000" b="1" dirty="0">
-                <a:solidFill>
-                  <a:srgbClr val="FF0000"/>
-                </a:solidFill>
+              <a:t>Earnings </a:t>
+            </a:r>
+            <a:r>
+              <a:rPr lang="en-US" sz="6000" b="1" dirty="0">
+                <a:latin typeface="+mj-lt"/>
+                <a:ea typeface="+mj-ea"/>
+                <a:cs typeface="+mj-cs"/>
               </a:rPr>
-              <a:t> </a:t>
-            </a:r>
-            <a:r>
-              <a:rPr lang="es-419" sz="4000" b="1" dirty="0">
-                <a:solidFill>
-                  <a:schemeClr val="tx2"/>
-                </a:solidFill>
+              <a:t>Analysis</a:t>
+            </a:r>
+            <a:br>
+              <a:rPr kumimoji="0" lang="en-US" sz="5900" b="1" i="0" u="none" strike="noStrike" kern="1200" cap="all" spc="0" normalizeH="0" baseline="0" noProof="0" dirty="0">
+                <a:ln>
+                  <a:noFill/>
+                </a:ln>
+                <a:solidFill>
+                  <a:srgbClr val="FFFFFF"/>
+                </a:solidFill>
+                <a:effectLst/>
+                <a:uLnTx/>
+                <a:uFillTx/>
+                <a:latin typeface="Neue Haas Grotesk Text Pro"/>
+                <a:ea typeface="+mj-ea"/>
+                <a:cs typeface="+mj-cs"/>
               </a:rPr>
-              <a:t>Matrix</a:t>
-            </a:r>
-            <a:endParaRPr lang="es-ES" sz="4000" b="1" dirty="0">
-              <a:solidFill>
-                <a:schemeClr val="tx2"/>
-              </a:solidFill>
-            </a:endParaRPr>
+            </a:br>
+            <a:endParaRPr lang="es-ES" dirty="0"/>
           </a:p>
         </p:txBody>
       </p:sp>
     </p:spTree>
     <p:extLst>
       <p:ext uri="{BB962C8B-B14F-4D97-AF65-F5344CB8AC3E}">
-        <p14:creationId xmlns:p14="http://schemas.microsoft.com/office/powerpoint/2010/main" val="262054774"/>
+        <p14:creationId xmlns:p14="http://schemas.microsoft.com/office/powerpoint/2010/main" val="4267239286"/>
       </p:ext>
     </p:extLst>
   </p:cSld>
@@ -4763,7 +4731,7 @@
         </p:blipFill>
         <p:spPr>
           <a:xfrm>
-            <a:off x="1" y="1"/>
+            <a:off x="0" y="0"/>
             <a:ext cx="12192000" cy="6858000"/>
           </a:xfrm>
           <a:prstGeom prst="rect">
@@ -4771,37 +4739,12 @@
           </a:prstGeom>
         </p:spPr>
       </p:pic>
-      <p:sp>
-        <p:nvSpPr>
-          <p:cNvPr id="8" name="Subtitle 7">
-            <a:extLst>
-              <a:ext uri="{FF2B5EF4-FFF2-40B4-BE49-F238E27FC236}">
-                <a16:creationId xmlns:a16="http://schemas.microsoft.com/office/drawing/2014/main" id="{D30805F3-4F6A-67CA-187D-4C8F34B70B26}"/>
-              </a:ext>
-            </a:extLst>
-          </p:cNvPr>
-          <p:cNvSpPr>
-            <a:spLocks noGrp="1"/>
-          </p:cNvSpPr>
-          <p:nvPr>
-            <p:ph type="subTitle" idx="1"/>
-          </p:nvPr>
-        </p:nvSpPr>
-        <p:spPr/>
-        <p:txBody>
-          <a:bodyPr/>
-          <a:lstStyle/>
-          <a:p>
-            <a:endParaRPr lang="es-ES" dirty="0"/>
-          </a:p>
-        </p:txBody>
-      </p:sp>
       <p:pic>
         <p:nvPicPr>
-          <p:cNvPr id="3" name="Picture 2" descr="A graph with numbers and a bar&#10;&#10;Description automatically generated with medium confidence">
-            <a:extLst>
-              <a:ext uri="{FF2B5EF4-FFF2-40B4-BE49-F238E27FC236}">
-                <a16:creationId xmlns:a16="http://schemas.microsoft.com/office/drawing/2014/main" id="{4BEE9E72-2889-58F8-C036-34FE48F8946A}"/>
+          <p:cNvPr id="3" name="Picture 2" descr="A screenshot of a computer screen&#10;&#10;Description automatically generated">
+            <a:extLst>
+              <a:ext uri="{FF2B5EF4-FFF2-40B4-BE49-F238E27FC236}">
+                <a16:creationId xmlns:a16="http://schemas.microsoft.com/office/drawing/2014/main" id="{06C61B83-89D2-3135-CF47-B457982CA544}"/>
               </a:ext>
             </a:extLst>
           </p:cNvPr>
@@ -4824,18 +4767,78 @@
         </p:blipFill>
         <p:spPr>
           <a:xfrm>
-            <a:off x="2614042" y="0"/>
-            <a:ext cx="6963915" cy="6858000"/>
+            <a:off x="3838327" y="286579"/>
+            <a:ext cx="7235900" cy="6284841"/>
           </a:xfrm>
           <a:prstGeom prst="rect">
             <a:avLst/>
           </a:prstGeom>
         </p:spPr>
       </p:pic>
+      <p:sp>
+        <p:nvSpPr>
+          <p:cNvPr id="8" name="Subtitle 7">
+            <a:extLst>
+              <a:ext uri="{FF2B5EF4-FFF2-40B4-BE49-F238E27FC236}">
+                <a16:creationId xmlns:a16="http://schemas.microsoft.com/office/drawing/2014/main" id="{D30805F3-4F6A-67CA-187D-4C8F34B70B26}"/>
+              </a:ext>
+            </a:extLst>
+          </p:cNvPr>
+          <p:cNvSpPr>
+            <a:spLocks noGrp="1"/>
+          </p:cNvSpPr>
+          <p:nvPr>
+            <p:ph type="subTitle" idx="1"/>
+          </p:nvPr>
+        </p:nvSpPr>
+        <p:spPr>
+          <a:xfrm>
+            <a:off x="892193" y="4848295"/>
+            <a:ext cx="3255264" cy="1435331"/>
+          </a:xfrm>
+        </p:spPr>
+        <p:txBody>
+          <a:bodyPr>
+            <a:noAutofit/>
+          </a:bodyPr>
+          <a:lstStyle/>
+          <a:p>
+            <a:r>
+              <a:rPr lang="es-419" sz="4000" b="1" dirty="0" err="1">
+                <a:solidFill>
+                  <a:srgbClr val="FF0000"/>
+                </a:solidFill>
+              </a:rPr>
+              <a:t>Correlation</a:t>
+            </a:r>
+            <a:r>
+              <a:rPr lang="es-419" sz="4000" b="1" dirty="0">
+                <a:solidFill>
+                  <a:srgbClr val="FF0000"/>
+                </a:solidFill>
+              </a:rPr>
+              <a:t> </a:t>
+            </a:r>
+            <a:r>
+              <a:rPr lang="es-419" sz="4000" b="1" dirty="0">
+                <a:solidFill>
+                  <a:schemeClr val="tx2"/>
+                </a:solidFill>
+              </a:rPr>
+              <a:t>Matrix</a:t>
+            </a:r>
+            <a:endParaRPr lang="es-ES" sz="4000" b="1" dirty="0">
+              <a:solidFill>
+                <a:schemeClr val="tx2"/>
+              </a:solidFill>
+            </a:endParaRPr>
+          </a:p>
+        </p:txBody>
+      </p:sp>
     </p:spTree>
     <p:extLst>
       <p:ext uri="{BB962C8B-B14F-4D97-AF65-F5344CB8AC3E}">
-        <p14:creationId xmlns:p14="http://schemas.microsoft.com/office/powerpoint/2010/main" val="1483040392"/>
+        <p14:creationId xmlns:p14="http://schemas.microsoft.com/office/powerpoint/2010/main" val="262054774"/>
       </p:ext>
     </p:extLst>
   </p:cSld>
@@ -4920,10 +4923,10 @@
       </p:sp>
       <p:pic>
         <p:nvPicPr>
-          <p:cNvPr id="5" name="Picture 4" descr="A graph on a white background&#10;&#10;Description automatically generated">
-            <a:extLst>
-              <a:ext uri="{FF2B5EF4-FFF2-40B4-BE49-F238E27FC236}">
-                <a16:creationId xmlns:a16="http://schemas.microsoft.com/office/drawing/2014/main" id="{CC557173-1CF4-8AA3-0C95-4F05E54176B7}"/>
+          <p:cNvPr id="3" name="Picture 2" descr="A graph with numbers and a bar&#10;&#10;Description automatically generated with medium confidence">
+            <a:extLst>
+              <a:ext uri="{FF2B5EF4-FFF2-40B4-BE49-F238E27FC236}">
+                <a16:creationId xmlns:a16="http://schemas.microsoft.com/office/drawing/2014/main" id="{4BEE9E72-2889-58F8-C036-34FE48F8946A}"/>
               </a:ext>
             </a:extLst>
           </p:cNvPr>
@@ -4957,7 +4960,7 @@
     </p:spTree>
     <p:extLst>
       <p:ext uri="{BB962C8B-B14F-4D97-AF65-F5344CB8AC3E}">
-        <p14:creationId xmlns:p14="http://schemas.microsoft.com/office/powerpoint/2010/main" val="4189917898"/>
+        <p14:creationId xmlns:p14="http://schemas.microsoft.com/office/powerpoint/2010/main" val="1483040392"/>
       </p:ext>
     </p:extLst>
   </p:cSld>
@@ -5042,10 +5045,10 @@
       </p:sp>
       <p:pic>
         <p:nvPicPr>
-          <p:cNvPr id="3" name="Picture 2" descr="A screen shot of a graph&#10;&#10;Description automatically generated">
-            <a:extLst>
-              <a:ext uri="{FF2B5EF4-FFF2-40B4-BE49-F238E27FC236}">
-                <a16:creationId xmlns:a16="http://schemas.microsoft.com/office/drawing/2014/main" id="{B6DE65DC-3EF2-D8CA-572B-1550BD1DB0CA}"/>
+          <p:cNvPr id="5" name="Picture 4" descr="A graph on a white background&#10;&#10;Description automatically generated">
+            <a:extLst>
+              <a:ext uri="{FF2B5EF4-FFF2-40B4-BE49-F238E27FC236}">
+                <a16:creationId xmlns:a16="http://schemas.microsoft.com/office/drawing/2014/main" id="{CC557173-1CF4-8AA3-0C95-4F05E54176B7}"/>
               </a:ext>
             </a:extLst>
           </p:cNvPr>
@@ -5079,7 +5082,7 @@
     </p:spTree>
     <p:extLst>
       <p:ext uri="{BB962C8B-B14F-4D97-AF65-F5344CB8AC3E}">
-        <p14:creationId xmlns:p14="http://schemas.microsoft.com/office/powerpoint/2010/main" val="1703510270"/>
+        <p14:creationId xmlns:p14="http://schemas.microsoft.com/office/powerpoint/2010/main" val="4189917898"/>
       </p:ext>
     </p:extLst>
   </p:cSld>
@@ -5164,10 +5167,10 @@
       </p:sp>
       <p:pic>
         <p:nvPicPr>
-          <p:cNvPr id="3" name="Picture 2" descr="A graph of a graph">
-            <a:extLst>
-              <a:ext uri="{FF2B5EF4-FFF2-40B4-BE49-F238E27FC236}">
-                <a16:creationId xmlns:a16="http://schemas.microsoft.com/office/drawing/2014/main" id="{8D433AE5-EF89-B876-C540-656AE6A6D0C8}"/>
+          <p:cNvPr id="3" name="Picture 2" descr="A screen shot of a graph&#10;&#10;Description automatically generated">
+            <a:extLst>
+              <a:ext uri="{FF2B5EF4-FFF2-40B4-BE49-F238E27FC236}">
+                <a16:creationId xmlns:a16="http://schemas.microsoft.com/office/drawing/2014/main" id="{B6DE65DC-3EF2-D8CA-572B-1550BD1DB0CA}"/>
               </a:ext>
             </a:extLst>
           </p:cNvPr>
@@ -5201,7 +5204,7 @@
     </p:spTree>
     <p:extLst>
       <p:ext uri="{BB962C8B-B14F-4D97-AF65-F5344CB8AC3E}">
-        <p14:creationId xmlns:p14="http://schemas.microsoft.com/office/powerpoint/2010/main" val="3891045408"/>
+        <p14:creationId xmlns:p14="http://schemas.microsoft.com/office/powerpoint/2010/main" val="1703510270"/>
       </p:ext>
     </p:extLst>
   </p:cSld>
@@ -5214,14 +5217,6 @@
 <file path=ppt/slides/slide2.xml><?xml version="1.0" encoding="utf-8"?>
 <p:sld xmlns:a="http://schemas.openxmlformats.org/drawingml/2006/main" xmlns:r="http://schemas.openxmlformats.org/officeDocument/2006/relationships" xmlns:p="http://schemas.openxmlformats.org/presentationml/2006/main">
   <p:cSld>
-    <p:bg>
-      <p:bgPr>
-        <a:solidFill>
-          <a:schemeClr val="bg1"/>
-        </a:solidFill>
-        <a:effectLst/>
-      </p:bgPr>
-    </p:bg>
     <p:spTree>
       <p:nvGrpSpPr>
         <p:cNvPr id="1" name=""/>
@@ -5236,690 +5231,57 @@
           <a:chExt cx="0" cy="0"/>
         </a:xfrm>
       </p:grpSpPr>
-      <p:cxnSp>
-        <p:nvCxnSpPr>
-          <p:cNvPr id="25" name="Straight Connector 24">
-            <a:extLst>
-              <a:ext uri="{FF2B5EF4-FFF2-40B4-BE49-F238E27FC236}">
-                <a16:creationId xmlns:a16="http://schemas.microsoft.com/office/drawing/2014/main" id="{D8689CE0-64D2-447C-9C1F-872D111D8AC3}"/>
-              </a:ext>
-              <a:ext uri="{C183D7F6-B498-43B3-948B-1728B52AA6E4}">
-                <adec:decorative xmlns:adec="http://schemas.microsoft.com/office/drawing/2017/decorative" val="1"/>
-              </a:ext>
-            </a:extLst>
-          </p:cNvPr>
-          <p:cNvCxnSpPr>
-            <a:cxnSpLocks noGrp="1" noRot="1" noChangeAspect="1" noMove="1" noResize="1" noEditPoints="1" noAdjustHandles="1" noChangeArrowheads="1" noChangeShapeType="1"/>
-          </p:cNvCxnSpPr>
-          <p:nvPr>
-            <p:extLst>
-              <p:ext uri="{386F3935-93C4-4BCD-93E2-E3B085C9AB24}">
-                <p16:designElem xmlns:p16="http://schemas.microsoft.com/office/powerpoint/2015/main" val="1"/>
-              </p:ext>
-            </p:extLst>
-          </p:nvPr>
-        </p:nvCxnSpPr>
-        <p:spPr>
-          <a:xfrm>
-            <a:off x="0" y="1185205"/>
-            <a:ext cx="804195" cy="0"/>
-          </a:xfrm>
-          <a:prstGeom prst="line">
-            <a:avLst/>
-          </a:prstGeom>
-          <a:ln w="85725">
-            <a:solidFill>
-              <a:schemeClr val="tx1"/>
-            </a:solidFill>
-          </a:ln>
-        </p:spPr>
-        <p:style>
-          <a:lnRef idx="1">
-            <a:schemeClr val="accent1"/>
-          </a:lnRef>
-          <a:fillRef idx="0">
-            <a:schemeClr val="accent1"/>
-          </a:fillRef>
-          <a:effectRef idx="0">
-            <a:schemeClr val="accent1"/>
-          </a:effectRef>
-          <a:fontRef idx="minor">
-            <a:schemeClr val="tx1"/>
-          </a:fontRef>
-        </p:style>
-      </p:cxnSp>
-      <p:sp useBgFill="1">
-        <p:nvSpPr>
-          <p:cNvPr id="26" name="Rectangle 25">
-            <a:extLst>
-              <a:ext uri="{FF2B5EF4-FFF2-40B4-BE49-F238E27FC236}">
-                <a16:creationId xmlns:a16="http://schemas.microsoft.com/office/drawing/2014/main" id="{A3B168A7-66FE-4359-9866-CBB841A729E6}"/>
-              </a:ext>
-              <a:ext uri="{C183D7F6-B498-43B3-948B-1728B52AA6E4}">
-                <adec:decorative xmlns:adec="http://schemas.microsoft.com/office/drawing/2017/decorative" val="1"/>
-              </a:ext>
-            </a:extLst>
-          </p:cNvPr>
-          <p:cNvSpPr>
-            <a:spLocks noGrp="1" noRot="1" noChangeAspect="1" noMove="1" noResize="1" noEditPoints="1" noAdjustHandles="1" noChangeArrowheads="1" noChangeShapeType="1" noTextEdit="1"/>
-          </p:cNvSpPr>
-          <p:nvPr>
-            <p:extLst>
-              <p:ext uri="{386F3935-93C4-4BCD-93E2-E3B085C9AB24}">
-                <p16:designElem xmlns:p16="http://schemas.microsoft.com/office/powerpoint/2015/main" val="1"/>
-              </p:ext>
-            </p:extLst>
-          </p:nvPr>
-        </p:nvSpPr>
-        <p:spPr>
-          <a:xfrm>
-            <a:off x="0" y="0"/>
-            <a:ext cx="12192000" cy="6858000"/>
+      <p:pic>
+        <p:nvPicPr>
+          <p:cNvPr id="2052" name="Picture 4" descr="YouTube Channel » OmniGeekEmpire">
+            <a:extLst>
+              <a:ext uri="{FF2B5EF4-FFF2-40B4-BE49-F238E27FC236}">
+                <a16:creationId xmlns:a16="http://schemas.microsoft.com/office/drawing/2014/main" id="{675FB04A-9ABB-47F4-A520-2DDD37EF8582}"/>
+              </a:ext>
+            </a:extLst>
+          </p:cNvPr>
+          <p:cNvPicPr>
+            <a:picLocks noChangeAspect="1" noChangeArrowheads="1"/>
+          </p:cNvPicPr>
+          <p:nvPr/>
+        </p:nvPicPr>
+        <p:blipFill>
+          <a:blip r:embed="rId2">
+            <a:extLst>
+              <a:ext uri="{28A0092B-C50C-407E-A947-70E740481C1C}">
+                <a14:useLocalDpi xmlns:a14="http://schemas.microsoft.com/office/drawing/2010/main" val="0"/>
+              </a:ext>
+            </a:extLst>
+          </a:blip>
+          <a:srcRect/>
+          <a:stretch>
+            <a:fillRect/>
+          </a:stretch>
+        </p:blipFill>
+        <p:spPr bwMode="auto">
+          <a:xfrm>
+            <a:off x="0" y="6350"/>
+            <a:ext cx="12192000" cy="6843713"/>
           </a:xfrm>
           <a:prstGeom prst="rect">
             <a:avLst/>
           </a:prstGeom>
-          <a:ln w="12700" cap="flat" cmpd="sng" algn="ctr">
-            <a:noFill/>
-            <a:prstDash val="solid"/>
-            <a:miter lim="800000"/>
-          </a:ln>
-          <a:effectLst/>
+          <a:noFill/>
           <a:extLst>
-            <a:ext uri="{91240B29-F687-4F45-9708-019B960494DF}">
-              <a14:hiddenLine xmlns:a14="http://schemas.microsoft.com/office/drawing/2010/main" w="12700" cap="flat" cmpd="sng" algn="ctr">
-                <a:solidFill>
-                  <a:schemeClr val="accent1">
-                    <a:shade val="50000"/>
-                  </a:schemeClr>
-                </a:solidFill>
-                <a:prstDash val="solid"/>
-                <a:miter lim="800000"/>
-              </a14:hiddenLine>
+            <a:ext uri="{909E8E84-426E-40DD-AFC4-6F175D3DCCD1}">
+              <a14:hiddenFill xmlns:a14="http://schemas.microsoft.com/office/drawing/2010/main">
+                <a:solidFill>
+                  <a:srgbClr val="FFFFFF"/>
+                </a:solidFill>
+              </a14:hiddenFill>
             </a:ext>
           </a:extLst>
         </p:spPr>
-        <p:style>
-          <a:lnRef idx="2">
-            <a:schemeClr val="accent1">
-              <a:shade val="50000"/>
-            </a:schemeClr>
-          </a:lnRef>
-          <a:fillRef idx="1">
-            <a:schemeClr val="accent1"/>
-          </a:fillRef>
-          <a:effectRef idx="0">
-            <a:schemeClr val="accent1"/>
-          </a:effectRef>
-          <a:fontRef idx="minor">
-            <a:schemeClr val="lt1"/>
-          </a:fontRef>
-        </p:style>
-        <p:txBody>
-          <a:bodyPr rtlCol="0" anchor="ctr"/>
-          <a:lstStyle/>
-          <a:p>
-            <a:pPr algn="ctr"/>
-            <a:endParaRPr lang="en-US"/>
-          </a:p>
-        </p:txBody>
-      </p:sp>
-      <p:sp>
-        <p:nvSpPr>
-          <p:cNvPr id="2" name="Subtitle 7">
-            <a:extLst>
-              <a:ext uri="{FF2B5EF4-FFF2-40B4-BE49-F238E27FC236}">
-                <a16:creationId xmlns:a16="http://schemas.microsoft.com/office/drawing/2014/main" id="{A1CC9801-B8B7-48E0-178F-E64681752E5A}"/>
-              </a:ext>
-            </a:extLst>
-          </p:cNvPr>
-          <p:cNvSpPr txBox="1">
-            <a:spLocks/>
-          </p:cNvSpPr>
-          <p:nvPr/>
-        </p:nvSpPr>
-        <p:spPr>
-          <a:xfrm>
-            <a:off x="1091204" y="819524"/>
-            <a:ext cx="4895528" cy="983398"/>
-          </a:xfrm>
-          <a:prstGeom prst="rect">
-            <a:avLst/>
-          </a:prstGeom>
-        </p:spPr>
-        <p:txBody>
-          <a:bodyPr vert="horz" lIns="91440" tIns="45720" rIns="91440" bIns="45720" rtlCol="0" anchor="t">
-            <a:normAutofit/>
-          </a:bodyPr>
-          <a:lstStyle>
-            <a:lvl1pPr marL="0" indent="0" algn="l" defTabSz="914400" rtl="0" eaLnBrk="1" latinLnBrk="0" hangingPunct="1">
-              <a:lnSpc>
-                <a:spcPct val="120000"/>
-              </a:lnSpc>
-              <a:spcBef>
-                <a:spcPts val="1000"/>
-              </a:spcBef>
-              <a:buFont typeface="Neue Haas Grotesk Text Pro" panose="020B0504020202020204" pitchFamily="34" charset="0"/>
-              <a:buNone/>
-              <a:defRPr sz="2000" kern="1200">
-                <a:solidFill>
-                  <a:schemeClr val="tx1"/>
-                </a:solidFill>
-                <a:latin typeface="+mn-lt"/>
-                <a:ea typeface="+mn-ea"/>
-                <a:cs typeface="+mn-cs"/>
-              </a:defRPr>
-            </a:lvl1pPr>
-            <a:lvl2pPr marL="457200" indent="0" algn="ctr" defTabSz="914400" rtl="0" eaLnBrk="1" latinLnBrk="0" hangingPunct="1">
-              <a:lnSpc>
-                <a:spcPct val="130000"/>
-              </a:lnSpc>
-              <a:spcBef>
-                <a:spcPts val="500"/>
-              </a:spcBef>
-              <a:buFont typeface="Neue Haas Grotesk Text Pro" panose="020B0504020202020204" pitchFamily="34" charset="0"/>
-              <a:buNone/>
-              <a:defRPr sz="2000" kern="1200">
-                <a:solidFill>
-                  <a:schemeClr val="tx1"/>
-                </a:solidFill>
-                <a:latin typeface="+mn-lt"/>
-                <a:ea typeface="+mn-ea"/>
-                <a:cs typeface="+mn-cs"/>
-              </a:defRPr>
-            </a:lvl2pPr>
-            <a:lvl3pPr marL="914400" indent="0" algn="ctr" defTabSz="914400" rtl="0" eaLnBrk="1" latinLnBrk="0" hangingPunct="1">
-              <a:lnSpc>
-                <a:spcPct val="130000"/>
-              </a:lnSpc>
-              <a:spcBef>
-                <a:spcPts val="500"/>
-              </a:spcBef>
-              <a:buFont typeface="Neue Haas Grotesk Text Pro" panose="020B0504020202020204" pitchFamily="34" charset="0"/>
-              <a:buNone/>
-              <a:defRPr sz="1800" kern="1200">
-                <a:solidFill>
-                  <a:schemeClr val="tx1"/>
-                </a:solidFill>
-                <a:latin typeface="+mn-lt"/>
-                <a:ea typeface="+mn-ea"/>
-                <a:cs typeface="+mn-cs"/>
-              </a:defRPr>
-            </a:lvl3pPr>
-            <a:lvl4pPr marL="1371600" indent="0" algn="ctr" defTabSz="914400" rtl="0" eaLnBrk="1" latinLnBrk="0" hangingPunct="1">
-              <a:lnSpc>
-                <a:spcPct val="130000"/>
-              </a:lnSpc>
-              <a:spcBef>
-                <a:spcPts val="500"/>
-              </a:spcBef>
-              <a:buFont typeface="Neue Haas Grotesk Text Pro" panose="020B0504020202020204" pitchFamily="34" charset="0"/>
-              <a:buNone/>
-              <a:defRPr sz="1600" kern="1200">
-                <a:solidFill>
-                  <a:schemeClr val="tx1"/>
-                </a:solidFill>
-                <a:latin typeface="+mn-lt"/>
-                <a:ea typeface="+mn-ea"/>
-                <a:cs typeface="+mn-cs"/>
-              </a:defRPr>
-            </a:lvl4pPr>
-            <a:lvl5pPr marL="1828800" indent="0" algn="ctr" defTabSz="914400" rtl="0" eaLnBrk="1" latinLnBrk="0" hangingPunct="1">
-              <a:lnSpc>
-                <a:spcPct val="130000"/>
-              </a:lnSpc>
-              <a:spcBef>
-                <a:spcPts val="500"/>
-              </a:spcBef>
-              <a:buFont typeface="Neue Haas Grotesk Text Pro" panose="020B0504020202020204" pitchFamily="34" charset="0"/>
-              <a:buNone/>
-              <a:defRPr sz="1600" kern="1200">
-                <a:solidFill>
-                  <a:schemeClr val="tx1"/>
-                </a:solidFill>
-                <a:latin typeface="+mn-lt"/>
-                <a:ea typeface="+mn-ea"/>
-                <a:cs typeface="+mn-cs"/>
-              </a:defRPr>
-            </a:lvl5pPr>
-            <a:lvl6pPr marL="2286000" indent="0" algn="ctr" defTabSz="914400" rtl="0" eaLnBrk="1" latinLnBrk="0" hangingPunct="1">
-              <a:lnSpc>
-                <a:spcPct val="90000"/>
-              </a:lnSpc>
-              <a:spcBef>
-                <a:spcPts val="500"/>
-              </a:spcBef>
-              <a:buFont typeface="Arial" panose="020B0604020202020204" pitchFamily="34" charset="0"/>
-              <a:buNone/>
-              <a:defRPr sz="1600" kern="1200">
-                <a:solidFill>
-                  <a:schemeClr val="tx1"/>
-                </a:solidFill>
-                <a:latin typeface="+mn-lt"/>
-                <a:ea typeface="+mn-ea"/>
-                <a:cs typeface="+mn-cs"/>
-              </a:defRPr>
-            </a:lvl6pPr>
-            <a:lvl7pPr marL="2743200" indent="0" algn="ctr" defTabSz="914400" rtl="0" eaLnBrk="1" latinLnBrk="0" hangingPunct="1">
-              <a:lnSpc>
-                <a:spcPct val="90000"/>
-              </a:lnSpc>
-              <a:spcBef>
-                <a:spcPts val="500"/>
-              </a:spcBef>
-              <a:buFont typeface="Arial" panose="020B0604020202020204" pitchFamily="34" charset="0"/>
-              <a:buNone/>
-              <a:defRPr sz="1600" kern="1200">
-                <a:solidFill>
-                  <a:schemeClr val="tx1"/>
-                </a:solidFill>
-                <a:latin typeface="+mn-lt"/>
-                <a:ea typeface="+mn-ea"/>
-                <a:cs typeface="+mn-cs"/>
-              </a:defRPr>
-            </a:lvl7pPr>
-            <a:lvl8pPr marL="3200400" indent="0" algn="ctr" defTabSz="914400" rtl="0" eaLnBrk="1" latinLnBrk="0" hangingPunct="1">
-              <a:lnSpc>
-                <a:spcPct val="90000"/>
-              </a:lnSpc>
-              <a:spcBef>
-                <a:spcPts val="500"/>
-              </a:spcBef>
-              <a:buFont typeface="Arial" panose="020B0604020202020204" pitchFamily="34" charset="0"/>
-              <a:buNone/>
-              <a:defRPr sz="1600" kern="1200">
-                <a:solidFill>
-                  <a:schemeClr val="tx1"/>
-                </a:solidFill>
-                <a:latin typeface="+mn-lt"/>
-                <a:ea typeface="+mn-ea"/>
-                <a:cs typeface="+mn-cs"/>
-              </a:defRPr>
-            </a:lvl8pPr>
-            <a:lvl9pPr marL="3657600" indent="0" algn="ctr" defTabSz="914400" rtl="0" eaLnBrk="1" latinLnBrk="0" hangingPunct="1">
-              <a:lnSpc>
-                <a:spcPct val="90000"/>
-              </a:lnSpc>
-              <a:spcBef>
-                <a:spcPts val="500"/>
-              </a:spcBef>
-              <a:buFont typeface="Arial" panose="020B0604020202020204" pitchFamily="34" charset="0"/>
-              <a:buNone/>
-              <a:defRPr sz="1600" kern="1200">
-                <a:solidFill>
-                  <a:schemeClr val="tx1"/>
-                </a:solidFill>
-                <a:latin typeface="+mn-lt"/>
-                <a:ea typeface="+mn-ea"/>
-                <a:cs typeface="+mn-cs"/>
-              </a:defRPr>
-            </a:lvl9pPr>
-          </a:lstStyle>
-          <a:p>
-            <a:pPr>
-              <a:lnSpc>
-                <a:spcPct val="85000"/>
-              </a:lnSpc>
-              <a:spcBef>
-                <a:spcPct val="0"/>
-              </a:spcBef>
-              <a:spcAft>
-                <a:spcPts val="600"/>
-              </a:spcAft>
-            </a:pPr>
-            <a:r>
-              <a:rPr lang="en-US" sz="5400" b="1" dirty="0">
-                <a:latin typeface="+mj-lt"/>
-                <a:ea typeface="+mj-ea"/>
-                <a:cs typeface="+mj-cs"/>
-              </a:rPr>
-              <a:t>Agenda</a:t>
-            </a:r>
-            <a:endParaRPr lang="en-US" sz="5400" b="1" kern="1200" cap="none" baseline="0" dirty="0">
-              <a:solidFill>
-                <a:schemeClr val="tx1"/>
-              </a:solidFill>
-              <a:latin typeface="+mj-lt"/>
-              <a:ea typeface="+mj-ea"/>
-              <a:cs typeface="+mj-cs"/>
-            </a:endParaRPr>
-          </a:p>
-        </p:txBody>
-      </p:sp>
-      <p:cxnSp>
-        <p:nvCxnSpPr>
-          <p:cNvPr id="27" name="Straight Connector 26">
-            <a:extLst>
-              <a:ext uri="{FF2B5EF4-FFF2-40B4-BE49-F238E27FC236}">
-                <a16:creationId xmlns:a16="http://schemas.microsoft.com/office/drawing/2014/main" id="{F0748755-DDBC-46D0-91EC-1212A8EE2B40}"/>
-              </a:ext>
-              <a:ext uri="{C183D7F6-B498-43B3-948B-1728B52AA6E4}">
-                <adec:decorative xmlns:adec="http://schemas.microsoft.com/office/drawing/2017/decorative" val="1"/>
-              </a:ext>
-            </a:extLst>
-          </p:cNvPr>
-          <p:cNvCxnSpPr>
-            <a:cxnSpLocks noGrp="1" noRot="1" noChangeAspect="1" noMove="1" noResize="1" noEditPoints="1" noAdjustHandles="1" noChangeArrowheads="1" noChangeShapeType="1"/>
-          </p:cNvCxnSpPr>
-          <p:nvPr>
-            <p:extLst>
-              <p:ext uri="{386F3935-93C4-4BCD-93E2-E3B085C9AB24}">
-                <p16:designElem xmlns:p16="http://schemas.microsoft.com/office/powerpoint/2015/main" val="1"/>
-              </p:ext>
-            </p:extLst>
-          </p:nvPr>
-        </p:nvCxnSpPr>
-        <p:spPr>
-          <a:xfrm>
-            <a:off x="0" y="1186344"/>
-            <a:ext cx="804195" cy="0"/>
-          </a:xfrm>
-          <a:prstGeom prst="line">
-            <a:avLst/>
-          </a:prstGeom>
-          <a:ln w="85725">
-            <a:solidFill>
-              <a:schemeClr val="tx1"/>
-            </a:solidFill>
-          </a:ln>
-        </p:spPr>
-        <p:style>
-          <a:lnRef idx="1">
-            <a:schemeClr val="accent1"/>
-          </a:lnRef>
-          <a:fillRef idx="0">
-            <a:schemeClr val="accent1"/>
-          </a:fillRef>
-          <a:effectRef idx="0">
-            <a:schemeClr val="accent1"/>
-          </a:effectRef>
-          <a:fontRef idx="minor">
-            <a:schemeClr val="tx1"/>
-          </a:fontRef>
-        </p:style>
-      </p:cxnSp>
-      <p:pic>
-        <p:nvPicPr>
-          <p:cNvPr id="4" name="Picture 3" descr="Triangular abstract background">
-            <a:extLst>
-              <a:ext uri="{FF2B5EF4-FFF2-40B4-BE49-F238E27FC236}">
-                <a16:creationId xmlns:a16="http://schemas.microsoft.com/office/drawing/2014/main" id="{1025C8CE-B8EC-9FDA-3C04-7414F8AFB6DA}"/>
-              </a:ext>
-            </a:extLst>
-          </p:cNvPr>
-          <p:cNvPicPr>
-            <a:picLocks noChangeAspect="1"/>
-          </p:cNvPicPr>
-          <p:nvPr/>
-        </p:nvPicPr>
-        <p:blipFill rotWithShape="1">
-          <a:blip r:embed="rId2"/>
-          <a:srcRect l="12095" r="23008" b="-1"/>
-          <a:stretch/>
-        </p:blipFill>
-        <p:spPr>
-          <a:xfrm>
-            <a:off x="5524499" y="10"/>
-            <a:ext cx="6667501" cy="6857990"/>
-          </a:xfrm>
-          <a:prstGeom prst="rect">
-            <a:avLst/>
-          </a:prstGeom>
-        </p:spPr>
       </p:pic>
-      <p:sp>
-        <p:nvSpPr>
-          <p:cNvPr id="8" name="Subtitle 7">
-            <a:extLst>
-              <a:ext uri="{FF2B5EF4-FFF2-40B4-BE49-F238E27FC236}">
-                <a16:creationId xmlns:a16="http://schemas.microsoft.com/office/drawing/2014/main" id="{D30805F3-4F6A-67CA-187D-4C8F34B70B26}"/>
-              </a:ext>
-            </a:extLst>
-          </p:cNvPr>
-          <p:cNvSpPr>
-            <a:spLocks noGrp="1"/>
-          </p:cNvSpPr>
-          <p:nvPr>
-            <p:ph type="subTitle" idx="1"/>
-          </p:nvPr>
-        </p:nvSpPr>
-        <p:spPr>
-          <a:xfrm>
-            <a:off x="804195" y="1915065"/>
-            <a:ext cx="9883933" cy="4408095"/>
-          </a:xfrm>
-        </p:spPr>
-        <p:txBody>
-          <a:bodyPr vert="horz" lIns="91440" tIns="45720" rIns="91440" bIns="45720" rtlCol="0">
-            <a:normAutofit fontScale="25000" lnSpcReduction="20000"/>
-          </a:bodyPr>
-          <a:lstStyle/>
-          <a:p>
-            <a:pPr marL="685800" indent="-685800">
-              <a:buFont typeface="Wingdings" panose="05000000000000000000" pitchFamily="2" charset="2"/>
-              <a:buChar char="q"/>
-            </a:pPr>
-            <a:r>
-              <a:rPr lang="en-US" sz="6400" b="1" dirty="0">
-                <a:solidFill>
-                  <a:srgbClr val="FF0000"/>
-                </a:solidFill>
-                <a:latin typeface="+mj-lt"/>
-                <a:ea typeface="+mj-ea"/>
-                <a:cs typeface="+mj-cs"/>
-              </a:rPr>
-              <a:t>Geospatial Visualization</a:t>
-            </a:r>
-            <a:r>
-              <a:rPr lang="en-US" sz="6400" b="1" dirty="0">
-                <a:latin typeface="+mj-lt"/>
-                <a:ea typeface="+mj-ea"/>
-                <a:cs typeface="+mj-cs"/>
-              </a:rPr>
-              <a:t>: How looks the distribution of successful YouTube channels on a world map like and which geographical trends can be observed?</a:t>
-            </a:r>
-            <a:endParaRPr lang="en-US" sz="6400" b="1" dirty="0">
-              <a:solidFill>
-                <a:srgbClr val="FF0000"/>
-              </a:solidFill>
-              <a:latin typeface="+mj-lt"/>
-              <a:ea typeface="+mj-ea"/>
-              <a:cs typeface="+mj-cs"/>
-            </a:endParaRPr>
-          </a:p>
-          <a:p>
-            <a:pPr marL="685800" indent="-685800">
-              <a:buFont typeface="Wingdings" panose="05000000000000000000" pitchFamily="2" charset="2"/>
-              <a:buChar char="q"/>
-            </a:pPr>
-            <a:r>
-              <a:rPr lang="en-US" sz="6400" b="1" dirty="0">
-                <a:solidFill>
-                  <a:srgbClr val="FF0000"/>
-                </a:solidFill>
-                <a:latin typeface="+mj-lt"/>
-                <a:ea typeface="+mj-ea"/>
-                <a:cs typeface="+mj-cs"/>
-              </a:rPr>
-              <a:t>Content Strategy</a:t>
-            </a:r>
-            <a:r>
-              <a:rPr lang="en-US" sz="6400" b="1" dirty="0">
-                <a:latin typeface="+mj-lt"/>
-                <a:ea typeface="+mj-ea"/>
-                <a:cs typeface="+mj-cs"/>
-              </a:rPr>
-              <a:t>: Which are in 2022 the most popular categories and upload frequencies that resonate with audiences?</a:t>
-            </a:r>
-          </a:p>
-          <a:p>
-            <a:pPr marL="685800" indent="-685800">
-              <a:buFont typeface="Wingdings" panose="05000000000000000000" pitchFamily="2" charset="2"/>
-              <a:buChar char="q"/>
-            </a:pPr>
-            <a:r>
-              <a:rPr lang="en-US" sz="6400" b="1" dirty="0">
-                <a:solidFill>
-                  <a:srgbClr val="FF0000"/>
-                </a:solidFill>
-                <a:latin typeface="+mj-lt"/>
-                <a:ea typeface="+mj-ea"/>
-                <a:cs typeface="+mj-cs"/>
-              </a:rPr>
-              <a:t>Trending Topics</a:t>
-            </a:r>
-            <a:r>
-              <a:rPr lang="en-US" sz="6400" b="1" dirty="0">
-                <a:latin typeface="+mj-lt"/>
-                <a:ea typeface="+mj-ea"/>
-                <a:cs typeface="+mj-cs"/>
-              </a:rPr>
-              <a:t>: how certain categories gain popularity over time and correlate with world events?</a:t>
-            </a:r>
-          </a:p>
-          <a:p>
-            <a:pPr marL="685800" indent="-685800">
-              <a:buFont typeface="Wingdings" panose="05000000000000000000" pitchFamily="2" charset="2"/>
-              <a:buChar char="q"/>
-            </a:pPr>
-            <a:r>
-              <a:rPr lang="en-US" sz="6400" b="1" dirty="0">
-                <a:solidFill>
-                  <a:srgbClr val="FF0000"/>
-                </a:solidFill>
-                <a:latin typeface="+mj-lt"/>
-                <a:ea typeface="+mj-ea"/>
-                <a:cs typeface="+mj-cs"/>
-              </a:rPr>
-              <a:t>Regional Influencers</a:t>
-            </a:r>
-            <a:r>
-              <a:rPr lang="en-US" sz="6400" b="1" dirty="0">
-                <a:latin typeface="+mj-lt"/>
-                <a:ea typeface="+mj-ea"/>
-                <a:cs typeface="+mj-cs"/>
-              </a:rPr>
-              <a:t>: Who are the influential YouTube creators from different countries, and which is their impact on a global scale?</a:t>
-            </a:r>
-          </a:p>
-          <a:p>
-            <a:pPr marL="685800" indent="-685800">
-              <a:buFont typeface="Wingdings" panose="05000000000000000000" pitchFamily="2" charset="2"/>
-              <a:buChar char="q"/>
-            </a:pPr>
-            <a:r>
-              <a:rPr lang="en-US" sz="6400" b="1" dirty="0">
-                <a:solidFill>
-                  <a:srgbClr val="FF0000"/>
-                </a:solidFill>
-                <a:latin typeface="+mj-lt"/>
-                <a:ea typeface="+mj-ea"/>
-                <a:cs typeface="+mj-cs"/>
-              </a:rPr>
-              <a:t>YouTube Analytics</a:t>
-            </a:r>
-            <a:r>
-              <a:rPr lang="en-US" sz="6400" b="1" dirty="0">
-                <a:latin typeface="+mj-lt"/>
-                <a:ea typeface="+mj-ea"/>
-                <a:cs typeface="+mj-cs"/>
-              </a:rPr>
-              <a:t>: Which are the success factors of top YouTube channels and what sets them apart from the rest?</a:t>
-            </a:r>
-          </a:p>
-          <a:p>
-            <a:pPr marL="685800" indent="-685800">
-              <a:buFont typeface="Wingdings" panose="05000000000000000000" pitchFamily="2" charset="2"/>
-              <a:buChar char="q"/>
-            </a:pPr>
-            <a:r>
-              <a:rPr lang="en-US" sz="6400" b="1" dirty="0">
-                <a:solidFill>
-                  <a:srgbClr val="FF0000"/>
-                </a:solidFill>
-                <a:latin typeface="+mj-lt"/>
-                <a:ea typeface="+mj-ea"/>
-                <a:cs typeface="+mj-cs"/>
-              </a:rPr>
-              <a:t>Earnings Analysis</a:t>
-            </a:r>
-            <a:r>
-              <a:rPr lang="en-US" sz="6400" b="1" dirty="0">
-                <a:latin typeface="+mj-lt"/>
-                <a:ea typeface="+mj-ea"/>
-                <a:cs typeface="+mj-cs"/>
-              </a:rPr>
-              <a:t>: How does the correlation between channel performance and estimated earnings looks like?</a:t>
-            </a:r>
-          </a:p>
-          <a:p>
-            <a:pPr marL="685800" indent="-685800">
-              <a:buFont typeface="Wingdings" panose="05000000000000000000" pitchFamily="2" charset="2"/>
-              <a:buChar char="q"/>
-            </a:pPr>
-            <a:r>
-              <a:rPr lang="en-US" sz="6400" b="1" dirty="0">
-                <a:solidFill>
-                  <a:srgbClr val="FF0000"/>
-                </a:solidFill>
-                <a:latin typeface="+mj-lt"/>
-                <a:ea typeface="+mj-ea"/>
-                <a:cs typeface="+mj-cs"/>
-              </a:rPr>
-              <a:t>Modeling</a:t>
-            </a:r>
-            <a:r>
-              <a:rPr lang="en-US" sz="6400" b="1" dirty="0">
-                <a:latin typeface="+mj-lt"/>
-                <a:ea typeface="+mj-ea"/>
-                <a:cs typeface="+mj-cs"/>
-              </a:rPr>
-              <a:t>: Future subscribers. </a:t>
-            </a:r>
-          </a:p>
-          <a:p>
-            <a:pPr indent="-228600">
-              <a:buFont typeface="Neue Haas Grotesk Text Pro" panose="020B0504020202020204" pitchFamily="34" charset="0"/>
-              <a:buChar char="-"/>
-            </a:pPr>
-            <a:br>
-              <a:rPr lang="en-US" sz="500" b="0" dirty="0">
-                <a:effectLst/>
-              </a:rPr>
-            </a:br>
-            <a:endParaRPr lang="en-US" sz="500" b="0" dirty="0">
-              <a:effectLst/>
-            </a:endParaRPr>
-          </a:p>
-          <a:p>
-            <a:pPr indent="-228600">
-              <a:buFont typeface="Neue Haas Grotesk Text Pro" panose="020B0504020202020204" pitchFamily="34" charset="0"/>
-              <a:buChar char="-"/>
-            </a:pPr>
-            <a:endParaRPr lang="en-US" sz="500" b="0" dirty="0">
-              <a:effectLst/>
-            </a:endParaRPr>
-          </a:p>
-          <a:p>
-            <a:pPr indent="-228600">
-              <a:buFont typeface="Neue Haas Grotesk Text Pro" panose="020B0504020202020204" pitchFamily="34" charset="0"/>
-              <a:buChar char="-"/>
-            </a:pPr>
-            <a:br>
-              <a:rPr lang="en-US" sz="500" b="0" dirty="0">
-                <a:effectLst/>
-              </a:rPr>
-            </a:br>
-            <a:endParaRPr lang="en-US" sz="500" b="0" dirty="0">
-              <a:effectLst/>
-            </a:endParaRPr>
-          </a:p>
-        </p:txBody>
-      </p:sp>
     </p:spTree>
     <p:extLst>
       <p:ext uri="{BB962C8B-B14F-4D97-AF65-F5344CB8AC3E}">
-        <p14:creationId xmlns:p14="http://schemas.microsoft.com/office/powerpoint/2010/main" val="2103522531"/>
+        <p14:creationId xmlns:p14="http://schemas.microsoft.com/office/powerpoint/2010/main" val="2556107944"/>
       </p:ext>
     </p:extLst>
   </p:cSld>
@@ -5993,296 +5355,55 @@
             <p:ph type="subTitle" idx="1"/>
           </p:nvPr>
         </p:nvSpPr>
-        <p:spPr>
-          <a:xfrm>
-            <a:off x="1736658" y="625492"/>
-            <a:ext cx="9288096" cy="1435331"/>
-          </a:xfrm>
-        </p:spPr>
-        <p:txBody>
-          <a:bodyPr>
-            <a:normAutofit lnSpcReduction="10000"/>
-          </a:bodyPr>
+        <p:spPr/>
+        <p:txBody>
+          <a:bodyPr/>
           <a:lstStyle/>
           <a:p>
-            <a:r>
-              <a:rPr lang="en-US" sz="6000" b="1" dirty="0">
-                <a:solidFill>
-                  <a:srgbClr val="FF0000"/>
-                </a:solidFill>
-                <a:latin typeface="+mj-lt"/>
-                <a:ea typeface="+mj-ea"/>
-                <a:cs typeface="+mj-cs"/>
-              </a:rPr>
-              <a:t>Models</a:t>
-            </a:r>
-            <a:br>
-              <a:rPr kumimoji="0" lang="en-US" sz="5900" b="1" i="0" u="none" strike="noStrike" kern="1200" cap="all" spc="0" normalizeH="0" baseline="0" noProof="0" dirty="0">
-                <a:ln>
-                  <a:noFill/>
-                </a:ln>
-                <a:solidFill>
-                  <a:srgbClr val="FFFFFF"/>
-                </a:solidFill>
-                <a:effectLst/>
-                <a:uLnTx/>
-                <a:uFillTx/>
-                <a:latin typeface="Neue Haas Grotesk Text Pro"/>
-                <a:ea typeface="+mj-ea"/>
-                <a:cs typeface="+mj-cs"/>
-              </a:rPr>
-            </a:br>
             <a:endParaRPr lang="es-ES" dirty="0"/>
           </a:p>
         </p:txBody>
       </p:sp>
-      <p:sp>
-        <p:nvSpPr>
-          <p:cNvPr id="2" name="Subtitle 7">
-            <a:extLst>
-              <a:ext uri="{FF2B5EF4-FFF2-40B4-BE49-F238E27FC236}">
-                <a16:creationId xmlns:a16="http://schemas.microsoft.com/office/drawing/2014/main" id="{2A709FF0-461B-BC18-568C-6BFD637B0B96}"/>
-              </a:ext>
-            </a:extLst>
-          </p:cNvPr>
-          <p:cNvSpPr txBox="1">
-            <a:spLocks/>
-          </p:cNvSpPr>
+      <p:pic>
+        <p:nvPicPr>
+          <p:cNvPr id="3" name="Picture 2" descr="A graph of a graph">
+            <a:extLst>
+              <a:ext uri="{FF2B5EF4-FFF2-40B4-BE49-F238E27FC236}">
+                <a16:creationId xmlns:a16="http://schemas.microsoft.com/office/drawing/2014/main" id="{8D433AE5-EF89-B876-C540-656AE6A6D0C8}"/>
+              </a:ext>
+            </a:extLst>
+          </p:cNvPr>
+          <p:cNvPicPr>
+            <a:picLocks noChangeAspect="1"/>
+          </p:cNvPicPr>
           <p:nvPr/>
-        </p:nvSpPr>
-        <p:spPr>
-          <a:xfrm>
-            <a:off x="1736658" y="2060823"/>
-            <a:ext cx="9288096" cy="4013406"/>
+        </p:nvPicPr>
+        <p:blipFill>
+          <a:blip r:embed="rId3">
+            <a:extLst>
+              <a:ext uri="{28A0092B-C50C-407E-A947-70E740481C1C}">
+                <a14:useLocalDpi xmlns:a14="http://schemas.microsoft.com/office/drawing/2010/main" val="0"/>
+              </a:ext>
+            </a:extLst>
+          </a:blip>
+          <a:stretch>
+            <a:fillRect/>
+          </a:stretch>
+        </p:blipFill>
+        <p:spPr>
+          <a:xfrm>
+            <a:off x="2614042" y="0"/>
+            <a:ext cx="6963915" cy="6858000"/>
           </a:xfrm>
           <a:prstGeom prst="rect">
             <a:avLst/>
           </a:prstGeom>
         </p:spPr>
-        <p:txBody>
-          <a:bodyPr vert="horz" lIns="91440" tIns="45720" rIns="91440" bIns="45720" rtlCol="0">
-            <a:normAutofit/>
-          </a:bodyPr>
-          <a:lstStyle>
-            <a:lvl1pPr marL="0" indent="0" algn="l" defTabSz="914400" rtl="0" eaLnBrk="1" latinLnBrk="0" hangingPunct="1">
-              <a:lnSpc>
-                <a:spcPct val="120000"/>
-              </a:lnSpc>
-              <a:spcBef>
-                <a:spcPts val="1000"/>
-              </a:spcBef>
-              <a:buFont typeface="Neue Haas Grotesk Text Pro" panose="020B0504020202020204" pitchFamily="34" charset="0"/>
-              <a:buNone/>
-              <a:defRPr sz="2000" kern="1200">
-                <a:solidFill>
-                  <a:schemeClr val="tx1"/>
-                </a:solidFill>
-                <a:latin typeface="+mn-lt"/>
-                <a:ea typeface="+mn-ea"/>
-                <a:cs typeface="+mn-cs"/>
-              </a:defRPr>
-            </a:lvl1pPr>
-            <a:lvl2pPr marL="457200" indent="0" algn="ctr" defTabSz="914400" rtl="0" eaLnBrk="1" latinLnBrk="0" hangingPunct="1">
-              <a:lnSpc>
-                <a:spcPct val="130000"/>
-              </a:lnSpc>
-              <a:spcBef>
-                <a:spcPts val="500"/>
-              </a:spcBef>
-              <a:buFont typeface="Neue Haas Grotesk Text Pro" panose="020B0504020202020204" pitchFamily="34" charset="0"/>
-              <a:buNone/>
-              <a:defRPr sz="2000" kern="1200">
-                <a:solidFill>
-                  <a:schemeClr val="tx1"/>
-                </a:solidFill>
-                <a:latin typeface="+mn-lt"/>
-                <a:ea typeface="+mn-ea"/>
-                <a:cs typeface="+mn-cs"/>
-              </a:defRPr>
-            </a:lvl2pPr>
-            <a:lvl3pPr marL="914400" indent="0" algn="ctr" defTabSz="914400" rtl="0" eaLnBrk="1" latinLnBrk="0" hangingPunct="1">
-              <a:lnSpc>
-                <a:spcPct val="130000"/>
-              </a:lnSpc>
-              <a:spcBef>
-                <a:spcPts val="500"/>
-              </a:spcBef>
-              <a:buFont typeface="Neue Haas Grotesk Text Pro" panose="020B0504020202020204" pitchFamily="34" charset="0"/>
-              <a:buNone/>
-              <a:defRPr sz="1800" kern="1200">
-                <a:solidFill>
-                  <a:schemeClr val="tx1"/>
-                </a:solidFill>
-                <a:latin typeface="+mn-lt"/>
-                <a:ea typeface="+mn-ea"/>
-                <a:cs typeface="+mn-cs"/>
-              </a:defRPr>
-            </a:lvl3pPr>
-            <a:lvl4pPr marL="1371600" indent="0" algn="ctr" defTabSz="914400" rtl="0" eaLnBrk="1" latinLnBrk="0" hangingPunct="1">
-              <a:lnSpc>
-                <a:spcPct val="130000"/>
-              </a:lnSpc>
-              <a:spcBef>
-                <a:spcPts val="500"/>
-              </a:spcBef>
-              <a:buFont typeface="Neue Haas Grotesk Text Pro" panose="020B0504020202020204" pitchFamily="34" charset="0"/>
-              <a:buNone/>
-              <a:defRPr sz="1600" kern="1200">
-                <a:solidFill>
-                  <a:schemeClr val="tx1"/>
-                </a:solidFill>
-                <a:latin typeface="+mn-lt"/>
-                <a:ea typeface="+mn-ea"/>
-                <a:cs typeface="+mn-cs"/>
-              </a:defRPr>
-            </a:lvl4pPr>
-            <a:lvl5pPr marL="1828800" indent="0" algn="ctr" defTabSz="914400" rtl="0" eaLnBrk="1" latinLnBrk="0" hangingPunct="1">
-              <a:lnSpc>
-                <a:spcPct val="130000"/>
-              </a:lnSpc>
-              <a:spcBef>
-                <a:spcPts val="500"/>
-              </a:spcBef>
-              <a:buFont typeface="Neue Haas Grotesk Text Pro" panose="020B0504020202020204" pitchFamily="34" charset="0"/>
-              <a:buNone/>
-              <a:defRPr sz="1600" kern="1200">
-                <a:solidFill>
-                  <a:schemeClr val="tx1"/>
-                </a:solidFill>
-                <a:latin typeface="+mn-lt"/>
-                <a:ea typeface="+mn-ea"/>
-                <a:cs typeface="+mn-cs"/>
-              </a:defRPr>
-            </a:lvl5pPr>
-            <a:lvl6pPr marL="2286000" indent="0" algn="ctr" defTabSz="914400" rtl="0" eaLnBrk="1" latinLnBrk="0" hangingPunct="1">
-              <a:lnSpc>
-                <a:spcPct val="90000"/>
-              </a:lnSpc>
-              <a:spcBef>
-                <a:spcPts val="500"/>
-              </a:spcBef>
-              <a:buFont typeface="Arial" panose="020B0604020202020204" pitchFamily="34" charset="0"/>
-              <a:buNone/>
-              <a:defRPr sz="1600" kern="1200">
-                <a:solidFill>
-                  <a:schemeClr val="tx1"/>
-                </a:solidFill>
-                <a:latin typeface="+mn-lt"/>
-                <a:ea typeface="+mn-ea"/>
-                <a:cs typeface="+mn-cs"/>
-              </a:defRPr>
-            </a:lvl6pPr>
-            <a:lvl7pPr marL="2743200" indent="0" algn="ctr" defTabSz="914400" rtl="0" eaLnBrk="1" latinLnBrk="0" hangingPunct="1">
-              <a:lnSpc>
-                <a:spcPct val="90000"/>
-              </a:lnSpc>
-              <a:spcBef>
-                <a:spcPts val="500"/>
-              </a:spcBef>
-              <a:buFont typeface="Arial" panose="020B0604020202020204" pitchFamily="34" charset="0"/>
-              <a:buNone/>
-              <a:defRPr sz="1600" kern="1200">
-                <a:solidFill>
-                  <a:schemeClr val="tx1"/>
-                </a:solidFill>
-                <a:latin typeface="+mn-lt"/>
-                <a:ea typeface="+mn-ea"/>
-                <a:cs typeface="+mn-cs"/>
-              </a:defRPr>
-            </a:lvl7pPr>
-            <a:lvl8pPr marL="3200400" indent="0" algn="ctr" defTabSz="914400" rtl="0" eaLnBrk="1" latinLnBrk="0" hangingPunct="1">
-              <a:lnSpc>
-                <a:spcPct val="90000"/>
-              </a:lnSpc>
-              <a:spcBef>
-                <a:spcPts val="500"/>
-              </a:spcBef>
-              <a:buFont typeface="Arial" panose="020B0604020202020204" pitchFamily="34" charset="0"/>
-              <a:buNone/>
-              <a:defRPr sz="1600" kern="1200">
-                <a:solidFill>
-                  <a:schemeClr val="tx1"/>
-                </a:solidFill>
-                <a:latin typeface="+mn-lt"/>
-                <a:ea typeface="+mn-ea"/>
-                <a:cs typeface="+mn-cs"/>
-              </a:defRPr>
-            </a:lvl8pPr>
-            <a:lvl9pPr marL="3657600" indent="0" algn="ctr" defTabSz="914400" rtl="0" eaLnBrk="1" latinLnBrk="0" hangingPunct="1">
-              <a:lnSpc>
-                <a:spcPct val="90000"/>
-              </a:lnSpc>
-              <a:spcBef>
-                <a:spcPts val="500"/>
-              </a:spcBef>
-              <a:buFont typeface="Arial" panose="020B0604020202020204" pitchFamily="34" charset="0"/>
-              <a:buNone/>
-              <a:defRPr sz="1600" kern="1200">
-                <a:solidFill>
-                  <a:schemeClr val="tx1"/>
-                </a:solidFill>
-                <a:latin typeface="+mn-lt"/>
-                <a:ea typeface="+mn-ea"/>
-                <a:cs typeface="+mn-cs"/>
-              </a:defRPr>
-            </a:lvl9pPr>
-          </a:lstStyle>
-          <a:p>
-            <a:r>
-              <a:rPr lang="en-US" sz="6000" b="1" dirty="0">
-                <a:solidFill>
-                  <a:srgbClr val="FF0000"/>
-                </a:solidFill>
-                <a:latin typeface="+mj-lt"/>
-                <a:ea typeface="+mj-ea"/>
-                <a:cs typeface="+mj-cs"/>
-              </a:rPr>
-              <a:t>Linear model </a:t>
-            </a:r>
-          </a:p>
-          <a:p>
-            <a:r>
-              <a:rPr lang="en-US" sz="6000" b="1" dirty="0">
-                <a:solidFill>
-                  <a:srgbClr val="FF0000"/>
-                </a:solidFill>
-                <a:latin typeface="+mj-lt"/>
-                <a:ea typeface="+mj-ea"/>
-                <a:cs typeface="+mj-cs"/>
-              </a:rPr>
-              <a:t>Decision Tree</a:t>
-            </a:r>
-          </a:p>
-          <a:p>
-            <a:r>
-              <a:rPr lang="en-US" sz="6000" b="1" dirty="0">
-                <a:solidFill>
-                  <a:srgbClr val="FF0000"/>
-                </a:solidFill>
-                <a:latin typeface="+mj-lt"/>
-                <a:ea typeface="+mj-ea"/>
-                <a:cs typeface="+mj-cs"/>
-              </a:rPr>
-              <a:t>Random Forest</a:t>
-            </a:r>
-            <a:br>
-              <a:rPr lang="en-US" sz="5900" b="1" dirty="0">
-                <a:solidFill>
-                  <a:srgbClr val="FFFFFF"/>
-                </a:solidFill>
-                <a:latin typeface="Neue Haas Grotesk Text Pro"/>
-                <a:ea typeface="+mj-ea"/>
-                <a:cs typeface="+mj-cs"/>
-              </a:rPr>
-            </a:br>
-            <a:endParaRPr lang="es-ES" dirty="0"/>
-          </a:p>
-        </p:txBody>
-      </p:sp>
+      </p:pic>
     </p:spTree>
     <p:extLst>
       <p:ext uri="{BB962C8B-B14F-4D97-AF65-F5344CB8AC3E}">
-        <p14:creationId xmlns:p14="http://schemas.microsoft.com/office/powerpoint/2010/main" val="315397729"/>
+        <p14:creationId xmlns:p14="http://schemas.microsoft.com/office/powerpoint/2010/main" val="3891045408"/>
       </p:ext>
     </p:extLst>
   </p:cSld>
@@ -6356,27 +5477,271 @@
             <p:ph type="subTitle" idx="1"/>
           </p:nvPr>
         </p:nvSpPr>
-        <p:spPr/>
+        <p:spPr>
+          <a:xfrm>
+            <a:off x="1736658" y="625492"/>
+            <a:ext cx="9288096" cy="1435331"/>
+          </a:xfrm>
+        </p:spPr>
         <p:txBody>
           <a:bodyPr>
+            <a:normAutofit lnSpcReduction="10000"/>
+          </a:bodyPr>
+          <a:lstStyle/>
+          <a:p>
+            <a:r>
+              <a:rPr lang="en-US" sz="6000" b="1" dirty="0">
+                <a:solidFill>
+                  <a:srgbClr val="FF0000"/>
+                </a:solidFill>
+                <a:latin typeface="+mj-lt"/>
+                <a:ea typeface="+mj-ea"/>
+                <a:cs typeface="+mj-cs"/>
+              </a:rPr>
+              <a:t>Models</a:t>
+            </a:r>
+            <a:br>
+              <a:rPr kumimoji="0" lang="en-US" sz="5900" b="1" i="0" u="none" strike="noStrike" kern="1200" cap="all" spc="0" normalizeH="0" baseline="0" noProof="0" dirty="0">
+                <a:ln>
+                  <a:noFill/>
+                </a:ln>
+                <a:solidFill>
+                  <a:srgbClr val="FFFFFF"/>
+                </a:solidFill>
+                <a:effectLst/>
+                <a:uLnTx/>
+                <a:uFillTx/>
+                <a:latin typeface="Neue Haas Grotesk Text Pro"/>
+                <a:ea typeface="+mj-ea"/>
+                <a:cs typeface="+mj-cs"/>
+              </a:rPr>
+            </a:br>
+            <a:endParaRPr lang="es-ES" dirty="0"/>
+          </a:p>
+        </p:txBody>
+      </p:sp>
+      <p:sp>
+        <p:nvSpPr>
+          <p:cNvPr id="2" name="Subtitle 7">
+            <a:extLst>
+              <a:ext uri="{FF2B5EF4-FFF2-40B4-BE49-F238E27FC236}">
+                <a16:creationId xmlns:a16="http://schemas.microsoft.com/office/drawing/2014/main" id="{2A709FF0-461B-BC18-568C-6BFD637B0B96}"/>
+              </a:ext>
+            </a:extLst>
+          </p:cNvPr>
+          <p:cNvSpPr txBox="1">
+            <a:spLocks/>
+          </p:cNvSpPr>
+          <p:nvPr/>
+        </p:nvSpPr>
+        <p:spPr>
+          <a:xfrm>
+            <a:off x="1736658" y="2060823"/>
+            <a:ext cx="9288096" cy="4013406"/>
+          </a:xfrm>
+          <a:prstGeom prst="rect">
+            <a:avLst/>
+          </a:prstGeom>
+        </p:spPr>
+        <p:txBody>
+          <a:bodyPr vert="horz" lIns="91440" tIns="45720" rIns="91440" bIns="45720" rtlCol="0">
             <a:normAutofit/>
           </a:bodyPr>
-          <a:lstStyle/>
-          <a:p>
-            <a:r>
-              <a:rPr lang="es-419" sz="6600" dirty="0" err="1"/>
-              <a:t>Conclusions</a:t>
-            </a:r>
-            <a:endParaRPr lang="es-ES" sz="6600" dirty="0"/>
+          <a:lstStyle>
+            <a:lvl1pPr marL="0" indent="0" algn="l" defTabSz="914400" rtl="0" eaLnBrk="1" latinLnBrk="0" hangingPunct="1">
+              <a:lnSpc>
+                <a:spcPct val="120000"/>
+              </a:lnSpc>
+              <a:spcBef>
+                <a:spcPts val="1000"/>
+              </a:spcBef>
+              <a:buFont typeface="Neue Haas Grotesk Text Pro" panose="020B0504020202020204" pitchFamily="34" charset="0"/>
+              <a:buNone/>
+              <a:defRPr sz="2000" kern="1200">
+                <a:solidFill>
+                  <a:schemeClr val="tx1"/>
+                </a:solidFill>
+                <a:latin typeface="+mn-lt"/>
+                <a:ea typeface="+mn-ea"/>
+                <a:cs typeface="+mn-cs"/>
+              </a:defRPr>
+            </a:lvl1pPr>
+            <a:lvl2pPr marL="457200" indent="0" algn="ctr" defTabSz="914400" rtl="0" eaLnBrk="1" latinLnBrk="0" hangingPunct="1">
+              <a:lnSpc>
+                <a:spcPct val="130000"/>
+              </a:lnSpc>
+              <a:spcBef>
+                <a:spcPts val="500"/>
+              </a:spcBef>
+              <a:buFont typeface="Neue Haas Grotesk Text Pro" panose="020B0504020202020204" pitchFamily="34" charset="0"/>
+              <a:buNone/>
+              <a:defRPr sz="2000" kern="1200">
+                <a:solidFill>
+                  <a:schemeClr val="tx1"/>
+                </a:solidFill>
+                <a:latin typeface="+mn-lt"/>
+                <a:ea typeface="+mn-ea"/>
+                <a:cs typeface="+mn-cs"/>
+              </a:defRPr>
+            </a:lvl2pPr>
+            <a:lvl3pPr marL="914400" indent="0" algn="ctr" defTabSz="914400" rtl="0" eaLnBrk="1" latinLnBrk="0" hangingPunct="1">
+              <a:lnSpc>
+                <a:spcPct val="130000"/>
+              </a:lnSpc>
+              <a:spcBef>
+                <a:spcPts val="500"/>
+              </a:spcBef>
+              <a:buFont typeface="Neue Haas Grotesk Text Pro" panose="020B0504020202020204" pitchFamily="34" charset="0"/>
+              <a:buNone/>
+              <a:defRPr sz="1800" kern="1200">
+                <a:solidFill>
+                  <a:schemeClr val="tx1"/>
+                </a:solidFill>
+                <a:latin typeface="+mn-lt"/>
+                <a:ea typeface="+mn-ea"/>
+                <a:cs typeface="+mn-cs"/>
+              </a:defRPr>
+            </a:lvl3pPr>
+            <a:lvl4pPr marL="1371600" indent="0" algn="ctr" defTabSz="914400" rtl="0" eaLnBrk="1" latinLnBrk="0" hangingPunct="1">
+              <a:lnSpc>
+                <a:spcPct val="130000"/>
+              </a:lnSpc>
+              <a:spcBef>
+                <a:spcPts val="500"/>
+              </a:spcBef>
+              <a:buFont typeface="Neue Haas Grotesk Text Pro" panose="020B0504020202020204" pitchFamily="34" charset="0"/>
+              <a:buNone/>
+              <a:defRPr sz="1600" kern="1200">
+                <a:solidFill>
+                  <a:schemeClr val="tx1"/>
+                </a:solidFill>
+                <a:latin typeface="+mn-lt"/>
+                <a:ea typeface="+mn-ea"/>
+                <a:cs typeface="+mn-cs"/>
+              </a:defRPr>
+            </a:lvl4pPr>
+            <a:lvl5pPr marL="1828800" indent="0" algn="ctr" defTabSz="914400" rtl="0" eaLnBrk="1" latinLnBrk="0" hangingPunct="1">
+              <a:lnSpc>
+                <a:spcPct val="130000"/>
+              </a:lnSpc>
+              <a:spcBef>
+                <a:spcPts val="500"/>
+              </a:spcBef>
+              <a:buFont typeface="Neue Haas Grotesk Text Pro" panose="020B0504020202020204" pitchFamily="34" charset="0"/>
+              <a:buNone/>
+              <a:defRPr sz="1600" kern="1200">
+                <a:solidFill>
+                  <a:schemeClr val="tx1"/>
+                </a:solidFill>
+                <a:latin typeface="+mn-lt"/>
+                <a:ea typeface="+mn-ea"/>
+                <a:cs typeface="+mn-cs"/>
+              </a:defRPr>
+            </a:lvl5pPr>
+            <a:lvl6pPr marL="2286000" indent="0" algn="ctr" defTabSz="914400" rtl="0" eaLnBrk="1" latinLnBrk="0" hangingPunct="1">
+              <a:lnSpc>
+                <a:spcPct val="90000"/>
+              </a:lnSpc>
+              <a:spcBef>
+                <a:spcPts val="500"/>
+              </a:spcBef>
+              <a:buFont typeface="Arial" panose="020B0604020202020204" pitchFamily="34" charset="0"/>
+              <a:buNone/>
+              <a:defRPr sz="1600" kern="1200">
+                <a:solidFill>
+                  <a:schemeClr val="tx1"/>
+                </a:solidFill>
+                <a:latin typeface="+mn-lt"/>
+                <a:ea typeface="+mn-ea"/>
+                <a:cs typeface="+mn-cs"/>
+              </a:defRPr>
+            </a:lvl6pPr>
+            <a:lvl7pPr marL="2743200" indent="0" algn="ctr" defTabSz="914400" rtl="0" eaLnBrk="1" latinLnBrk="0" hangingPunct="1">
+              <a:lnSpc>
+                <a:spcPct val="90000"/>
+              </a:lnSpc>
+              <a:spcBef>
+                <a:spcPts val="500"/>
+              </a:spcBef>
+              <a:buFont typeface="Arial" panose="020B0604020202020204" pitchFamily="34" charset="0"/>
+              <a:buNone/>
+              <a:defRPr sz="1600" kern="1200">
+                <a:solidFill>
+                  <a:schemeClr val="tx1"/>
+                </a:solidFill>
+                <a:latin typeface="+mn-lt"/>
+                <a:ea typeface="+mn-ea"/>
+                <a:cs typeface="+mn-cs"/>
+              </a:defRPr>
+            </a:lvl7pPr>
+            <a:lvl8pPr marL="3200400" indent="0" algn="ctr" defTabSz="914400" rtl="0" eaLnBrk="1" latinLnBrk="0" hangingPunct="1">
+              <a:lnSpc>
+                <a:spcPct val="90000"/>
+              </a:lnSpc>
+              <a:spcBef>
+                <a:spcPts val="500"/>
+              </a:spcBef>
+              <a:buFont typeface="Arial" panose="020B0604020202020204" pitchFamily="34" charset="0"/>
+              <a:buNone/>
+              <a:defRPr sz="1600" kern="1200">
+                <a:solidFill>
+                  <a:schemeClr val="tx1"/>
+                </a:solidFill>
+                <a:latin typeface="+mn-lt"/>
+                <a:ea typeface="+mn-ea"/>
+                <a:cs typeface="+mn-cs"/>
+              </a:defRPr>
+            </a:lvl8pPr>
+            <a:lvl9pPr marL="3657600" indent="0" algn="ctr" defTabSz="914400" rtl="0" eaLnBrk="1" latinLnBrk="0" hangingPunct="1">
+              <a:lnSpc>
+                <a:spcPct val="90000"/>
+              </a:lnSpc>
+              <a:spcBef>
+                <a:spcPts val="500"/>
+              </a:spcBef>
+              <a:buFont typeface="Arial" panose="020B0604020202020204" pitchFamily="34" charset="0"/>
+              <a:buNone/>
+              <a:defRPr sz="1600" kern="1200">
+                <a:solidFill>
+                  <a:schemeClr val="tx1"/>
+                </a:solidFill>
+                <a:latin typeface="+mn-lt"/>
+                <a:ea typeface="+mn-ea"/>
+                <a:cs typeface="+mn-cs"/>
+              </a:defRPr>
+            </a:lvl9pPr>
+          </a:lstStyle>
+          <a:p>
+            <a:r>
+              <a:rPr lang="en-US" sz="6000" b="1" dirty="0">
+                <a:solidFill>
+                  <a:srgbClr val="FF0000"/>
+                </a:solidFill>
+                <a:latin typeface="+mj-lt"/>
+                <a:ea typeface="+mj-ea"/>
+                <a:cs typeface="+mj-cs"/>
+              </a:rPr>
+              <a:t>Linear model </a:t>
+            </a:r>
+          </a:p>
+          <a:p>
+            <a:endParaRPr lang="en-US" sz="6000" b="1" dirty="0">
+              <a:solidFill>
+                <a:srgbClr val="FF0000"/>
+              </a:solidFill>
+              <a:latin typeface="+mj-lt"/>
+              <a:ea typeface="+mj-ea"/>
+              <a:cs typeface="+mj-cs"/>
+            </a:endParaRPr>
           </a:p>
         </p:txBody>
       </p:sp>
       <p:pic>
         <p:nvPicPr>
-          <p:cNvPr id="2" name="Graphic 1" descr="Head with Gears">
-            <a:extLst>
-              <a:ext uri="{FF2B5EF4-FFF2-40B4-BE49-F238E27FC236}">
-                <a16:creationId xmlns:a16="http://schemas.microsoft.com/office/drawing/2014/main" id="{ACF6B0D4-1E69-A9C3-C8DC-8EB565EA7174}"/>
+          <p:cNvPr id="5" name="Picture 4">
+            <a:extLst>
+              <a:ext uri="{FF2B5EF4-FFF2-40B4-BE49-F238E27FC236}">
+                <a16:creationId xmlns:a16="http://schemas.microsoft.com/office/drawing/2014/main" id="{D9514B0A-A138-5C0E-E751-DA1F39FFFA3E}"/>
               </a:ext>
             </a:extLst>
           </p:cNvPr>
@@ -6386,24 +5751,15 @@
           <p:nvPr/>
         </p:nvPicPr>
         <p:blipFill>
-          <a:blip r:embed="rId3">
-            <a:extLst>
-              <a:ext uri="{28A0092B-C50C-407E-A947-70E740481C1C}">
-                <a14:useLocalDpi xmlns:a14="http://schemas.microsoft.com/office/drawing/2010/main" val="0"/>
-              </a:ext>
-              <a:ext uri="{96DAC541-7B7A-43D3-8B79-37D633B846F1}">
-                <asvg:svgBlip xmlns:asvg="http://schemas.microsoft.com/office/drawing/2016/SVG/main" r:embed="rId4"/>
-              </a:ext>
-            </a:extLst>
-          </a:blip>
+          <a:blip r:embed="rId3"/>
           <a:stretch>
             <a:fillRect/>
           </a:stretch>
         </p:blipFill>
         <p:spPr>
           <a:xfrm>
-            <a:off x="7907482" y="1724891"/>
-            <a:ext cx="3408218" cy="3408218"/>
+            <a:off x="2043406" y="3300211"/>
+            <a:ext cx="4626907" cy="2169860"/>
           </a:xfrm>
           <a:prstGeom prst="rect">
             <a:avLst/>
@@ -6413,7 +5769,7 @@
     </p:spTree>
     <p:extLst>
       <p:ext uri="{BB962C8B-B14F-4D97-AF65-F5344CB8AC3E}">
-        <p14:creationId xmlns:p14="http://schemas.microsoft.com/office/powerpoint/2010/main" val="3818140121"/>
+        <p14:creationId xmlns:p14="http://schemas.microsoft.com/office/powerpoint/2010/main" val="3629912864"/>
       </p:ext>
     </p:extLst>
   </p:cSld>
@@ -6463,6 +5819,1025 @@
         </p:blipFill>
         <p:spPr>
           <a:xfrm>
+            <a:off x="0" y="0"/>
+            <a:ext cx="12192000" cy="6858000"/>
+          </a:xfrm>
+          <a:prstGeom prst="rect">
+            <a:avLst/>
+          </a:prstGeom>
+        </p:spPr>
+      </p:pic>
+      <p:sp>
+        <p:nvSpPr>
+          <p:cNvPr id="8" name="Subtitle 7">
+            <a:extLst>
+              <a:ext uri="{FF2B5EF4-FFF2-40B4-BE49-F238E27FC236}">
+                <a16:creationId xmlns:a16="http://schemas.microsoft.com/office/drawing/2014/main" id="{D30805F3-4F6A-67CA-187D-4C8F34B70B26}"/>
+              </a:ext>
+            </a:extLst>
+          </p:cNvPr>
+          <p:cNvSpPr>
+            <a:spLocks noGrp="1"/>
+          </p:cNvSpPr>
+          <p:nvPr>
+            <p:ph type="subTitle" idx="1"/>
+          </p:nvPr>
+        </p:nvSpPr>
+        <p:spPr>
+          <a:xfrm>
+            <a:off x="1736658" y="625492"/>
+            <a:ext cx="9288096" cy="1435331"/>
+          </a:xfrm>
+        </p:spPr>
+        <p:txBody>
+          <a:bodyPr>
+            <a:normAutofit lnSpcReduction="10000"/>
+          </a:bodyPr>
+          <a:lstStyle/>
+          <a:p>
+            <a:r>
+              <a:rPr lang="en-US" sz="6000" b="1" dirty="0">
+                <a:solidFill>
+                  <a:srgbClr val="FF0000"/>
+                </a:solidFill>
+                <a:latin typeface="+mj-lt"/>
+                <a:ea typeface="+mj-ea"/>
+                <a:cs typeface="+mj-cs"/>
+              </a:rPr>
+              <a:t>Models</a:t>
+            </a:r>
+            <a:br>
+              <a:rPr kumimoji="0" lang="en-US" sz="5900" b="1" i="0" u="none" strike="noStrike" kern="1200" cap="all" spc="0" normalizeH="0" baseline="0" noProof="0" dirty="0">
+                <a:ln>
+                  <a:noFill/>
+                </a:ln>
+                <a:solidFill>
+                  <a:srgbClr val="FFFFFF"/>
+                </a:solidFill>
+                <a:effectLst/>
+                <a:uLnTx/>
+                <a:uFillTx/>
+                <a:latin typeface="Neue Haas Grotesk Text Pro"/>
+                <a:ea typeface="+mj-ea"/>
+                <a:cs typeface="+mj-cs"/>
+              </a:rPr>
+            </a:br>
+            <a:endParaRPr lang="es-ES" dirty="0"/>
+          </a:p>
+        </p:txBody>
+      </p:sp>
+      <p:sp>
+        <p:nvSpPr>
+          <p:cNvPr id="2" name="Subtitle 7">
+            <a:extLst>
+              <a:ext uri="{FF2B5EF4-FFF2-40B4-BE49-F238E27FC236}">
+                <a16:creationId xmlns:a16="http://schemas.microsoft.com/office/drawing/2014/main" id="{2A709FF0-461B-BC18-568C-6BFD637B0B96}"/>
+              </a:ext>
+            </a:extLst>
+          </p:cNvPr>
+          <p:cNvSpPr txBox="1">
+            <a:spLocks/>
+          </p:cNvSpPr>
+          <p:nvPr/>
+        </p:nvSpPr>
+        <p:spPr>
+          <a:xfrm>
+            <a:off x="1736658" y="2060823"/>
+            <a:ext cx="9288096" cy="4013406"/>
+          </a:xfrm>
+          <a:prstGeom prst="rect">
+            <a:avLst/>
+          </a:prstGeom>
+        </p:spPr>
+        <p:txBody>
+          <a:bodyPr vert="horz" lIns="91440" tIns="45720" rIns="91440" bIns="45720" rtlCol="0">
+            <a:normAutofit fontScale="32500" lnSpcReduction="20000"/>
+          </a:bodyPr>
+          <a:lstStyle>
+            <a:lvl1pPr marL="0" indent="0" algn="l" defTabSz="914400" rtl="0" eaLnBrk="1" latinLnBrk="0" hangingPunct="1">
+              <a:lnSpc>
+                <a:spcPct val="120000"/>
+              </a:lnSpc>
+              <a:spcBef>
+                <a:spcPts val="1000"/>
+              </a:spcBef>
+              <a:buFont typeface="Neue Haas Grotesk Text Pro" panose="020B0504020202020204" pitchFamily="34" charset="0"/>
+              <a:buNone/>
+              <a:defRPr sz="2000" kern="1200">
+                <a:solidFill>
+                  <a:schemeClr val="tx1"/>
+                </a:solidFill>
+                <a:latin typeface="+mn-lt"/>
+                <a:ea typeface="+mn-ea"/>
+                <a:cs typeface="+mn-cs"/>
+              </a:defRPr>
+            </a:lvl1pPr>
+            <a:lvl2pPr marL="457200" indent="0" algn="ctr" defTabSz="914400" rtl="0" eaLnBrk="1" latinLnBrk="0" hangingPunct="1">
+              <a:lnSpc>
+                <a:spcPct val="130000"/>
+              </a:lnSpc>
+              <a:spcBef>
+                <a:spcPts val="500"/>
+              </a:spcBef>
+              <a:buFont typeface="Neue Haas Grotesk Text Pro" panose="020B0504020202020204" pitchFamily="34" charset="0"/>
+              <a:buNone/>
+              <a:defRPr sz="2000" kern="1200">
+                <a:solidFill>
+                  <a:schemeClr val="tx1"/>
+                </a:solidFill>
+                <a:latin typeface="+mn-lt"/>
+                <a:ea typeface="+mn-ea"/>
+                <a:cs typeface="+mn-cs"/>
+              </a:defRPr>
+            </a:lvl2pPr>
+            <a:lvl3pPr marL="914400" indent="0" algn="ctr" defTabSz="914400" rtl="0" eaLnBrk="1" latinLnBrk="0" hangingPunct="1">
+              <a:lnSpc>
+                <a:spcPct val="130000"/>
+              </a:lnSpc>
+              <a:spcBef>
+                <a:spcPts val="500"/>
+              </a:spcBef>
+              <a:buFont typeface="Neue Haas Grotesk Text Pro" panose="020B0504020202020204" pitchFamily="34" charset="0"/>
+              <a:buNone/>
+              <a:defRPr sz="1800" kern="1200">
+                <a:solidFill>
+                  <a:schemeClr val="tx1"/>
+                </a:solidFill>
+                <a:latin typeface="+mn-lt"/>
+                <a:ea typeface="+mn-ea"/>
+                <a:cs typeface="+mn-cs"/>
+              </a:defRPr>
+            </a:lvl3pPr>
+            <a:lvl4pPr marL="1371600" indent="0" algn="ctr" defTabSz="914400" rtl="0" eaLnBrk="1" latinLnBrk="0" hangingPunct="1">
+              <a:lnSpc>
+                <a:spcPct val="130000"/>
+              </a:lnSpc>
+              <a:spcBef>
+                <a:spcPts val="500"/>
+              </a:spcBef>
+              <a:buFont typeface="Neue Haas Grotesk Text Pro" panose="020B0504020202020204" pitchFamily="34" charset="0"/>
+              <a:buNone/>
+              <a:defRPr sz="1600" kern="1200">
+                <a:solidFill>
+                  <a:schemeClr val="tx1"/>
+                </a:solidFill>
+                <a:latin typeface="+mn-lt"/>
+                <a:ea typeface="+mn-ea"/>
+                <a:cs typeface="+mn-cs"/>
+              </a:defRPr>
+            </a:lvl4pPr>
+            <a:lvl5pPr marL="1828800" indent="0" algn="ctr" defTabSz="914400" rtl="0" eaLnBrk="1" latinLnBrk="0" hangingPunct="1">
+              <a:lnSpc>
+                <a:spcPct val="130000"/>
+              </a:lnSpc>
+              <a:spcBef>
+                <a:spcPts val="500"/>
+              </a:spcBef>
+              <a:buFont typeface="Neue Haas Grotesk Text Pro" panose="020B0504020202020204" pitchFamily="34" charset="0"/>
+              <a:buNone/>
+              <a:defRPr sz="1600" kern="1200">
+                <a:solidFill>
+                  <a:schemeClr val="tx1"/>
+                </a:solidFill>
+                <a:latin typeface="+mn-lt"/>
+                <a:ea typeface="+mn-ea"/>
+                <a:cs typeface="+mn-cs"/>
+              </a:defRPr>
+            </a:lvl5pPr>
+            <a:lvl6pPr marL="2286000" indent="0" algn="ctr" defTabSz="914400" rtl="0" eaLnBrk="1" latinLnBrk="0" hangingPunct="1">
+              <a:lnSpc>
+                <a:spcPct val="90000"/>
+              </a:lnSpc>
+              <a:spcBef>
+                <a:spcPts val="500"/>
+              </a:spcBef>
+              <a:buFont typeface="Arial" panose="020B0604020202020204" pitchFamily="34" charset="0"/>
+              <a:buNone/>
+              <a:defRPr sz="1600" kern="1200">
+                <a:solidFill>
+                  <a:schemeClr val="tx1"/>
+                </a:solidFill>
+                <a:latin typeface="+mn-lt"/>
+                <a:ea typeface="+mn-ea"/>
+                <a:cs typeface="+mn-cs"/>
+              </a:defRPr>
+            </a:lvl6pPr>
+            <a:lvl7pPr marL="2743200" indent="0" algn="ctr" defTabSz="914400" rtl="0" eaLnBrk="1" latinLnBrk="0" hangingPunct="1">
+              <a:lnSpc>
+                <a:spcPct val="90000"/>
+              </a:lnSpc>
+              <a:spcBef>
+                <a:spcPts val="500"/>
+              </a:spcBef>
+              <a:buFont typeface="Arial" panose="020B0604020202020204" pitchFamily="34" charset="0"/>
+              <a:buNone/>
+              <a:defRPr sz="1600" kern="1200">
+                <a:solidFill>
+                  <a:schemeClr val="tx1"/>
+                </a:solidFill>
+                <a:latin typeface="+mn-lt"/>
+                <a:ea typeface="+mn-ea"/>
+                <a:cs typeface="+mn-cs"/>
+              </a:defRPr>
+            </a:lvl7pPr>
+            <a:lvl8pPr marL="3200400" indent="0" algn="ctr" defTabSz="914400" rtl="0" eaLnBrk="1" latinLnBrk="0" hangingPunct="1">
+              <a:lnSpc>
+                <a:spcPct val="90000"/>
+              </a:lnSpc>
+              <a:spcBef>
+                <a:spcPts val="500"/>
+              </a:spcBef>
+              <a:buFont typeface="Arial" panose="020B0604020202020204" pitchFamily="34" charset="0"/>
+              <a:buNone/>
+              <a:defRPr sz="1600" kern="1200">
+                <a:solidFill>
+                  <a:schemeClr val="tx1"/>
+                </a:solidFill>
+                <a:latin typeface="+mn-lt"/>
+                <a:ea typeface="+mn-ea"/>
+                <a:cs typeface="+mn-cs"/>
+              </a:defRPr>
+            </a:lvl8pPr>
+            <a:lvl9pPr marL="3657600" indent="0" algn="ctr" defTabSz="914400" rtl="0" eaLnBrk="1" latinLnBrk="0" hangingPunct="1">
+              <a:lnSpc>
+                <a:spcPct val="90000"/>
+              </a:lnSpc>
+              <a:spcBef>
+                <a:spcPts val="500"/>
+              </a:spcBef>
+              <a:buFont typeface="Arial" panose="020B0604020202020204" pitchFamily="34" charset="0"/>
+              <a:buNone/>
+              <a:defRPr sz="1600" kern="1200">
+                <a:solidFill>
+                  <a:schemeClr val="tx1"/>
+                </a:solidFill>
+                <a:latin typeface="+mn-lt"/>
+                <a:ea typeface="+mn-ea"/>
+                <a:cs typeface="+mn-cs"/>
+              </a:defRPr>
+            </a:lvl9pPr>
+          </a:lstStyle>
+          <a:p>
+            <a:r>
+              <a:rPr lang="en-US" sz="9800" b="1" dirty="0">
+                <a:solidFill>
+                  <a:srgbClr val="FF0000"/>
+                </a:solidFill>
+                <a:latin typeface="+mj-lt"/>
+                <a:ea typeface="+mj-ea"/>
+                <a:cs typeface="+mj-cs"/>
+              </a:rPr>
+              <a:t>Decisions Tree</a:t>
+            </a:r>
+          </a:p>
+          <a:p>
+            <a:r>
+              <a:rPr lang="en-US" sz="6000" b="1" dirty="0">
+                <a:solidFill>
+                  <a:schemeClr val="tx2">
+                    <a:lumMod val="50000"/>
+                  </a:schemeClr>
+                </a:solidFill>
+                <a:latin typeface="+mj-lt"/>
+                <a:ea typeface="+mj-ea"/>
+                <a:cs typeface="+mj-cs"/>
+              </a:rPr>
+              <a:t>'criterion': '</a:t>
+            </a:r>
+            <a:r>
+              <a:rPr lang="en-US" sz="6000" b="1" dirty="0" err="1">
+                <a:solidFill>
+                  <a:schemeClr val="tx2">
+                    <a:lumMod val="50000"/>
+                  </a:schemeClr>
+                </a:solidFill>
+                <a:latin typeface="+mj-lt"/>
+                <a:ea typeface="+mj-ea"/>
+                <a:cs typeface="+mj-cs"/>
+              </a:rPr>
+              <a:t>squared_error</a:t>
+            </a:r>
+            <a:r>
+              <a:rPr lang="en-US" sz="6000" b="1" dirty="0">
+                <a:solidFill>
+                  <a:schemeClr val="tx2">
+                    <a:lumMod val="50000"/>
+                  </a:schemeClr>
+                </a:solidFill>
+                <a:latin typeface="+mj-lt"/>
+                <a:ea typeface="+mj-ea"/>
+                <a:cs typeface="+mj-cs"/>
+              </a:rPr>
+              <a:t>',</a:t>
+            </a:r>
+          </a:p>
+          <a:p>
+            <a:r>
+              <a:rPr lang="en-US" sz="6000" b="1" dirty="0">
+                <a:solidFill>
+                  <a:schemeClr val="tx2">
+                    <a:lumMod val="50000"/>
+                  </a:schemeClr>
+                </a:solidFill>
+                <a:latin typeface="+mj-lt"/>
+                <a:ea typeface="+mj-ea"/>
+                <a:cs typeface="+mj-cs"/>
+              </a:rPr>
+              <a:t> '</a:t>
+            </a:r>
+            <a:r>
+              <a:rPr lang="en-US" sz="6000" b="1" dirty="0" err="1">
+                <a:solidFill>
+                  <a:schemeClr val="tx2">
+                    <a:lumMod val="50000"/>
+                  </a:schemeClr>
+                </a:solidFill>
+                <a:latin typeface="+mj-lt"/>
+                <a:ea typeface="+mj-ea"/>
+                <a:cs typeface="+mj-cs"/>
+              </a:rPr>
+              <a:t>max_depth</a:t>
+            </a:r>
+            <a:r>
+              <a:rPr lang="en-US" sz="6000" b="1" dirty="0">
+                <a:solidFill>
+                  <a:schemeClr val="tx2">
+                    <a:lumMod val="50000"/>
+                  </a:schemeClr>
+                </a:solidFill>
+                <a:latin typeface="+mj-lt"/>
+                <a:ea typeface="+mj-ea"/>
+                <a:cs typeface="+mj-cs"/>
+              </a:rPr>
+              <a:t>': 5,</a:t>
+            </a:r>
+          </a:p>
+          <a:p>
+            <a:r>
+              <a:rPr lang="en-US" sz="6000" b="1" dirty="0">
+                <a:solidFill>
+                  <a:schemeClr val="tx2">
+                    <a:lumMod val="50000"/>
+                  </a:schemeClr>
+                </a:solidFill>
+                <a:latin typeface="+mj-lt"/>
+                <a:ea typeface="+mj-ea"/>
+                <a:cs typeface="+mj-cs"/>
+              </a:rPr>
+              <a:t> '</a:t>
+            </a:r>
+            <a:r>
+              <a:rPr lang="en-US" sz="6000" b="1" dirty="0" err="1">
+                <a:solidFill>
+                  <a:schemeClr val="tx2">
+                    <a:lumMod val="50000"/>
+                  </a:schemeClr>
+                </a:solidFill>
+                <a:latin typeface="+mj-lt"/>
+                <a:ea typeface="+mj-ea"/>
+                <a:cs typeface="+mj-cs"/>
+              </a:rPr>
+              <a:t>min_samples_leaf</a:t>
+            </a:r>
+            <a:r>
+              <a:rPr lang="en-US" sz="6000" b="1" dirty="0">
+                <a:solidFill>
+                  <a:schemeClr val="tx2">
+                    <a:lumMod val="50000"/>
+                  </a:schemeClr>
+                </a:solidFill>
+                <a:latin typeface="+mj-lt"/>
+                <a:ea typeface="+mj-ea"/>
+                <a:cs typeface="+mj-cs"/>
+              </a:rPr>
+              <a:t>': 2,</a:t>
+            </a:r>
+          </a:p>
+          <a:p>
+            <a:r>
+              <a:rPr lang="en-US" sz="6000" b="1" dirty="0">
+                <a:solidFill>
+                  <a:schemeClr val="tx2">
+                    <a:lumMod val="50000"/>
+                  </a:schemeClr>
+                </a:solidFill>
+                <a:latin typeface="+mj-lt"/>
+                <a:ea typeface="+mj-ea"/>
+                <a:cs typeface="+mj-cs"/>
+              </a:rPr>
+              <a:t> '</a:t>
+            </a:r>
+            <a:r>
+              <a:rPr lang="en-US" sz="6000" b="1" dirty="0" err="1">
+                <a:solidFill>
+                  <a:schemeClr val="tx2">
+                    <a:lumMod val="50000"/>
+                  </a:schemeClr>
+                </a:solidFill>
+                <a:latin typeface="+mj-lt"/>
+                <a:ea typeface="+mj-ea"/>
+                <a:cs typeface="+mj-cs"/>
+              </a:rPr>
+              <a:t>min_samples_split</a:t>
+            </a:r>
+            <a:r>
+              <a:rPr lang="en-US" sz="6000" b="1" dirty="0">
+                <a:solidFill>
+                  <a:schemeClr val="tx2">
+                    <a:lumMod val="50000"/>
+                  </a:schemeClr>
+                </a:solidFill>
+                <a:latin typeface="+mj-lt"/>
+                <a:ea typeface="+mj-ea"/>
+                <a:cs typeface="+mj-cs"/>
+              </a:rPr>
+              <a:t>': 10</a:t>
+            </a:r>
+          </a:p>
+          <a:p>
+            <a:pPr algn="l"/>
+            <a:r>
+              <a:rPr lang="en-US" sz="8000" b="1" i="0" dirty="0">
+                <a:solidFill>
+                  <a:srgbClr val="FF0000"/>
+                </a:solidFill>
+                <a:effectLst/>
+                <a:latin typeface="var(--notebook-cell-output-font-family)"/>
+              </a:rPr>
+              <a:t>The best R2 for the best hyperparameters is 0.46 </a:t>
+            </a:r>
+          </a:p>
+          <a:p>
+            <a:br>
+              <a:rPr lang="en-US" sz="5400" b="0" i="0" dirty="0">
+                <a:solidFill>
+                  <a:srgbClr val="000000"/>
+                </a:solidFill>
+                <a:effectLst/>
+                <a:latin typeface="Segoe WPC"/>
+              </a:rPr>
+            </a:br>
+            <a:endParaRPr lang="en-US" sz="6000" b="1" dirty="0">
+              <a:solidFill>
+                <a:srgbClr val="FF0000"/>
+              </a:solidFill>
+              <a:latin typeface="+mj-lt"/>
+              <a:ea typeface="+mj-ea"/>
+              <a:cs typeface="+mj-cs"/>
+            </a:endParaRPr>
+          </a:p>
+        </p:txBody>
+      </p:sp>
+    </p:spTree>
+    <p:extLst>
+      <p:ext uri="{BB962C8B-B14F-4D97-AF65-F5344CB8AC3E}">
+        <p14:creationId xmlns:p14="http://schemas.microsoft.com/office/powerpoint/2010/main" val="315397729"/>
+      </p:ext>
+    </p:extLst>
+  </p:cSld>
+  <p:clrMapOvr>
+    <a:masterClrMapping/>
+  </p:clrMapOvr>
+</p:sld>
+</file>
+
+<file path=ppt/slides/slide23.xml><?xml version="1.0" encoding="utf-8"?>
+<p:sld xmlns:a="http://schemas.openxmlformats.org/drawingml/2006/main" xmlns:r="http://schemas.openxmlformats.org/officeDocument/2006/relationships" xmlns:p="http://schemas.openxmlformats.org/presentationml/2006/main">
+  <p:cSld>
+    <p:spTree>
+      <p:nvGrpSpPr>
+        <p:cNvPr id="1" name=""/>
+        <p:cNvGrpSpPr/>
+        <p:nvPr/>
+      </p:nvGrpSpPr>
+      <p:grpSpPr>
+        <a:xfrm>
+          <a:off x="0" y="0"/>
+          <a:ext cx="0" cy="0"/>
+          <a:chOff x="0" y="0"/>
+          <a:chExt cx="0" cy="0"/>
+        </a:xfrm>
+      </p:grpSpPr>
+      <p:pic>
+        <p:nvPicPr>
+          <p:cNvPr id="4" name="Picture 3" descr="Triangular abstract background">
+            <a:extLst>
+              <a:ext uri="{FF2B5EF4-FFF2-40B4-BE49-F238E27FC236}">
+                <a16:creationId xmlns:a16="http://schemas.microsoft.com/office/drawing/2014/main" id="{1025C8CE-B8EC-9FDA-3C04-7414F8AFB6DA}"/>
+              </a:ext>
+            </a:extLst>
+          </p:cNvPr>
+          <p:cNvPicPr>
+            <a:picLocks noChangeAspect="1"/>
+          </p:cNvPicPr>
+          <p:nvPr/>
+        </p:nvPicPr>
+        <p:blipFill rotWithShape="1">
+          <a:blip r:embed="rId2">
+            <a:alphaModFix amt="60000"/>
+          </a:blip>
+          <a:srcRect t="15730"/>
+          <a:stretch/>
+        </p:blipFill>
+        <p:spPr>
+          <a:xfrm>
+            <a:off x="0" y="0"/>
+            <a:ext cx="12192000" cy="6858000"/>
+          </a:xfrm>
+          <a:prstGeom prst="rect">
+            <a:avLst/>
+          </a:prstGeom>
+        </p:spPr>
+      </p:pic>
+      <p:sp>
+        <p:nvSpPr>
+          <p:cNvPr id="8" name="Subtitle 7">
+            <a:extLst>
+              <a:ext uri="{FF2B5EF4-FFF2-40B4-BE49-F238E27FC236}">
+                <a16:creationId xmlns:a16="http://schemas.microsoft.com/office/drawing/2014/main" id="{D30805F3-4F6A-67CA-187D-4C8F34B70B26}"/>
+              </a:ext>
+            </a:extLst>
+          </p:cNvPr>
+          <p:cNvSpPr>
+            <a:spLocks noGrp="1"/>
+          </p:cNvSpPr>
+          <p:nvPr>
+            <p:ph type="subTitle" idx="1"/>
+          </p:nvPr>
+        </p:nvSpPr>
+        <p:spPr>
+          <a:xfrm>
+            <a:off x="1736658" y="625492"/>
+            <a:ext cx="9288096" cy="1435331"/>
+          </a:xfrm>
+        </p:spPr>
+        <p:txBody>
+          <a:bodyPr>
+            <a:normAutofit lnSpcReduction="10000"/>
+          </a:bodyPr>
+          <a:lstStyle/>
+          <a:p>
+            <a:r>
+              <a:rPr lang="en-US" sz="6000" b="1" dirty="0">
+                <a:solidFill>
+                  <a:srgbClr val="FF0000"/>
+                </a:solidFill>
+                <a:latin typeface="+mj-lt"/>
+                <a:ea typeface="+mj-ea"/>
+                <a:cs typeface="+mj-cs"/>
+              </a:rPr>
+              <a:t>Models</a:t>
+            </a:r>
+            <a:br>
+              <a:rPr kumimoji="0" lang="en-US" sz="5900" b="1" i="0" u="none" strike="noStrike" kern="1200" cap="all" spc="0" normalizeH="0" baseline="0" noProof="0" dirty="0">
+                <a:ln>
+                  <a:noFill/>
+                </a:ln>
+                <a:solidFill>
+                  <a:srgbClr val="FFFFFF"/>
+                </a:solidFill>
+                <a:effectLst/>
+                <a:uLnTx/>
+                <a:uFillTx/>
+                <a:latin typeface="Neue Haas Grotesk Text Pro"/>
+                <a:ea typeface="+mj-ea"/>
+                <a:cs typeface="+mj-cs"/>
+              </a:rPr>
+            </a:br>
+            <a:endParaRPr lang="es-ES" dirty="0"/>
+          </a:p>
+        </p:txBody>
+      </p:sp>
+      <p:sp>
+        <p:nvSpPr>
+          <p:cNvPr id="2" name="Subtitle 7">
+            <a:extLst>
+              <a:ext uri="{FF2B5EF4-FFF2-40B4-BE49-F238E27FC236}">
+                <a16:creationId xmlns:a16="http://schemas.microsoft.com/office/drawing/2014/main" id="{2A709FF0-461B-BC18-568C-6BFD637B0B96}"/>
+              </a:ext>
+            </a:extLst>
+          </p:cNvPr>
+          <p:cNvSpPr txBox="1">
+            <a:spLocks/>
+          </p:cNvSpPr>
+          <p:nvPr/>
+        </p:nvSpPr>
+        <p:spPr>
+          <a:xfrm>
+            <a:off x="1736658" y="2060823"/>
+            <a:ext cx="9288096" cy="4013406"/>
+          </a:xfrm>
+          <a:prstGeom prst="rect">
+            <a:avLst/>
+          </a:prstGeom>
+        </p:spPr>
+        <p:txBody>
+          <a:bodyPr vert="horz" lIns="91440" tIns="45720" rIns="91440" bIns="45720" rtlCol="0">
+            <a:normAutofit/>
+          </a:bodyPr>
+          <a:lstStyle>
+            <a:lvl1pPr marL="0" indent="0" algn="l" defTabSz="914400" rtl="0" eaLnBrk="1" latinLnBrk="0" hangingPunct="1">
+              <a:lnSpc>
+                <a:spcPct val="120000"/>
+              </a:lnSpc>
+              <a:spcBef>
+                <a:spcPts val="1000"/>
+              </a:spcBef>
+              <a:buFont typeface="Neue Haas Grotesk Text Pro" panose="020B0504020202020204" pitchFamily="34" charset="0"/>
+              <a:buNone/>
+              <a:defRPr sz="2000" kern="1200">
+                <a:solidFill>
+                  <a:schemeClr val="tx1"/>
+                </a:solidFill>
+                <a:latin typeface="+mn-lt"/>
+                <a:ea typeface="+mn-ea"/>
+                <a:cs typeface="+mn-cs"/>
+              </a:defRPr>
+            </a:lvl1pPr>
+            <a:lvl2pPr marL="457200" indent="0" algn="ctr" defTabSz="914400" rtl="0" eaLnBrk="1" latinLnBrk="0" hangingPunct="1">
+              <a:lnSpc>
+                <a:spcPct val="130000"/>
+              </a:lnSpc>
+              <a:spcBef>
+                <a:spcPts val="500"/>
+              </a:spcBef>
+              <a:buFont typeface="Neue Haas Grotesk Text Pro" panose="020B0504020202020204" pitchFamily="34" charset="0"/>
+              <a:buNone/>
+              <a:defRPr sz="2000" kern="1200">
+                <a:solidFill>
+                  <a:schemeClr val="tx1"/>
+                </a:solidFill>
+                <a:latin typeface="+mn-lt"/>
+                <a:ea typeface="+mn-ea"/>
+                <a:cs typeface="+mn-cs"/>
+              </a:defRPr>
+            </a:lvl2pPr>
+            <a:lvl3pPr marL="914400" indent="0" algn="ctr" defTabSz="914400" rtl="0" eaLnBrk="1" latinLnBrk="0" hangingPunct="1">
+              <a:lnSpc>
+                <a:spcPct val="130000"/>
+              </a:lnSpc>
+              <a:spcBef>
+                <a:spcPts val="500"/>
+              </a:spcBef>
+              <a:buFont typeface="Neue Haas Grotesk Text Pro" panose="020B0504020202020204" pitchFamily="34" charset="0"/>
+              <a:buNone/>
+              <a:defRPr sz="1800" kern="1200">
+                <a:solidFill>
+                  <a:schemeClr val="tx1"/>
+                </a:solidFill>
+                <a:latin typeface="+mn-lt"/>
+                <a:ea typeface="+mn-ea"/>
+                <a:cs typeface="+mn-cs"/>
+              </a:defRPr>
+            </a:lvl3pPr>
+            <a:lvl4pPr marL="1371600" indent="0" algn="ctr" defTabSz="914400" rtl="0" eaLnBrk="1" latinLnBrk="0" hangingPunct="1">
+              <a:lnSpc>
+                <a:spcPct val="130000"/>
+              </a:lnSpc>
+              <a:spcBef>
+                <a:spcPts val="500"/>
+              </a:spcBef>
+              <a:buFont typeface="Neue Haas Grotesk Text Pro" panose="020B0504020202020204" pitchFamily="34" charset="0"/>
+              <a:buNone/>
+              <a:defRPr sz="1600" kern="1200">
+                <a:solidFill>
+                  <a:schemeClr val="tx1"/>
+                </a:solidFill>
+                <a:latin typeface="+mn-lt"/>
+                <a:ea typeface="+mn-ea"/>
+                <a:cs typeface="+mn-cs"/>
+              </a:defRPr>
+            </a:lvl4pPr>
+            <a:lvl5pPr marL="1828800" indent="0" algn="ctr" defTabSz="914400" rtl="0" eaLnBrk="1" latinLnBrk="0" hangingPunct="1">
+              <a:lnSpc>
+                <a:spcPct val="130000"/>
+              </a:lnSpc>
+              <a:spcBef>
+                <a:spcPts val="500"/>
+              </a:spcBef>
+              <a:buFont typeface="Neue Haas Grotesk Text Pro" panose="020B0504020202020204" pitchFamily="34" charset="0"/>
+              <a:buNone/>
+              <a:defRPr sz="1600" kern="1200">
+                <a:solidFill>
+                  <a:schemeClr val="tx1"/>
+                </a:solidFill>
+                <a:latin typeface="+mn-lt"/>
+                <a:ea typeface="+mn-ea"/>
+                <a:cs typeface="+mn-cs"/>
+              </a:defRPr>
+            </a:lvl5pPr>
+            <a:lvl6pPr marL="2286000" indent="0" algn="ctr" defTabSz="914400" rtl="0" eaLnBrk="1" latinLnBrk="0" hangingPunct="1">
+              <a:lnSpc>
+                <a:spcPct val="90000"/>
+              </a:lnSpc>
+              <a:spcBef>
+                <a:spcPts val="500"/>
+              </a:spcBef>
+              <a:buFont typeface="Arial" panose="020B0604020202020204" pitchFamily="34" charset="0"/>
+              <a:buNone/>
+              <a:defRPr sz="1600" kern="1200">
+                <a:solidFill>
+                  <a:schemeClr val="tx1"/>
+                </a:solidFill>
+                <a:latin typeface="+mn-lt"/>
+                <a:ea typeface="+mn-ea"/>
+                <a:cs typeface="+mn-cs"/>
+              </a:defRPr>
+            </a:lvl6pPr>
+            <a:lvl7pPr marL="2743200" indent="0" algn="ctr" defTabSz="914400" rtl="0" eaLnBrk="1" latinLnBrk="0" hangingPunct="1">
+              <a:lnSpc>
+                <a:spcPct val="90000"/>
+              </a:lnSpc>
+              <a:spcBef>
+                <a:spcPts val="500"/>
+              </a:spcBef>
+              <a:buFont typeface="Arial" panose="020B0604020202020204" pitchFamily="34" charset="0"/>
+              <a:buNone/>
+              <a:defRPr sz="1600" kern="1200">
+                <a:solidFill>
+                  <a:schemeClr val="tx1"/>
+                </a:solidFill>
+                <a:latin typeface="+mn-lt"/>
+                <a:ea typeface="+mn-ea"/>
+                <a:cs typeface="+mn-cs"/>
+              </a:defRPr>
+            </a:lvl7pPr>
+            <a:lvl8pPr marL="3200400" indent="0" algn="ctr" defTabSz="914400" rtl="0" eaLnBrk="1" latinLnBrk="0" hangingPunct="1">
+              <a:lnSpc>
+                <a:spcPct val="90000"/>
+              </a:lnSpc>
+              <a:spcBef>
+                <a:spcPts val="500"/>
+              </a:spcBef>
+              <a:buFont typeface="Arial" panose="020B0604020202020204" pitchFamily="34" charset="0"/>
+              <a:buNone/>
+              <a:defRPr sz="1600" kern="1200">
+                <a:solidFill>
+                  <a:schemeClr val="tx1"/>
+                </a:solidFill>
+                <a:latin typeface="+mn-lt"/>
+                <a:ea typeface="+mn-ea"/>
+                <a:cs typeface="+mn-cs"/>
+              </a:defRPr>
+            </a:lvl8pPr>
+            <a:lvl9pPr marL="3657600" indent="0" algn="ctr" defTabSz="914400" rtl="0" eaLnBrk="1" latinLnBrk="0" hangingPunct="1">
+              <a:lnSpc>
+                <a:spcPct val="90000"/>
+              </a:lnSpc>
+              <a:spcBef>
+                <a:spcPts val="500"/>
+              </a:spcBef>
+              <a:buFont typeface="Arial" panose="020B0604020202020204" pitchFamily="34" charset="0"/>
+              <a:buNone/>
+              <a:defRPr sz="1600" kern="1200">
+                <a:solidFill>
+                  <a:schemeClr val="tx1"/>
+                </a:solidFill>
+                <a:latin typeface="+mn-lt"/>
+                <a:ea typeface="+mn-ea"/>
+                <a:cs typeface="+mn-cs"/>
+              </a:defRPr>
+            </a:lvl9pPr>
+          </a:lstStyle>
+          <a:p>
+            <a:r>
+              <a:rPr lang="en-US" sz="6000" b="1" i="0" dirty="0">
+                <a:solidFill>
+                  <a:srgbClr val="FF0000"/>
+                </a:solidFill>
+                <a:effectLst/>
+                <a:latin typeface="+mj-lt"/>
+                <a:ea typeface="+mj-ea"/>
+                <a:cs typeface="+mj-cs"/>
+              </a:rPr>
+              <a:t>Random Forest</a:t>
+            </a:r>
+            <a:br>
+              <a:rPr lang="en-US" sz="5400" b="0" i="0" dirty="0">
+                <a:solidFill>
+                  <a:srgbClr val="000000"/>
+                </a:solidFill>
+                <a:effectLst/>
+                <a:latin typeface="Segoe WPC"/>
+              </a:rPr>
+            </a:br>
+            <a:r>
+              <a:rPr lang="en-US" sz="2400" b="0" i="0" dirty="0">
+                <a:solidFill>
+                  <a:srgbClr val="000000"/>
+                </a:solidFill>
+                <a:effectLst/>
+                <a:latin typeface="Segoe WPC"/>
+              </a:rPr>
+              <a:t>The Accuracy for the Random Forest in the TRAIN set is 0.08</a:t>
+            </a:r>
+          </a:p>
+          <a:p>
+            <a:r>
+              <a:rPr lang="en-US" sz="2400" b="0" i="0" dirty="0">
+                <a:solidFill>
+                  <a:srgbClr val="000000"/>
+                </a:solidFill>
+                <a:effectLst/>
+                <a:latin typeface="Segoe WPC"/>
+              </a:rPr>
+              <a:t>The Accuracy for the Random Forest in the TEST  set is 0.04</a:t>
+            </a:r>
+            <a:endParaRPr lang="en-US" sz="2800" b="1" dirty="0">
+              <a:solidFill>
+                <a:srgbClr val="FF0000"/>
+              </a:solidFill>
+              <a:latin typeface="+mj-lt"/>
+              <a:ea typeface="+mj-ea"/>
+              <a:cs typeface="+mj-cs"/>
+            </a:endParaRPr>
+          </a:p>
+        </p:txBody>
+      </p:sp>
+    </p:spTree>
+    <p:extLst>
+      <p:ext uri="{BB962C8B-B14F-4D97-AF65-F5344CB8AC3E}">
+        <p14:creationId xmlns:p14="http://schemas.microsoft.com/office/powerpoint/2010/main" val="3213281688"/>
+      </p:ext>
+    </p:extLst>
+  </p:cSld>
+  <p:clrMapOvr>
+    <a:masterClrMapping/>
+  </p:clrMapOvr>
+</p:sld>
+</file>
+
+<file path=ppt/slides/slide24.xml><?xml version="1.0" encoding="utf-8"?>
+<p:sld xmlns:a="http://schemas.openxmlformats.org/drawingml/2006/main" xmlns:r="http://schemas.openxmlformats.org/officeDocument/2006/relationships" xmlns:p="http://schemas.openxmlformats.org/presentationml/2006/main">
+  <p:cSld>
+    <p:spTree>
+      <p:nvGrpSpPr>
+        <p:cNvPr id="1" name=""/>
+        <p:cNvGrpSpPr/>
+        <p:nvPr/>
+      </p:nvGrpSpPr>
+      <p:grpSpPr>
+        <a:xfrm>
+          <a:off x="0" y="0"/>
+          <a:ext cx="0" cy="0"/>
+          <a:chOff x="0" y="0"/>
+          <a:chExt cx="0" cy="0"/>
+        </a:xfrm>
+      </p:grpSpPr>
+      <p:pic>
+        <p:nvPicPr>
+          <p:cNvPr id="4" name="Picture 3" descr="Triangular abstract background">
+            <a:extLst>
+              <a:ext uri="{FF2B5EF4-FFF2-40B4-BE49-F238E27FC236}">
+                <a16:creationId xmlns:a16="http://schemas.microsoft.com/office/drawing/2014/main" id="{1025C8CE-B8EC-9FDA-3C04-7414F8AFB6DA}"/>
+              </a:ext>
+            </a:extLst>
+          </p:cNvPr>
+          <p:cNvPicPr>
+            <a:picLocks noChangeAspect="1"/>
+          </p:cNvPicPr>
+          <p:nvPr/>
+        </p:nvPicPr>
+        <p:blipFill rotWithShape="1">
+          <a:blip r:embed="rId2">
+            <a:alphaModFix amt="60000"/>
+          </a:blip>
+          <a:srcRect t="15730"/>
+          <a:stretch/>
+        </p:blipFill>
+        <p:spPr>
+          <a:xfrm>
+            <a:off x="1" y="1"/>
+            <a:ext cx="12192000" cy="6858000"/>
+          </a:xfrm>
+          <a:prstGeom prst="rect">
+            <a:avLst/>
+          </a:prstGeom>
+        </p:spPr>
+      </p:pic>
+      <p:sp>
+        <p:nvSpPr>
+          <p:cNvPr id="8" name="Subtitle 7">
+            <a:extLst>
+              <a:ext uri="{FF2B5EF4-FFF2-40B4-BE49-F238E27FC236}">
+                <a16:creationId xmlns:a16="http://schemas.microsoft.com/office/drawing/2014/main" id="{D30805F3-4F6A-67CA-187D-4C8F34B70B26}"/>
+              </a:ext>
+            </a:extLst>
+          </p:cNvPr>
+          <p:cNvSpPr>
+            <a:spLocks noGrp="1"/>
+          </p:cNvSpPr>
+          <p:nvPr>
+            <p:ph type="subTitle" idx="1"/>
+          </p:nvPr>
+        </p:nvSpPr>
+        <p:spPr/>
+        <p:txBody>
+          <a:bodyPr>
+            <a:normAutofit/>
+          </a:bodyPr>
+          <a:lstStyle/>
+          <a:p>
+            <a:r>
+              <a:rPr lang="es-419" sz="6600" dirty="0" err="1"/>
+              <a:t>Conclusions</a:t>
+            </a:r>
+            <a:endParaRPr lang="es-ES" sz="6600" dirty="0"/>
+          </a:p>
+        </p:txBody>
+      </p:sp>
+      <p:pic>
+        <p:nvPicPr>
+          <p:cNvPr id="2" name="Graphic 1" descr="Head with Gears">
+            <a:extLst>
+              <a:ext uri="{FF2B5EF4-FFF2-40B4-BE49-F238E27FC236}">
+                <a16:creationId xmlns:a16="http://schemas.microsoft.com/office/drawing/2014/main" id="{ACF6B0D4-1E69-A9C3-C8DC-8EB565EA7174}"/>
+              </a:ext>
+            </a:extLst>
+          </p:cNvPr>
+          <p:cNvPicPr>
+            <a:picLocks noChangeAspect="1"/>
+          </p:cNvPicPr>
+          <p:nvPr/>
+        </p:nvPicPr>
+        <p:blipFill>
+          <a:blip r:embed="rId3">
+            <a:extLst>
+              <a:ext uri="{28A0092B-C50C-407E-A947-70E740481C1C}">
+                <a14:useLocalDpi xmlns:a14="http://schemas.microsoft.com/office/drawing/2010/main" val="0"/>
+              </a:ext>
+              <a:ext uri="{96DAC541-7B7A-43D3-8B79-37D633B846F1}">
+                <asvg:svgBlip xmlns:asvg="http://schemas.microsoft.com/office/drawing/2016/SVG/main" r:embed="rId4"/>
+              </a:ext>
+            </a:extLst>
+          </a:blip>
+          <a:stretch>
+            <a:fillRect/>
+          </a:stretch>
+        </p:blipFill>
+        <p:spPr>
+          <a:xfrm>
+            <a:off x="7907482" y="1724891"/>
+            <a:ext cx="3408218" cy="3408218"/>
+          </a:xfrm>
+          <a:prstGeom prst="rect">
+            <a:avLst/>
+          </a:prstGeom>
+        </p:spPr>
+      </p:pic>
+    </p:spTree>
+    <p:extLst>
+      <p:ext uri="{BB962C8B-B14F-4D97-AF65-F5344CB8AC3E}">
+        <p14:creationId xmlns:p14="http://schemas.microsoft.com/office/powerpoint/2010/main" val="3818140121"/>
+      </p:ext>
+    </p:extLst>
+  </p:cSld>
+  <p:clrMapOvr>
+    <a:masterClrMapping/>
+  </p:clrMapOvr>
+</p:sld>
+</file>
+
+<file path=ppt/slides/slide25.xml><?xml version="1.0" encoding="utf-8"?>
+<p:sld xmlns:a="http://schemas.openxmlformats.org/drawingml/2006/main" xmlns:r="http://schemas.openxmlformats.org/officeDocument/2006/relationships" xmlns:p="http://schemas.openxmlformats.org/presentationml/2006/main">
+  <p:cSld>
+    <p:spTree>
+      <p:nvGrpSpPr>
+        <p:cNvPr id="1" name=""/>
+        <p:cNvGrpSpPr/>
+        <p:nvPr/>
+      </p:nvGrpSpPr>
+      <p:grpSpPr>
+        <a:xfrm>
+          <a:off x="0" y="0"/>
+          <a:ext cx="0" cy="0"/>
+          <a:chOff x="0" y="0"/>
+          <a:chExt cx="0" cy="0"/>
+        </a:xfrm>
+      </p:grpSpPr>
+      <p:pic>
+        <p:nvPicPr>
+          <p:cNvPr id="4" name="Picture 3" descr="Triangular abstract background">
+            <a:extLst>
+              <a:ext uri="{FF2B5EF4-FFF2-40B4-BE49-F238E27FC236}">
+                <a16:creationId xmlns:a16="http://schemas.microsoft.com/office/drawing/2014/main" id="{1025C8CE-B8EC-9FDA-3C04-7414F8AFB6DA}"/>
+              </a:ext>
+            </a:extLst>
+          </p:cNvPr>
+          <p:cNvPicPr>
+            <a:picLocks noChangeAspect="1"/>
+          </p:cNvPicPr>
+          <p:nvPr/>
+        </p:nvPicPr>
+        <p:blipFill rotWithShape="1">
+          <a:blip r:embed="rId2">
+            <a:alphaModFix amt="60000"/>
+          </a:blip>
+          <a:srcRect t="15730"/>
+          <a:stretch/>
+        </p:blipFill>
+        <p:spPr>
+          <a:xfrm>
             <a:off x="1" y="1"/>
             <a:ext cx="12192000" cy="6858000"/>
           </a:xfrm>
@@ -6558,7 +6933,7 @@
 </p:sld>
 </file>
 
-<file path=ppt/slides/slide23.xml><?xml version="1.0" encoding="utf-8"?>
+<file path=ppt/slides/slide26.xml><?xml version="1.0" encoding="utf-8"?>
 <p:sld xmlns:a="http://schemas.openxmlformats.org/drawingml/2006/main" xmlns:r="http://schemas.openxmlformats.org/officeDocument/2006/relationships" xmlns:p="http://schemas.openxmlformats.org/presentationml/2006/main">
   <p:cSld>
     <p:spTree>
@@ -6720,6 +7095,724 @@
       </p:grpSpPr>
       <p:cxnSp>
         <p:nvCxnSpPr>
+          <p:cNvPr id="25" name="Straight Connector 24">
+            <a:extLst>
+              <a:ext uri="{FF2B5EF4-FFF2-40B4-BE49-F238E27FC236}">
+                <a16:creationId xmlns:a16="http://schemas.microsoft.com/office/drawing/2014/main" id="{D8689CE0-64D2-447C-9C1F-872D111D8AC3}"/>
+              </a:ext>
+              <a:ext uri="{C183D7F6-B498-43B3-948B-1728B52AA6E4}">
+                <adec:decorative xmlns:adec="http://schemas.microsoft.com/office/drawing/2017/decorative" val="1"/>
+              </a:ext>
+            </a:extLst>
+          </p:cNvPr>
+          <p:cNvCxnSpPr>
+            <a:cxnSpLocks noGrp="1" noRot="1" noChangeAspect="1" noMove="1" noResize="1" noEditPoints="1" noAdjustHandles="1" noChangeArrowheads="1" noChangeShapeType="1"/>
+          </p:cNvCxnSpPr>
+          <p:nvPr>
+            <p:extLst>
+              <p:ext uri="{386F3935-93C4-4BCD-93E2-E3B085C9AB24}">
+                <p16:designElem xmlns:p16="http://schemas.microsoft.com/office/powerpoint/2015/main" val="1"/>
+              </p:ext>
+            </p:extLst>
+          </p:nvPr>
+        </p:nvCxnSpPr>
+        <p:spPr>
+          <a:xfrm>
+            <a:off x="0" y="1185205"/>
+            <a:ext cx="804195" cy="0"/>
+          </a:xfrm>
+          <a:prstGeom prst="line">
+            <a:avLst/>
+          </a:prstGeom>
+          <a:ln w="85725">
+            <a:solidFill>
+              <a:schemeClr val="tx1"/>
+            </a:solidFill>
+          </a:ln>
+        </p:spPr>
+        <p:style>
+          <a:lnRef idx="1">
+            <a:schemeClr val="accent1"/>
+          </a:lnRef>
+          <a:fillRef idx="0">
+            <a:schemeClr val="accent1"/>
+          </a:fillRef>
+          <a:effectRef idx="0">
+            <a:schemeClr val="accent1"/>
+          </a:effectRef>
+          <a:fontRef idx="minor">
+            <a:schemeClr val="tx1"/>
+          </a:fontRef>
+        </p:style>
+      </p:cxnSp>
+      <p:sp useBgFill="1">
+        <p:nvSpPr>
+          <p:cNvPr id="26" name="Rectangle 25">
+            <a:extLst>
+              <a:ext uri="{FF2B5EF4-FFF2-40B4-BE49-F238E27FC236}">
+                <a16:creationId xmlns:a16="http://schemas.microsoft.com/office/drawing/2014/main" id="{A3B168A7-66FE-4359-9866-CBB841A729E6}"/>
+              </a:ext>
+              <a:ext uri="{C183D7F6-B498-43B3-948B-1728B52AA6E4}">
+                <adec:decorative xmlns:adec="http://schemas.microsoft.com/office/drawing/2017/decorative" val="1"/>
+              </a:ext>
+            </a:extLst>
+          </p:cNvPr>
+          <p:cNvSpPr>
+            <a:spLocks noGrp="1" noRot="1" noChangeAspect="1" noMove="1" noResize="1" noEditPoints="1" noAdjustHandles="1" noChangeArrowheads="1" noChangeShapeType="1" noTextEdit="1"/>
+          </p:cNvSpPr>
+          <p:nvPr>
+            <p:extLst>
+              <p:ext uri="{386F3935-93C4-4BCD-93E2-E3B085C9AB24}">
+                <p16:designElem xmlns:p16="http://schemas.microsoft.com/office/powerpoint/2015/main" val="1"/>
+              </p:ext>
+            </p:extLst>
+          </p:nvPr>
+        </p:nvSpPr>
+        <p:spPr>
+          <a:xfrm>
+            <a:off x="0" y="0"/>
+            <a:ext cx="12192000" cy="6858000"/>
+          </a:xfrm>
+          <a:prstGeom prst="rect">
+            <a:avLst/>
+          </a:prstGeom>
+          <a:ln w="12700" cap="flat" cmpd="sng" algn="ctr">
+            <a:noFill/>
+            <a:prstDash val="solid"/>
+            <a:miter lim="800000"/>
+          </a:ln>
+          <a:effectLst/>
+          <a:extLst>
+            <a:ext uri="{91240B29-F687-4F45-9708-019B960494DF}">
+              <a14:hiddenLine xmlns:a14="http://schemas.microsoft.com/office/drawing/2010/main" w="12700" cap="flat" cmpd="sng" algn="ctr">
+                <a:solidFill>
+                  <a:schemeClr val="accent1">
+                    <a:shade val="50000"/>
+                  </a:schemeClr>
+                </a:solidFill>
+                <a:prstDash val="solid"/>
+                <a:miter lim="800000"/>
+              </a14:hiddenLine>
+            </a:ext>
+          </a:extLst>
+        </p:spPr>
+        <p:style>
+          <a:lnRef idx="2">
+            <a:schemeClr val="accent1">
+              <a:shade val="50000"/>
+            </a:schemeClr>
+          </a:lnRef>
+          <a:fillRef idx="1">
+            <a:schemeClr val="accent1"/>
+          </a:fillRef>
+          <a:effectRef idx="0">
+            <a:schemeClr val="accent1"/>
+          </a:effectRef>
+          <a:fontRef idx="minor">
+            <a:schemeClr val="lt1"/>
+          </a:fontRef>
+        </p:style>
+        <p:txBody>
+          <a:bodyPr rtlCol="0" anchor="ctr"/>
+          <a:lstStyle/>
+          <a:p>
+            <a:pPr algn="ctr"/>
+            <a:endParaRPr lang="en-US"/>
+          </a:p>
+        </p:txBody>
+      </p:sp>
+      <p:sp>
+        <p:nvSpPr>
+          <p:cNvPr id="2" name="Subtitle 7">
+            <a:extLst>
+              <a:ext uri="{FF2B5EF4-FFF2-40B4-BE49-F238E27FC236}">
+                <a16:creationId xmlns:a16="http://schemas.microsoft.com/office/drawing/2014/main" id="{A1CC9801-B8B7-48E0-178F-E64681752E5A}"/>
+              </a:ext>
+            </a:extLst>
+          </p:cNvPr>
+          <p:cNvSpPr txBox="1">
+            <a:spLocks/>
+          </p:cNvSpPr>
+          <p:nvPr/>
+        </p:nvSpPr>
+        <p:spPr>
+          <a:xfrm>
+            <a:off x="1091204" y="819524"/>
+            <a:ext cx="4895528" cy="983398"/>
+          </a:xfrm>
+          <a:prstGeom prst="rect">
+            <a:avLst/>
+          </a:prstGeom>
+        </p:spPr>
+        <p:txBody>
+          <a:bodyPr vert="horz" lIns="91440" tIns="45720" rIns="91440" bIns="45720" rtlCol="0" anchor="t">
+            <a:normAutofit/>
+          </a:bodyPr>
+          <a:lstStyle>
+            <a:lvl1pPr marL="0" indent="0" algn="l" defTabSz="914400" rtl="0" eaLnBrk="1" latinLnBrk="0" hangingPunct="1">
+              <a:lnSpc>
+                <a:spcPct val="120000"/>
+              </a:lnSpc>
+              <a:spcBef>
+                <a:spcPts val="1000"/>
+              </a:spcBef>
+              <a:buFont typeface="Neue Haas Grotesk Text Pro" panose="020B0504020202020204" pitchFamily="34" charset="0"/>
+              <a:buNone/>
+              <a:defRPr sz="2000" kern="1200">
+                <a:solidFill>
+                  <a:schemeClr val="tx1"/>
+                </a:solidFill>
+                <a:latin typeface="+mn-lt"/>
+                <a:ea typeface="+mn-ea"/>
+                <a:cs typeface="+mn-cs"/>
+              </a:defRPr>
+            </a:lvl1pPr>
+            <a:lvl2pPr marL="457200" indent="0" algn="ctr" defTabSz="914400" rtl="0" eaLnBrk="1" latinLnBrk="0" hangingPunct="1">
+              <a:lnSpc>
+                <a:spcPct val="130000"/>
+              </a:lnSpc>
+              <a:spcBef>
+                <a:spcPts val="500"/>
+              </a:spcBef>
+              <a:buFont typeface="Neue Haas Grotesk Text Pro" panose="020B0504020202020204" pitchFamily="34" charset="0"/>
+              <a:buNone/>
+              <a:defRPr sz="2000" kern="1200">
+                <a:solidFill>
+                  <a:schemeClr val="tx1"/>
+                </a:solidFill>
+                <a:latin typeface="+mn-lt"/>
+                <a:ea typeface="+mn-ea"/>
+                <a:cs typeface="+mn-cs"/>
+              </a:defRPr>
+            </a:lvl2pPr>
+            <a:lvl3pPr marL="914400" indent="0" algn="ctr" defTabSz="914400" rtl="0" eaLnBrk="1" latinLnBrk="0" hangingPunct="1">
+              <a:lnSpc>
+                <a:spcPct val="130000"/>
+              </a:lnSpc>
+              <a:spcBef>
+                <a:spcPts val="500"/>
+              </a:spcBef>
+              <a:buFont typeface="Neue Haas Grotesk Text Pro" panose="020B0504020202020204" pitchFamily="34" charset="0"/>
+              <a:buNone/>
+              <a:defRPr sz="1800" kern="1200">
+                <a:solidFill>
+                  <a:schemeClr val="tx1"/>
+                </a:solidFill>
+                <a:latin typeface="+mn-lt"/>
+                <a:ea typeface="+mn-ea"/>
+                <a:cs typeface="+mn-cs"/>
+              </a:defRPr>
+            </a:lvl3pPr>
+            <a:lvl4pPr marL="1371600" indent="0" algn="ctr" defTabSz="914400" rtl="0" eaLnBrk="1" latinLnBrk="0" hangingPunct="1">
+              <a:lnSpc>
+                <a:spcPct val="130000"/>
+              </a:lnSpc>
+              <a:spcBef>
+                <a:spcPts val="500"/>
+              </a:spcBef>
+              <a:buFont typeface="Neue Haas Grotesk Text Pro" panose="020B0504020202020204" pitchFamily="34" charset="0"/>
+              <a:buNone/>
+              <a:defRPr sz="1600" kern="1200">
+                <a:solidFill>
+                  <a:schemeClr val="tx1"/>
+                </a:solidFill>
+                <a:latin typeface="+mn-lt"/>
+                <a:ea typeface="+mn-ea"/>
+                <a:cs typeface="+mn-cs"/>
+              </a:defRPr>
+            </a:lvl4pPr>
+            <a:lvl5pPr marL="1828800" indent="0" algn="ctr" defTabSz="914400" rtl="0" eaLnBrk="1" latinLnBrk="0" hangingPunct="1">
+              <a:lnSpc>
+                <a:spcPct val="130000"/>
+              </a:lnSpc>
+              <a:spcBef>
+                <a:spcPts val="500"/>
+              </a:spcBef>
+              <a:buFont typeface="Neue Haas Grotesk Text Pro" panose="020B0504020202020204" pitchFamily="34" charset="0"/>
+              <a:buNone/>
+              <a:defRPr sz="1600" kern="1200">
+                <a:solidFill>
+                  <a:schemeClr val="tx1"/>
+                </a:solidFill>
+                <a:latin typeface="+mn-lt"/>
+                <a:ea typeface="+mn-ea"/>
+                <a:cs typeface="+mn-cs"/>
+              </a:defRPr>
+            </a:lvl5pPr>
+            <a:lvl6pPr marL="2286000" indent="0" algn="ctr" defTabSz="914400" rtl="0" eaLnBrk="1" latinLnBrk="0" hangingPunct="1">
+              <a:lnSpc>
+                <a:spcPct val="90000"/>
+              </a:lnSpc>
+              <a:spcBef>
+                <a:spcPts val="500"/>
+              </a:spcBef>
+              <a:buFont typeface="Arial" panose="020B0604020202020204" pitchFamily="34" charset="0"/>
+              <a:buNone/>
+              <a:defRPr sz="1600" kern="1200">
+                <a:solidFill>
+                  <a:schemeClr val="tx1"/>
+                </a:solidFill>
+                <a:latin typeface="+mn-lt"/>
+                <a:ea typeface="+mn-ea"/>
+                <a:cs typeface="+mn-cs"/>
+              </a:defRPr>
+            </a:lvl6pPr>
+            <a:lvl7pPr marL="2743200" indent="0" algn="ctr" defTabSz="914400" rtl="0" eaLnBrk="1" latinLnBrk="0" hangingPunct="1">
+              <a:lnSpc>
+                <a:spcPct val="90000"/>
+              </a:lnSpc>
+              <a:spcBef>
+                <a:spcPts val="500"/>
+              </a:spcBef>
+              <a:buFont typeface="Arial" panose="020B0604020202020204" pitchFamily="34" charset="0"/>
+              <a:buNone/>
+              <a:defRPr sz="1600" kern="1200">
+                <a:solidFill>
+                  <a:schemeClr val="tx1"/>
+                </a:solidFill>
+                <a:latin typeface="+mn-lt"/>
+                <a:ea typeface="+mn-ea"/>
+                <a:cs typeface="+mn-cs"/>
+              </a:defRPr>
+            </a:lvl7pPr>
+            <a:lvl8pPr marL="3200400" indent="0" algn="ctr" defTabSz="914400" rtl="0" eaLnBrk="1" latinLnBrk="0" hangingPunct="1">
+              <a:lnSpc>
+                <a:spcPct val="90000"/>
+              </a:lnSpc>
+              <a:spcBef>
+                <a:spcPts val="500"/>
+              </a:spcBef>
+              <a:buFont typeface="Arial" panose="020B0604020202020204" pitchFamily="34" charset="0"/>
+              <a:buNone/>
+              <a:defRPr sz="1600" kern="1200">
+                <a:solidFill>
+                  <a:schemeClr val="tx1"/>
+                </a:solidFill>
+                <a:latin typeface="+mn-lt"/>
+                <a:ea typeface="+mn-ea"/>
+                <a:cs typeface="+mn-cs"/>
+              </a:defRPr>
+            </a:lvl8pPr>
+            <a:lvl9pPr marL="3657600" indent="0" algn="ctr" defTabSz="914400" rtl="0" eaLnBrk="1" latinLnBrk="0" hangingPunct="1">
+              <a:lnSpc>
+                <a:spcPct val="90000"/>
+              </a:lnSpc>
+              <a:spcBef>
+                <a:spcPts val="500"/>
+              </a:spcBef>
+              <a:buFont typeface="Arial" panose="020B0604020202020204" pitchFamily="34" charset="0"/>
+              <a:buNone/>
+              <a:defRPr sz="1600" kern="1200">
+                <a:solidFill>
+                  <a:schemeClr val="tx1"/>
+                </a:solidFill>
+                <a:latin typeface="+mn-lt"/>
+                <a:ea typeface="+mn-ea"/>
+                <a:cs typeface="+mn-cs"/>
+              </a:defRPr>
+            </a:lvl9pPr>
+          </a:lstStyle>
+          <a:p>
+            <a:pPr>
+              <a:lnSpc>
+                <a:spcPct val="85000"/>
+              </a:lnSpc>
+              <a:spcBef>
+                <a:spcPct val="0"/>
+              </a:spcBef>
+              <a:spcAft>
+                <a:spcPts val="600"/>
+              </a:spcAft>
+            </a:pPr>
+            <a:r>
+              <a:rPr lang="en-US" sz="5400" b="1" dirty="0">
+                <a:latin typeface="+mj-lt"/>
+                <a:ea typeface="+mj-ea"/>
+                <a:cs typeface="+mj-cs"/>
+              </a:rPr>
+              <a:t>Agenda</a:t>
+            </a:r>
+            <a:endParaRPr lang="en-US" sz="5400" b="1" kern="1200" cap="none" baseline="0" dirty="0">
+              <a:solidFill>
+                <a:schemeClr val="tx1"/>
+              </a:solidFill>
+              <a:latin typeface="+mj-lt"/>
+              <a:ea typeface="+mj-ea"/>
+              <a:cs typeface="+mj-cs"/>
+            </a:endParaRPr>
+          </a:p>
+        </p:txBody>
+      </p:sp>
+      <p:cxnSp>
+        <p:nvCxnSpPr>
+          <p:cNvPr id="27" name="Straight Connector 26">
+            <a:extLst>
+              <a:ext uri="{FF2B5EF4-FFF2-40B4-BE49-F238E27FC236}">
+                <a16:creationId xmlns:a16="http://schemas.microsoft.com/office/drawing/2014/main" id="{F0748755-DDBC-46D0-91EC-1212A8EE2B40}"/>
+              </a:ext>
+              <a:ext uri="{C183D7F6-B498-43B3-948B-1728B52AA6E4}">
+                <adec:decorative xmlns:adec="http://schemas.microsoft.com/office/drawing/2017/decorative" val="1"/>
+              </a:ext>
+            </a:extLst>
+          </p:cNvPr>
+          <p:cNvCxnSpPr>
+            <a:cxnSpLocks noGrp="1" noRot="1" noChangeAspect="1" noMove="1" noResize="1" noEditPoints="1" noAdjustHandles="1" noChangeArrowheads="1" noChangeShapeType="1"/>
+          </p:cNvCxnSpPr>
+          <p:nvPr>
+            <p:extLst>
+              <p:ext uri="{386F3935-93C4-4BCD-93E2-E3B085C9AB24}">
+                <p16:designElem xmlns:p16="http://schemas.microsoft.com/office/powerpoint/2015/main" val="1"/>
+              </p:ext>
+            </p:extLst>
+          </p:nvPr>
+        </p:nvCxnSpPr>
+        <p:spPr>
+          <a:xfrm>
+            <a:off x="0" y="1186344"/>
+            <a:ext cx="804195" cy="0"/>
+          </a:xfrm>
+          <a:prstGeom prst="line">
+            <a:avLst/>
+          </a:prstGeom>
+          <a:ln w="85725">
+            <a:solidFill>
+              <a:schemeClr val="tx1"/>
+            </a:solidFill>
+          </a:ln>
+        </p:spPr>
+        <p:style>
+          <a:lnRef idx="1">
+            <a:schemeClr val="accent1"/>
+          </a:lnRef>
+          <a:fillRef idx="0">
+            <a:schemeClr val="accent1"/>
+          </a:fillRef>
+          <a:effectRef idx="0">
+            <a:schemeClr val="accent1"/>
+          </a:effectRef>
+          <a:fontRef idx="minor">
+            <a:schemeClr val="tx1"/>
+          </a:fontRef>
+        </p:style>
+      </p:cxnSp>
+      <p:pic>
+        <p:nvPicPr>
+          <p:cNvPr id="4" name="Picture 3" descr="Triangular abstract background">
+            <a:extLst>
+              <a:ext uri="{FF2B5EF4-FFF2-40B4-BE49-F238E27FC236}">
+                <a16:creationId xmlns:a16="http://schemas.microsoft.com/office/drawing/2014/main" id="{1025C8CE-B8EC-9FDA-3C04-7414F8AFB6DA}"/>
+              </a:ext>
+            </a:extLst>
+          </p:cNvPr>
+          <p:cNvPicPr>
+            <a:picLocks noChangeAspect="1"/>
+          </p:cNvPicPr>
+          <p:nvPr/>
+        </p:nvPicPr>
+        <p:blipFill rotWithShape="1">
+          <a:blip r:embed="rId2"/>
+          <a:srcRect l="12095" r="23008" b="-1"/>
+          <a:stretch/>
+        </p:blipFill>
+        <p:spPr>
+          <a:xfrm>
+            <a:off x="5524499" y="10"/>
+            <a:ext cx="6667501" cy="6857990"/>
+          </a:xfrm>
+          <a:prstGeom prst="rect">
+            <a:avLst/>
+          </a:prstGeom>
+        </p:spPr>
+      </p:pic>
+      <p:sp>
+        <p:nvSpPr>
+          <p:cNvPr id="8" name="Subtitle 7">
+            <a:extLst>
+              <a:ext uri="{FF2B5EF4-FFF2-40B4-BE49-F238E27FC236}">
+                <a16:creationId xmlns:a16="http://schemas.microsoft.com/office/drawing/2014/main" id="{D30805F3-4F6A-67CA-187D-4C8F34B70B26}"/>
+              </a:ext>
+            </a:extLst>
+          </p:cNvPr>
+          <p:cNvSpPr>
+            <a:spLocks noGrp="1"/>
+          </p:cNvSpPr>
+          <p:nvPr>
+            <p:ph type="subTitle" idx="1"/>
+          </p:nvPr>
+        </p:nvSpPr>
+        <p:spPr>
+          <a:xfrm>
+            <a:off x="804195" y="1915065"/>
+            <a:ext cx="9883933" cy="4408095"/>
+          </a:xfrm>
+        </p:spPr>
+        <p:txBody>
+          <a:bodyPr vert="horz" lIns="91440" tIns="45720" rIns="91440" bIns="45720" rtlCol="0">
+            <a:normAutofit fontScale="25000" lnSpcReduction="20000"/>
+          </a:bodyPr>
+          <a:lstStyle/>
+          <a:p>
+            <a:pPr marL="685800" indent="-685800">
+              <a:buFont typeface="Wingdings" panose="05000000000000000000" pitchFamily="2" charset="2"/>
+              <a:buChar char="q"/>
+            </a:pPr>
+            <a:r>
+              <a:rPr lang="en-US" sz="6400" b="1" dirty="0">
+                <a:solidFill>
+                  <a:srgbClr val="FF0000"/>
+                </a:solidFill>
+                <a:latin typeface="+mj-lt"/>
+                <a:ea typeface="+mj-ea"/>
+                <a:cs typeface="+mj-cs"/>
+              </a:rPr>
+              <a:t>Geospatial Visualization</a:t>
+            </a:r>
+            <a:r>
+              <a:rPr lang="en-US" sz="6400" b="1" dirty="0">
+                <a:latin typeface="+mj-lt"/>
+                <a:ea typeface="+mj-ea"/>
+                <a:cs typeface="+mj-cs"/>
+              </a:rPr>
+              <a:t>: How looks the distribution of successful YouTube channels on a world map like and which geographical trends can be observed?</a:t>
+            </a:r>
+            <a:endParaRPr lang="en-US" sz="6400" b="1" dirty="0">
+              <a:solidFill>
+                <a:srgbClr val="FF0000"/>
+              </a:solidFill>
+              <a:latin typeface="+mj-lt"/>
+              <a:ea typeface="+mj-ea"/>
+              <a:cs typeface="+mj-cs"/>
+            </a:endParaRPr>
+          </a:p>
+          <a:p>
+            <a:pPr marL="685800" indent="-685800">
+              <a:buFont typeface="Wingdings" panose="05000000000000000000" pitchFamily="2" charset="2"/>
+              <a:buChar char="q"/>
+            </a:pPr>
+            <a:r>
+              <a:rPr lang="en-US" sz="6400" b="1" dirty="0">
+                <a:solidFill>
+                  <a:srgbClr val="FF0000"/>
+                </a:solidFill>
+                <a:latin typeface="+mj-lt"/>
+                <a:ea typeface="+mj-ea"/>
+                <a:cs typeface="+mj-cs"/>
+              </a:rPr>
+              <a:t>Content Strategy</a:t>
+            </a:r>
+            <a:r>
+              <a:rPr lang="en-US" sz="6400" b="1" dirty="0">
+                <a:latin typeface="+mj-lt"/>
+                <a:ea typeface="+mj-ea"/>
+                <a:cs typeface="+mj-cs"/>
+              </a:rPr>
+              <a:t>: Which are in 2022 the most popular categories and upload frequencies that resonate with audiences?</a:t>
+            </a:r>
+          </a:p>
+          <a:p>
+            <a:pPr marL="685800" indent="-685800">
+              <a:buFont typeface="Wingdings" panose="05000000000000000000" pitchFamily="2" charset="2"/>
+              <a:buChar char="q"/>
+            </a:pPr>
+            <a:r>
+              <a:rPr lang="en-US" sz="6400" b="1" dirty="0">
+                <a:solidFill>
+                  <a:srgbClr val="FF0000"/>
+                </a:solidFill>
+                <a:latin typeface="+mj-lt"/>
+                <a:ea typeface="+mj-ea"/>
+                <a:cs typeface="+mj-cs"/>
+              </a:rPr>
+              <a:t>Trending Topics</a:t>
+            </a:r>
+            <a:r>
+              <a:rPr lang="en-US" sz="6400" b="1" dirty="0">
+                <a:latin typeface="+mj-lt"/>
+                <a:ea typeface="+mj-ea"/>
+                <a:cs typeface="+mj-cs"/>
+              </a:rPr>
+              <a:t>: how certain categories gain popularity over time and correlate with world events?</a:t>
+            </a:r>
+          </a:p>
+          <a:p>
+            <a:pPr marL="685800" indent="-685800">
+              <a:buFont typeface="Wingdings" panose="05000000000000000000" pitchFamily="2" charset="2"/>
+              <a:buChar char="q"/>
+            </a:pPr>
+            <a:r>
+              <a:rPr lang="en-US" sz="6400" b="1" dirty="0">
+                <a:solidFill>
+                  <a:srgbClr val="FF0000"/>
+                </a:solidFill>
+                <a:latin typeface="+mj-lt"/>
+                <a:ea typeface="+mj-ea"/>
+                <a:cs typeface="+mj-cs"/>
+              </a:rPr>
+              <a:t>Regional Influencers</a:t>
+            </a:r>
+            <a:r>
+              <a:rPr lang="en-US" sz="6400" b="1" dirty="0">
+                <a:latin typeface="+mj-lt"/>
+                <a:ea typeface="+mj-ea"/>
+                <a:cs typeface="+mj-cs"/>
+              </a:rPr>
+              <a:t>: Who are the influential YouTube creators from different countries, and which is their impact on a global scale?</a:t>
+            </a:r>
+          </a:p>
+          <a:p>
+            <a:pPr marL="685800" indent="-685800">
+              <a:buFont typeface="Wingdings" panose="05000000000000000000" pitchFamily="2" charset="2"/>
+              <a:buChar char="q"/>
+            </a:pPr>
+            <a:r>
+              <a:rPr lang="en-US" sz="6400" b="1" dirty="0">
+                <a:solidFill>
+                  <a:srgbClr val="FF0000"/>
+                </a:solidFill>
+                <a:latin typeface="+mj-lt"/>
+                <a:ea typeface="+mj-ea"/>
+                <a:cs typeface="+mj-cs"/>
+              </a:rPr>
+              <a:t>YouTube Analytics</a:t>
+            </a:r>
+            <a:r>
+              <a:rPr lang="en-US" sz="6400" b="1" dirty="0">
+                <a:latin typeface="+mj-lt"/>
+                <a:ea typeface="+mj-ea"/>
+                <a:cs typeface="+mj-cs"/>
+              </a:rPr>
+              <a:t>: Which are the success factors of top YouTube channels and what sets them apart from the rest?</a:t>
+            </a:r>
+          </a:p>
+          <a:p>
+            <a:pPr marL="685800" indent="-685800">
+              <a:buFont typeface="Wingdings" panose="05000000000000000000" pitchFamily="2" charset="2"/>
+              <a:buChar char="q"/>
+            </a:pPr>
+            <a:r>
+              <a:rPr lang="en-US" sz="6400" b="1" dirty="0">
+                <a:solidFill>
+                  <a:srgbClr val="FF0000"/>
+                </a:solidFill>
+                <a:latin typeface="+mj-lt"/>
+                <a:ea typeface="+mj-ea"/>
+                <a:cs typeface="+mj-cs"/>
+              </a:rPr>
+              <a:t>Earnings Analysis</a:t>
+            </a:r>
+            <a:r>
+              <a:rPr lang="en-US" sz="6400" b="1" dirty="0">
+                <a:latin typeface="+mj-lt"/>
+                <a:ea typeface="+mj-ea"/>
+                <a:cs typeface="+mj-cs"/>
+              </a:rPr>
+              <a:t>: How does the correlation between channel performance and estimated earnings looks like?</a:t>
+            </a:r>
+          </a:p>
+          <a:p>
+            <a:pPr marL="685800" indent="-685800">
+              <a:buFont typeface="Wingdings" panose="05000000000000000000" pitchFamily="2" charset="2"/>
+              <a:buChar char="q"/>
+            </a:pPr>
+            <a:r>
+              <a:rPr lang="en-US" sz="6400" b="1" dirty="0">
+                <a:solidFill>
+                  <a:srgbClr val="FF0000"/>
+                </a:solidFill>
+                <a:latin typeface="+mj-lt"/>
+                <a:ea typeface="+mj-ea"/>
+                <a:cs typeface="+mj-cs"/>
+              </a:rPr>
+              <a:t>Modeling</a:t>
+            </a:r>
+            <a:r>
+              <a:rPr lang="en-US" sz="6400" b="1" dirty="0">
+                <a:latin typeface="+mj-lt"/>
+                <a:ea typeface="+mj-ea"/>
+                <a:cs typeface="+mj-cs"/>
+              </a:rPr>
+              <a:t>: Future subscribers. </a:t>
+            </a:r>
+          </a:p>
+          <a:p>
+            <a:pPr indent="-228600">
+              <a:buFont typeface="Neue Haas Grotesk Text Pro" panose="020B0504020202020204" pitchFamily="34" charset="0"/>
+              <a:buChar char="-"/>
+            </a:pPr>
+            <a:br>
+              <a:rPr lang="en-US" sz="500" b="0" dirty="0">
+                <a:effectLst/>
+              </a:rPr>
+            </a:br>
+            <a:endParaRPr lang="en-US" sz="500" b="0" dirty="0">
+              <a:effectLst/>
+            </a:endParaRPr>
+          </a:p>
+          <a:p>
+            <a:pPr indent="-228600">
+              <a:buFont typeface="Neue Haas Grotesk Text Pro" panose="020B0504020202020204" pitchFamily="34" charset="0"/>
+              <a:buChar char="-"/>
+            </a:pPr>
+            <a:endParaRPr lang="en-US" sz="500" b="0" dirty="0">
+              <a:effectLst/>
+            </a:endParaRPr>
+          </a:p>
+          <a:p>
+            <a:pPr indent="-228600">
+              <a:buFont typeface="Neue Haas Grotesk Text Pro" panose="020B0504020202020204" pitchFamily="34" charset="0"/>
+              <a:buChar char="-"/>
+            </a:pPr>
+            <a:br>
+              <a:rPr lang="en-US" sz="500" b="0" dirty="0">
+                <a:effectLst/>
+              </a:rPr>
+            </a:br>
+            <a:endParaRPr lang="en-US" sz="500" b="0" dirty="0">
+              <a:effectLst/>
+            </a:endParaRPr>
+          </a:p>
+        </p:txBody>
+      </p:sp>
+    </p:spTree>
+    <p:extLst>
+      <p:ext uri="{BB962C8B-B14F-4D97-AF65-F5344CB8AC3E}">
+        <p14:creationId xmlns:p14="http://schemas.microsoft.com/office/powerpoint/2010/main" val="2103522531"/>
+      </p:ext>
+    </p:extLst>
+  </p:cSld>
+  <p:clrMapOvr>
+    <a:masterClrMapping/>
+  </p:clrMapOvr>
+</p:sld>
+</file>
+
+<file path=ppt/slides/slide4.xml><?xml version="1.0" encoding="utf-8"?>
+<p:sld xmlns:a="http://schemas.openxmlformats.org/drawingml/2006/main" xmlns:r="http://schemas.openxmlformats.org/officeDocument/2006/relationships" xmlns:p="http://schemas.openxmlformats.org/presentationml/2006/main">
+  <p:cSld>
+    <p:bg>
+      <p:bgPr>
+        <a:solidFill>
+          <a:schemeClr val="bg1"/>
+        </a:solidFill>
+        <a:effectLst/>
+      </p:bgPr>
+    </p:bg>
+    <p:spTree>
+      <p:nvGrpSpPr>
+        <p:cNvPr id="1" name=""/>
+        <p:cNvGrpSpPr/>
+        <p:nvPr/>
+      </p:nvGrpSpPr>
+      <p:grpSpPr>
+        <a:xfrm>
+          <a:off x="0" y="0"/>
+          <a:ext cx="0" cy="0"/>
+          <a:chOff x="0" y="0"/>
+          <a:chExt cx="0" cy="0"/>
+        </a:xfrm>
+      </p:grpSpPr>
+      <p:cxnSp>
+        <p:nvCxnSpPr>
           <p:cNvPr id="21" name="Straight Connector 20">
             <a:extLst>
               <a:ext uri="{FF2B5EF4-FFF2-40B4-BE49-F238E27FC236}">
@@ -7219,128 +8312,6 @@
     <p:extLst>
       <p:ext uri="{BB962C8B-B14F-4D97-AF65-F5344CB8AC3E}">
         <p14:creationId xmlns:p14="http://schemas.microsoft.com/office/powerpoint/2010/main" val="513449834"/>
-      </p:ext>
-    </p:extLst>
-  </p:cSld>
-  <p:clrMapOvr>
-    <a:masterClrMapping/>
-  </p:clrMapOvr>
-</p:sld>
-</file>
-
-<file path=ppt/slides/slide4.xml><?xml version="1.0" encoding="utf-8"?>
-<p:sld xmlns:a="http://schemas.openxmlformats.org/drawingml/2006/main" xmlns:r="http://schemas.openxmlformats.org/officeDocument/2006/relationships" xmlns:p="http://schemas.openxmlformats.org/presentationml/2006/main">
-  <p:cSld>
-    <p:spTree>
-      <p:nvGrpSpPr>
-        <p:cNvPr id="1" name=""/>
-        <p:cNvGrpSpPr/>
-        <p:nvPr/>
-      </p:nvGrpSpPr>
-      <p:grpSpPr>
-        <a:xfrm>
-          <a:off x="0" y="0"/>
-          <a:ext cx="0" cy="0"/>
-          <a:chOff x="0" y="0"/>
-          <a:chExt cx="0" cy="0"/>
-        </a:xfrm>
-      </p:grpSpPr>
-      <p:pic>
-        <p:nvPicPr>
-          <p:cNvPr id="4" name="Picture 3" descr="Triangular abstract background">
-            <a:extLst>
-              <a:ext uri="{FF2B5EF4-FFF2-40B4-BE49-F238E27FC236}">
-                <a16:creationId xmlns:a16="http://schemas.microsoft.com/office/drawing/2014/main" id="{1025C8CE-B8EC-9FDA-3C04-7414F8AFB6DA}"/>
-              </a:ext>
-            </a:extLst>
-          </p:cNvPr>
-          <p:cNvPicPr>
-            <a:picLocks noChangeAspect="1"/>
-          </p:cNvPicPr>
-          <p:nvPr/>
-        </p:nvPicPr>
-        <p:blipFill rotWithShape="1">
-          <a:blip r:embed="rId2">
-            <a:alphaModFix amt="60000"/>
-          </a:blip>
-          <a:srcRect t="15730"/>
-          <a:stretch/>
-        </p:blipFill>
-        <p:spPr>
-          <a:xfrm>
-            <a:off x="1" y="1"/>
-            <a:ext cx="12192000" cy="6858000"/>
-          </a:xfrm>
-          <a:prstGeom prst="rect">
-            <a:avLst/>
-          </a:prstGeom>
-        </p:spPr>
-      </p:pic>
-      <p:sp>
-        <p:nvSpPr>
-          <p:cNvPr id="8" name="Subtitle 7">
-            <a:extLst>
-              <a:ext uri="{FF2B5EF4-FFF2-40B4-BE49-F238E27FC236}">
-                <a16:creationId xmlns:a16="http://schemas.microsoft.com/office/drawing/2014/main" id="{D30805F3-4F6A-67CA-187D-4C8F34B70B26}"/>
-              </a:ext>
-            </a:extLst>
-          </p:cNvPr>
-          <p:cNvSpPr>
-            <a:spLocks noGrp="1"/>
-          </p:cNvSpPr>
-          <p:nvPr>
-            <p:ph type="subTitle" idx="1"/>
-          </p:nvPr>
-        </p:nvSpPr>
-        <p:spPr/>
-        <p:txBody>
-          <a:bodyPr/>
-          <a:lstStyle/>
-          <a:p>
-            <a:endParaRPr lang="es-ES" dirty="0"/>
-          </a:p>
-        </p:txBody>
-      </p:sp>
-      <p:pic>
-        <p:nvPicPr>
-          <p:cNvPr id="3" name="Picture 2" descr="A graph of a bar graph&#10;&#10;Description automatically generated">
-            <a:extLst>
-              <a:ext uri="{FF2B5EF4-FFF2-40B4-BE49-F238E27FC236}">
-                <a16:creationId xmlns:a16="http://schemas.microsoft.com/office/drawing/2014/main" id="{BE6E59DC-7754-7AD5-BFE5-6D3996FC49E6}"/>
-              </a:ext>
-            </a:extLst>
-          </p:cNvPr>
-          <p:cNvPicPr>
-            <a:picLocks noChangeAspect="1"/>
-          </p:cNvPicPr>
-          <p:nvPr/>
-        </p:nvPicPr>
-        <p:blipFill>
-          <a:blip r:embed="rId3">
-            <a:extLst>
-              <a:ext uri="{28A0092B-C50C-407E-A947-70E740481C1C}">
-                <a14:useLocalDpi xmlns:a14="http://schemas.microsoft.com/office/drawing/2010/main" val="0"/>
-              </a:ext>
-            </a:extLst>
-          </a:blip>
-          <a:stretch>
-            <a:fillRect/>
-          </a:stretch>
-        </p:blipFill>
-        <p:spPr>
-          <a:xfrm>
-            <a:off x="1042737" y="0"/>
-            <a:ext cx="10106526" cy="6858000"/>
-          </a:xfrm>
-          <a:prstGeom prst="rect">
-            <a:avLst/>
-          </a:prstGeom>
-        </p:spPr>
-      </p:pic>
-    </p:spTree>
-    <p:extLst>
-      <p:ext uri="{BB962C8B-B14F-4D97-AF65-F5344CB8AC3E}">
-        <p14:creationId xmlns:p14="http://schemas.microsoft.com/office/powerpoint/2010/main" val="3208531816"/>
       </p:ext>
     </p:extLst>
   </p:cSld>
@@ -7414,90 +8385,55 @@
             <p:ph type="subTitle" idx="1"/>
           </p:nvPr>
         </p:nvSpPr>
-        <p:spPr>
-          <a:xfrm>
-            <a:off x="1916272" y="2454292"/>
-            <a:ext cx="9288096" cy="1435331"/>
-          </a:xfrm>
-        </p:spPr>
-        <p:txBody>
-          <a:bodyPr>
-            <a:normAutofit lnSpcReduction="10000"/>
-          </a:bodyPr>
+        <p:spPr/>
+        <p:txBody>
+          <a:bodyPr/>
           <a:lstStyle/>
           <a:p>
-            <a:r>
-              <a:rPr kumimoji="0" lang="en-US" sz="5900" b="1" i="0" u="none" strike="noStrike" kern="1200" cap="all" spc="0" normalizeH="0" baseline="0" noProof="0" dirty="0">
-                <a:ln>
-                  <a:noFill/>
-                </a:ln>
-                <a:effectLst/>
-                <a:uLnTx/>
-                <a:uFillTx/>
-                <a:latin typeface="Neue Haas Grotesk Text Pro"/>
-                <a:ea typeface="+mj-ea"/>
-                <a:cs typeface="+mj-cs"/>
-              </a:rPr>
-              <a:t>Content</a:t>
-            </a:r>
-            <a:r>
-              <a:rPr kumimoji="0" lang="en-US" sz="5900" b="1" i="0" u="none" strike="noStrike" kern="1200" cap="all" spc="0" normalizeH="0" baseline="0" noProof="0" dirty="0">
-                <a:ln>
-                  <a:noFill/>
-                </a:ln>
-                <a:solidFill>
-                  <a:srgbClr val="FFFFFF"/>
-                </a:solidFill>
-                <a:effectLst/>
-                <a:uLnTx/>
-                <a:uFillTx/>
-                <a:latin typeface="Neue Haas Grotesk Text Pro"/>
-                <a:ea typeface="+mj-ea"/>
-                <a:cs typeface="+mj-cs"/>
-              </a:rPr>
-              <a:t> </a:t>
-            </a:r>
-            <a:r>
-              <a:rPr kumimoji="0" lang="en-US" sz="5900" b="1" i="0" u="none" strike="noStrike" kern="1200" cap="all" spc="0" normalizeH="0" baseline="0" noProof="0" dirty="0">
-                <a:ln>
-                  <a:noFill/>
-                </a:ln>
-                <a:solidFill>
-                  <a:srgbClr val="FF0000"/>
-                </a:solidFill>
-                <a:effectLst/>
-                <a:uLnTx/>
-                <a:uFillTx/>
-                <a:latin typeface="Neue Haas Grotesk Text Pro"/>
-                <a:ea typeface="+mj-ea"/>
-                <a:cs typeface="+mj-cs"/>
-              </a:rPr>
-              <a:t>strategy</a:t>
-            </a:r>
-            <a:br>
-              <a:rPr kumimoji="0" lang="en-US" sz="5900" b="1" i="0" u="none" strike="noStrike" kern="1200" cap="all" spc="0" normalizeH="0" baseline="0" noProof="0" dirty="0">
-                <a:ln>
-                  <a:noFill/>
-                </a:ln>
-                <a:solidFill>
-                  <a:srgbClr val="FFFFFF"/>
-                </a:solidFill>
-                <a:effectLst/>
-                <a:uLnTx/>
-                <a:uFillTx/>
-                <a:latin typeface="Neue Haas Grotesk Text Pro"/>
-                <a:ea typeface="+mj-ea"/>
-                <a:cs typeface="+mj-cs"/>
-              </a:rPr>
-            </a:br>
             <a:endParaRPr lang="es-ES" dirty="0"/>
           </a:p>
         </p:txBody>
       </p:sp>
+      <p:pic>
+        <p:nvPicPr>
+          <p:cNvPr id="3" name="Picture 2" descr="A graph of a bar graph&#10;&#10;Description automatically generated">
+            <a:extLst>
+              <a:ext uri="{FF2B5EF4-FFF2-40B4-BE49-F238E27FC236}">
+                <a16:creationId xmlns:a16="http://schemas.microsoft.com/office/drawing/2014/main" id="{BE6E59DC-7754-7AD5-BFE5-6D3996FC49E6}"/>
+              </a:ext>
+            </a:extLst>
+          </p:cNvPr>
+          <p:cNvPicPr>
+            <a:picLocks noChangeAspect="1"/>
+          </p:cNvPicPr>
+          <p:nvPr/>
+        </p:nvPicPr>
+        <p:blipFill>
+          <a:blip r:embed="rId3">
+            <a:extLst>
+              <a:ext uri="{28A0092B-C50C-407E-A947-70E740481C1C}">
+                <a14:useLocalDpi xmlns:a14="http://schemas.microsoft.com/office/drawing/2010/main" val="0"/>
+              </a:ext>
+            </a:extLst>
+          </a:blip>
+          <a:stretch>
+            <a:fillRect/>
+          </a:stretch>
+        </p:blipFill>
+        <p:spPr>
+          <a:xfrm>
+            <a:off x="1042737" y="0"/>
+            <a:ext cx="10106526" cy="6858000"/>
+          </a:xfrm>
+          <a:prstGeom prst="rect">
+            <a:avLst/>
+          </a:prstGeom>
+        </p:spPr>
+      </p:pic>
     </p:spTree>
     <p:extLst>
       <p:ext uri="{BB962C8B-B14F-4D97-AF65-F5344CB8AC3E}">
-        <p14:creationId xmlns:p14="http://schemas.microsoft.com/office/powerpoint/2010/main" val="3546341208"/>
+        <p14:creationId xmlns:p14="http://schemas.microsoft.com/office/powerpoint/2010/main" val="3208531816"/>
       </p:ext>
     </p:extLst>
   </p:cSld>
@@ -7571,55 +8507,90 @@
             <p:ph type="subTitle" idx="1"/>
           </p:nvPr>
         </p:nvSpPr>
-        <p:spPr/>
-        <p:txBody>
-          <a:bodyPr/>
+        <p:spPr>
+          <a:xfrm>
+            <a:off x="1916272" y="2454292"/>
+            <a:ext cx="9288096" cy="1435331"/>
+          </a:xfrm>
+        </p:spPr>
+        <p:txBody>
+          <a:bodyPr>
+            <a:normAutofit lnSpcReduction="10000"/>
+          </a:bodyPr>
           <a:lstStyle/>
           <a:p>
+            <a:r>
+              <a:rPr kumimoji="0" lang="en-US" sz="5900" b="1" i="0" u="none" strike="noStrike" kern="1200" cap="all" spc="0" normalizeH="0" baseline="0" noProof="0" dirty="0">
+                <a:ln>
+                  <a:noFill/>
+                </a:ln>
+                <a:effectLst/>
+                <a:uLnTx/>
+                <a:uFillTx/>
+                <a:latin typeface="Neue Haas Grotesk Text Pro"/>
+                <a:ea typeface="+mj-ea"/>
+                <a:cs typeface="+mj-cs"/>
+              </a:rPr>
+              <a:t>Content</a:t>
+            </a:r>
+            <a:r>
+              <a:rPr kumimoji="0" lang="en-US" sz="5900" b="1" i="0" u="none" strike="noStrike" kern="1200" cap="all" spc="0" normalizeH="0" baseline="0" noProof="0" dirty="0">
+                <a:ln>
+                  <a:noFill/>
+                </a:ln>
+                <a:solidFill>
+                  <a:srgbClr val="FFFFFF"/>
+                </a:solidFill>
+                <a:effectLst/>
+                <a:uLnTx/>
+                <a:uFillTx/>
+                <a:latin typeface="Neue Haas Grotesk Text Pro"/>
+                <a:ea typeface="+mj-ea"/>
+                <a:cs typeface="+mj-cs"/>
+              </a:rPr>
+              <a:t> </a:t>
+            </a:r>
+            <a:r>
+              <a:rPr kumimoji="0" lang="en-US" sz="5900" b="1" i="0" u="none" strike="noStrike" kern="1200" cap="all" spc="0" normalizeH="0" baseline="0" noProof="0" dirty="0">
+                <a:ln>
+                  <a:noFill/>
+                </a:ln>
+                <a:solidFill>
+                  <a:srgbClr val="FF0000"/>
+                </a:solidFill>
+                <a:effectLst/>
+                <a:uLnTx/>
+                <a:uFillTx/>
+                <a:latin typeface="Neue Haas Grotesk Text Pro"/>
+                <a:ea typeface="+mj-ea"/>
+                <a:cs typeface="+mj-cs"/>
+              </a:rPr>
+              <a:t>strategy</a:t>
+            </a:r>
+            <a:br>
+              <a:rPr kumimoji="0" lang="en-US" sz="5900" b="1" i="0" u="none" strike="noStrike" kern="1200" cap="all" spc="0" normalizeH="0" baseline="0" noProof="0" dirty="0">
+                <a:ln>
+                  <a:noFill/>
+                </a:ln>
+                <a:solidFill>
+                  <a:srgbClr val="FFFFFF"/>
+                </a:solidFill>
+                <a:effectLst/>
+                <a:uLnTx/>
+                <a:uFillTx/>
+                <a:latin typeface="Neue Haas Grotesk Text Pro"/>
+                <a:ea typeface="+mj-ea"/>
+                <a:cs typeface="+mj-cs"/>
+              </a:rPr>
+            </a:br>
             <a:endParaRPr lang="es-ES" dirty="0"/>
           </a:p>
         </p:txBody>
       </p:sp>
-      <p:pic>
-        <p:nvPicPr>
-          <p:cNvPr id="3" name="Picture 2" descr="A graph with different colored bars&#10;&#10;Description automatically generated">
-            <a:extLst>
-              <a:ext uri="{FF2B5EF4-FFF2-40B4-BE49-F238E27FC236}">
-                <a16:creationId xmlns:a16="http://schemas.microsoft.com/office/drawing/2014/main" id="{96D41CA3-05D0-9486-34B0-DA426A77BF23}"/>
-              </a:ext>
-            </a:extLst>
-          </p:cNvPr>
-          <p:cNvPicPr>
-            <a:picLocks noChangeAspect="1"/>
-          </p:cNvPicPr>
-          <p:nvPr/>
-        </p:nvPicPr>
-        <p:blipFill>
-          <a:blip r:embed="rId3">
-            <a:extLst>
-              <a:ext uri="{28A0092B-C50C-407E-A947-70E740481C1C}">
-                <a14:useLocalDpi xmlns:a14="http://schemas.microsoft.com/office/drawing/2010/main" val="0"/>
-              </a:ext>
-            </a:extLst>
-          </a:blip>
-          <a:stretch>
-            <a:fillRect/>
-          </a:stretch>
-        </p:blipFill>
-        <p:spPr>
-          <a:xfrm>
-            <a:off x="2329630" y="0"/>
-            <a:ext cx="7532739" cy="6858000"/>
-          </a:xfrm>
-          <a:prstGeom prst="rect">
-            <a:avLst/>
-          </a:prstGeom>
-        </p:spPr>
-      </p:pic>
     </p:spTree>
     <p:extLst>
       <p:ext uri="{BB962C8B-B14F-4D97-AF65-F5344CB8AC3E}">
-        <p14:creationId xmlns:p14="http://schemas.microsoft.com/office/powerpoint/2010/main" val="3133570569"/>
+        <p14:creationId xmlns:p14="http://schemas.microsoft.com/office/powerpoint/2010/main" val="3546341208"/>
       </p:ext>
     </p:extLst>
   </p:cSld>
@@ -7704,10 +8675,10 @@
       </p:sp>
       <p:pic>
         <p:nvPicPr>
-          <p:cNvPr id="3" name="Picture 2" descr="A colorful bar graph with black text&#10;&#10;Description automatically generated with medium confidence">
-            <a:extLst>
-              <a:ext uri="{FF2B5EF4-FFF2-40B4-BE49-F238E27FC236}">
-                <a16:creationId xmlns:a16="http://schemas.microsoft.com/office/drawing/2014/main" id="{3E497C6F-E98D-BB36-1B08-B86112F833E5}"/>
+          <p:cNvPr id="3" name="Picture 2" descr="A graph with different colored bars&#10;&#10;Description automatically generated">
+            <a:extLst>
+              <a:ext uri="{FF2B5EF4-FFF2-40B4-BE49-F238E27FC236}">
+                <a16:creationId xmlns:a16="http://schemas.microsoft.com/office/drawing/2014/main" id="{96D41CA3-05D0-9486-34B0-DA426A77BF23}"/>
               </a:ext>
             </a:extLst>
           </p:cNvPr>
@@ -7730,8 +8701,8 @@
         </p:blipFill>
         <p:spPr>
           <a:xfrm>
-            <a:off x="0" y="450668"/>
-            <a:ext cx="12192000" cy="5956663"/>
+            <a:off x="2329630" y="0"/>
+            <a:ext cx="7532739" cy="6858000"/>
           </a:xfrm>
           <a:prstGeom prst="rect">
             <a:avLst/>
@@ -7741,7 +8712,7 @@
     </p:spTree>
     <p:extLst>
       <p:ext uri="{BB962C8B-B14F-4D97-AF65-F5344CB8AC3E}">
-        <p14:creationId xmlns:p14="http://schemas.microsoft.com/office/powerpoint/2010/main" val="230917798"/>
+        <p14:creationId xmlns:p14="http://schemas.microsoft.com/office/powerpoint/2010/main" val="3133570569"/>
       </p:ext>
     </p:extLst>
   </p:cSld>
@@ -7826,10 +8797,10 @@
       </p:sp>
       <p:pic>
         <p:nvPicPr>
-          <p:cNvPr id="3" name="Picture 2" descr="A screen shot of a graph&#10;&#10;Description automatically generated">
-            <a:extLst>
-              <a:ext uri="{FF2B5EF4-FFF2-40B4-BE49-F238E27FC236}">
-                <a16:creationId xmlns:a16="http://schemas.microsoft.com/office/drawing/2014/main" id="{55EB5676-1630-2DF7-BDA3-0309505F575F}"/>
+          <p:cNvPr id="3" name="Picture 2" descr="A colorful bar graph with black text&#10;&#10;Description automatically generated with medium confidence">
+            <a:extLst>
+              <a:ext uri="{FF2B5EF4-FFF2-40B4-BE49-F238E27FC236}">
+                <a16:creationId xmlns:a16="http://schemas.microsoft.com/office/drawing/2014/main" id="{3E497C6F-E98D-BB36-1B08-B86112F833E5}"/>
               </a:ext>
             </a:extLst>
           </p:cNvPr>
@@ -7863,7 +8834,7 @@
     </p:spTree>
     <p:extLst>
       <p:ext uri="{BB962C8B-B14F-4D97-AF65-F5344CB8AC3E}">
-        <p14:creationId xmlns:p14="http://schemas.microsoft.com/office/powerpoint/2010/main" val="3659064535"/>
+        <p14:creationId xmlns:p14="http://schemas.microsoft.com/office/powerpoint/2010/main" val="230917798"/>
       </p:ext>
     </p:extLst>
   </p:cSld>
@@ -7948,10 +8919,10 @@
       </p:sp>
       <p:pic>
         <p:nvPicPr>
-          <p:cNvPr id="3" name="Picture 2" descr="A screenshot of a computer&#10;&#10;Description automatically generated">
-            <a:extLst>
-              <a:ext uri="{FF2B5EF4-FFF2-40B4-BE49-F238E27FC236}">
-                <a16:creationId xmlns:a16="http://schemas.microsoft.com/office/drawing/2014/main" id="{65D6DB37-24B6-0D78-5326-DADA0BC9C88A}"/>
+          <p:cNvPr id="3" name="Picture 2" descr="A screen shot of a graph&#10;&#10;Description automatically generated">
+            <a:extLst>
+              <a:ext uri="{FF2B5EF4-FFF2-40B4-BE49-F238E27FC236}">
+                <a16:creationId xmlns:a16="http://schemas.microsoft.com/office/drawing/2014/main" id="{55EB5676-1630-2DF7-BDA3-0309505F575F}"/>
               </a:ext>
             </a:extLst>
           </p:cNvPr>
@@ -7985,7 +8956,7 @@
     </p:spTree>
     <p:extLst>
       <p:ext uri="{BB962C8B-B14F-4D97-AF65-F5344CB8AC3E}">
-        <p14:creationId xmlns:p14="http://schemas.microsoft.com/office/powerpoint/2010/main" val="2287828510"/>
+        <p14:creationId xmlns:p14="http://schemas.microsoft.com/office/powerpoint/2010/main" val="3659064535"/>
       </p:ext>
     </p:extLst>
   </p:cSld>
